--- a/Presentations/Poster/Poster template 4 columns copia.pptx
+++ b/Presentations/Poster/Poster template 4 columns copia.pptx
@@ -256,7 +256,7 @@
             <a:fld id="{0158C5BC-9A70-462C-B28D-9600239EAC64}" type="datetimeFigureOut">
               <a:rPr lang="en-US" smtClean="0"/>
               <a:pPr/>
-              <a:t>7/21/22</a:t>
+              <a:t>7/21/2022</a:t>
             </a:fld>
             <a:endParaRPr lang="en-US"/>
           </a:p>
@@ -323,7 +323,7 @@
             <a:fld id="{79C131B7-05CA-4AEE-9267-6D0ED4DC84F3}" type="slidenum">
               <a:rPr lang="en-US" smtClean="0"/>
               <a:pPr/>
-              <a:t>‹N›</a:t>
+              <a:t>‹#›</a:t>
             </a:fld>
             <a:endParaRPr lang="en-US"/>
           </a:p>
@@ -423,7 +423,7 @@
             <a:fld id="{E6CC2317-6751-4CD4-9995-8782DD78E936}" type="datetimeFigureOut">
               <a:rPr lang="en-US" smtClean="0"/>
               <a:pPr/>
-              <a:t>7/21/22</a:t>
+              <a:t>7/21/2022</a:t>
             </a:fld>
             <a:endParaRPr lang="en-US" dirty="0"/>
           </a:p>
@@ -584,7 +584,7 @@
             <a:fld id="{26A1A87D-CAF7-4BDC-A0D3-C0DBEDE81619}" type="slidenum">
               <a:rPr lang="en-US" smtClean="0"/>
               <a:pPr/>
-              <a:t>‹N›</a:t>
+              <a:t>‹#›</a:t>
             </a:fld>
             <a:endParaRPr lang="en-US" dirty="0"/>
           </a:p>
@@ -691,6 +691,91 @@
     </a:lvl9pPr>
   </p:notesStyle>
 </p:notesMaster>
+</file>
+
+<file path=ppt/notesSlides/notesSlide1.xml><?xml version="1.0" encoding="utf-8"?>
+<p:notes xmlns:a="http://schemas.openxmlformats.org/drawingml/2006/main" xmlns:r="http://schemas.openxmlformats.org/officeDocument/2006/relationships" xmlns:p="http://schemas.openxmlformats.org/presentationml/2006/main">
+  <p:cSld>
+    <p:spTree>
+      <p:nvGrpSpPr>
+        <p:cNvPr id="1" name=""/>
+        <p:cNvGrpSpPr/>
+        <p:nvPr/>
+      </p:nvGrpSpPr>
+      <p:grpSpPr>
+        <a:xfrm>
+          <a:off x="0" y="0"/>
+          <a:ext cx="0" cy="0"/>
+          <a:chOff x="0" y="0"/>
+          <a:chExt cx="0" cy="0"/>
+        </a:xfrm>
+      </p:grpSpPr>
+      <p:sp>
+        <p:nvSpPr>
+          <p:cNvPr id="2" name="Slide Image Placeholder 1"/>
+          <p:cNvSpPr>
+            <a:spLocks noGrp="1" noRot="1" noChangeAspect="1"/>
+          </p:cNvSpPr>
+          <p:nvPr>
+            <p:ph type="sldImg"/>
+          </p:nvPr>
+        </p:nvSpPr>
+        <p:spPr/>
+      </p:sp>
+      <p:sp>
+        <p:nvSpPr>
+          <p:cNvPr id="3" name="Notes Placeholder 2"/>
+          <p:cNvSpPr>
+            <a:spLocks noGrp="1"/>
+          </p:cNvSpPr>
+          <p:nvPr>
+            <p:ph type="body" idx="1"/>
+          </p:nvPr>
+        </p:nvSpPr>
+        <p:spPr/>
+        <p:txBody>
+          <a:bodyPr/>
+          <a:lstStyle/>
+          <a:p>
+            <a:endParaRPr lang="it-IT" dirty="0"/>
+          </a:p>
+        </p:txBody>
+      </p:sp>
+      <p:sp>
+        <p:nvSpPr>
+          <p:cNvPr id="4" name="Slide Number Placeholder 3"/>
+          <p:cNvSpPr>
+            <a:spLocks noGrp="1"/>
+          </p:cNvSpPr>
+          <p:nvPr>
+            <p:ph type="sldNum" sz="quarter" idx="5"/>
+          </p:nvPr>
+        </p:nvSpPr>
+        <p:spPr/>
+        <p:txBody>
+          <a:bodyPr/>
+          <a:lstStyle/>
+          <a:p>
+            <a:fld id="{26A1A87D-CAF7-4BDC-A0D3-C0DBEDE81619}" type="slidenum">
+              <a:rPr lang="en-US" smtClean="0"/>
+              <a:pPr/>
+              <a:t>1</a:t>
+            </a:fld>
+            <a:endParaRPr lang="en-US" dirty="0"/>
+          </a:p>
+        </p:txBody>
+      </p:sp>
+    </p:spTree>
+    <p:extLst>
+      <p:ext uri="{BB962C8B-B14F-4D97-AF65-F5344CB8AC3E}">
+        <p14:creationId xmlns:p14="http://schemas.microsoft.com/office/powerpoint/2010/main" val="1603933961"/>
+      </p:ext>
+    </p:extLst>
+  </p:cSld>
+  <p:clrMapOvr>
+    <a:masterClrMapping/>
+  </p:clrMapOvr>
+</p:notes>
 </file>
 
 <file path=ppt/slideLayouts/slideLayout1.xml><?xml version="1.0" encoding="utf-8"?>
@@ -8819,7 +8904,7 @@
           <a:bodyPr/>
           <a:lstStyle/>
           <a:p>
-            <a:endParaRPr lang="en-US"/>
+            <a:endParaRPr lang="en-US" dirty="0"/>
           </a:p>
         </p:txBody>
       </p:sp>
@@ -8965,7 +9050,7 @@
               <a:rPr lang="en-US" dirty="0">
                 <a:latin typeface="+mn-lt"/>
               </a:rPr>
-              <a:t>We proceeded with a deeper analysis and the build of some models, which highlighted that the score of a student is affected by some features as his socioeconomic state, the amount of time he dedicates to study, his class’s size and some others, besides his hard work and study.  The obtained results suggested us some ways to help the lagging students, who most of the times were the immigrant ones, understanding the points that could be improved.</a:t>
+              <a:t>We proceeded with a deeper analysis and built some models, which highlighted that the score of a student is affected by some features as his socioeconomic state, the amount of time he dedicates to study, his class size and some others, besides his hard work and study.  The obtained results suggested us some ways to help the lagging students, who most of the times were the immigrant ones, understanding the points that could be improved.</a:t>
             </a:r>
             <a:endParaRPr lang="it-IT" dirty="0">
               <a:latin typeface="+mn-lt"/>
@@ -9049,42 +9134,6 @@
           </a:p>
         </p:txBody>
       </p:sp>
-      <p:pic>
-        <p:nvPicPr>
-          <p:cNvPr id="27" name="Immagine 4" descr="Immagine che contiene testo, segnale, calibro&#10;&#10;Descrizione generata automaticamente">
-            <a:extLst>
-              <a:ext uri="{FF2B5EF4-FFF2-40B4-BE49-F238E27FC236}">
-                <a16:creationId xmlns:a16="http://schemas.microsoft.com/office/drawing/2014/main" id="{BB99F4A2-7FC3-8EBC-5451-6F929DBF2832}"/>
-              </a:ext>
-            </a:extLst>
-          </p:cNvPr>
-          <p:cNvPicPr>
-            <a:picLocks noChangeAspect="1"/>
-          </p:cNvPicPr>
-          <p:nvPr/>
-        </p:nvPicPr>
-        <p:blipFill>
-          <a:blip r:embed="rId2">
-            <a:extLst>
-              <a:ext uri="{28A0092B-C50C-407E-A947-70E740481C1C}">
-                <a14:useLocalDpi xmlns:a14="http://schemas.microsoft.com/office/drawing/2010/main" val="0"/>
-              </a:ext>
-            </a:extLst>
-          </a:blip>
-          <a:stretch>
-            <a:fillRect/>
-          </a:stretch>
-        </p:blipFill>
-        <p:spPr>
-          <a:xfrm>
-            <a:off x="35413932" y="2388811"/>
-            <a:ext cx="3600000" cy="1613793"/>
-          </a:xfrm>
-          <a:prstGeom prst="rect">
-            <a:avLst/>
-          </a:prstGeom>
-        </p:spPr>
-      </p:pic>
       <p:pic>
         <p:nvPicPr>
           <p:cNvPr id="23" name="Picture 22" descr="A picture containing logo&#10;&#10;Description automatically generated">
@@ -9174,7 +9223,7 @@
         <p:spPr>
           <a:xfrm>
             <a:off x="438552" y="25364479"/>
-            <a:ext cx="9799906" cy="4643557"/>
+            <a:ext cx="9799906" cy="4655996"/>
           </a:xfrm>
           <a:prstGeom prst="rect">
             <a:avLst/>
@@ -9354,12 +9403,9 @@
                 <a:spcPts val="600"/>
               </a:spcBef>
             </a:pPr>
-            <a:r>
-              <a:rPr lang="en-GB" b="1" dirty="0">
-                <a:latin typeface="+mn-lt"/>
-              </a:rPr>
-              <a:t>results</a:t>
-            </a:r>
+            <a:endParaRPr lang="en-GB" sz="2300" i="1" dirty="0">
+              <a:latin typeface="+mn-lt"/>
+            </a:endParaRPr>
           </a:p>
           <a:p>
             <a:pPr algn="just">
@@ -9368,12 +9414,12 @@
               </a:spcBef>
             </a:pPr>
             <a:r>
-              <a:rPr lang="en-GB" sz="2300" dirty="0">
+              <a:rPr lang="en-GB" sz="2300" i="1" dirty="0">
                 <a:latin typeface="+mn-lt"/>
               </a:rPr>
               <a:t>The cluster linked to the best performances contains only the 23% of the total number of immigrants, while the worst one contains the 54% of them. Moreover, from the analysis of the other features of the clusters it’s clear that immigrants often attend poorer schools with a shortage of material and staff, where there is generally a school climate that hinders learning.</a:t>
             </a:r>
-            <a:endParaRPr lang="it-IT" sz="2300" dirty="0">
+            <a:endParaRPr lang="it-IT" sz="2300" i="1" dirty="0">
               <a:latin typeface="+mn-lt"/>
             </a:endParaRPr>
           </a:p>
@@ -9395,8 +9441,8 @@
         </p:nvSpPr>
         <p:spPr>
           <a:xfrm>
-            <a:off x="11144488" y="5219272"/>
-            <a:ext cx="9799906" cy="2449238"/>
+            <a:off x="11144488" y="9991794"/>
+            <a:ext cx="9799906" cy="5593689"/>
           </a:xfrm>
           <a:prstGeom prst="rect">
             <a:avLst/>
@@ -9576,12 +9622,67 @@
                 <a:spcPts val="600"/>
               </a:spcBef>
             </a:pPr>
+            <a:endParaRPr lang="en-US" dirty="0">
+              <a:latin typeface="+mn-lt"/>
+            </a:endParaRPr>
+          </a:p>
+          <a:p>
+            <a:pPr algn="just">
+              <a:spcBef>
+                <a:spcPts val="600"/>
+              </a:spcBef>
+            </a:pPr>
             <a:r>
-              <a:rPr lang="en-US" b="1" dirty="0">
+              <a:rPr lang="en-US" i="1" dirty="0">
                 <a:latin typeface="+mn-lt"/>
               </a:rPr>
-              <a:t>results</a:t>
+              <a:t>The main hypothesis was confirmed for all European countries (except Great Britain). By ranking them, we see that Great Britain is the country with least score difference, while Denmark is the worst among the selected countries.</a:t>
             </a:r>
+          </a:p>
+          <a:p>
+            <a:pPr algn="just">
+              <a:spcBef>
+                <a:spcPts val="600"/>
+              </a:spcBef>
+            </a:pPr>
+            <a:r>
+              <a:rPr lang="en-US" i="1" dirty="0">
+                <a:latin typeface="+mn-lt"/>
+              </a:rPr>
+              <a:t>In addition, learning times for immigrants are consistently more in all countries with respect to natives’ times; this result highlights that usually the failure of immigrants is not due to a lack of commitment and study.</a:t>
+            </a:r>
+          </a:p>
+          <a:p>
+            <a:pPr algn="just">
+              <a:spcBef>
+                <a:spcPts val="600"/>
+              </a:spcBef>
+            </a:pPr>
+            <a:r>
+              <a:rPr lang="en-US" i="1" dirty="0">
+                <a:latin typeface="+mn-lt"/>
+              </a:rPr>
+              <a:t>From other inspections…</a:t>
+            </a:r>
+            <a:r>
+              <a:rPr lang="en-US" i="1" dirty="0" err="1">
+                <a:latin typeface="+mn-lt"/>
+              </a:rPr>
+              <a:t>seba</a:t>
+            </a:r>
+            <a:r>
+              <a:rPr lang="en-US" i="1" dirty="0">
+                <a:latin typeface="+mn-lt"/>
+              </a:rPr>
+              <a:t> continua</a:t>
+            </a:r>
+          </a:p>
+          <a:p>
+            <a:pPr algn="just">
+              <a:spcBef>
+                <a:spcPts val="600"/>
+              </a:spcBef>
+            </a:pPr>
             <a:endParaRPr lang="it-IT" b="1" dirty="0">
               <a:latin typeface="+mn-lt"/>
             </a:endParaRPr>
@@ -9604,8 +9705,8 @@
         </p:nvSpPr>
         <p:spPr>
           <a:xfrm>
-            <a:off x="11196737" y="12610684"/>
-            <a:ext cx="9799906" cy="4153679"/>
+            <a:off x="11150092" y="19749838"/>
+            <a:ext cx="9799906" cy="10753178"/>
           </a:xfrm>
           <a:prstGeom prst="rect">
             <a:avLst/>
@@ -9805,13 +9906,43 @@
                 <a:spcPts val="600"/>
               </a:spcBef>
             </a:pPr>
+            <a:endParaRPr lang="en-US" dirty="0">
+              <a:latin typeface="+mn-lt"/>
+            </a:endParaRPr>
+          </a:p>
+          <a:p>
+            <a:pPr algn="just">
+              <a:spcBef>
+                <a:spcPts val="600"/>
+              </a:spcBef>
+            </a:pPr>
             <a:r>
-              <a:rPr lang="en-US" b="1" dirty="0">
+              <a:rPr lang="en-US" i="1" dirty="0">
                 <a:latin typeface="+mn-lt"/>
               </a:rPr>
-              <a:t>results</a:t>
+              <a:t>We started with the European dataset to look for general trends: we found out, as we expected, that being an immigrant student, who mainly speaks his language and not the one of the country he lives in, has a negative effect on the scores, as well as having parents who are not highly educated and being bullied at school. Moreover, it was clear that a school with a shortage of educational material and staff influences its students’ achievements, especially if they are immigrant who probably need an additional and more careful help from teachers. On the other side, there are also positive effects, given mostly by the socioeconomic state of the student.</a:t>
             </a:r>
-            <a:endParaRPr lang="it-IT" b="1" dirty="0">
+          </a:p>
+          <a:p>
+            <a:pPr algn="just">
+              <a:spcBef>
+                <a:spcPts val="600"/>
+              </a:spcBef>
+            </a:pPr>
+            <a:r>
+              <a:rPr lang="en-US" i="1" dirty="0">
+                <a:latin typeface="+mn-lt"/>
+              </a:rPr>
+              <a:t>We decided to investigate more deeply the datasets of Great Britain and Denmark, trying to highlight if there are features that are more relevant than others in determining the integration gap between these two countries. First of all, as we expected, we noticed that the feature ‘immigration’ was not significant anymore in the Great Britain model. On the contrary, in Denmark being an immigrant has a strong negative effect on the school success, also worsened by the interaction with other covariates as the student-teacher ratio and being bullied.</a:t>
+            </a:r>
+          </a:p>
+          <a:p>
+            <a:pPr algn="just">
+              <a:spcBef>
+                <a:spcPts val="600"/>
+              </a:spcBef>
+            </a:pPr>
+            <a:endParaRPr lang="it-IT" b="1" i="1" dirty="0">
               <a:latin typeface="+mn-lt"/>
             </a:endParaRPr>
           </a:p>
@@ -10034,12 +10165,9 @@
                 <a:spcPts val="600"/>
               </a:spcBef>
             </a:pPr>
-            <a:r>
-              <a:rPr lang="en-GB" sz="2300" b="1" dirty="0">
-                <a:latin typeface="+mn-lt"/>
-              </a:rPr>
-              <a:t>results</a:t>
-            </a:r>
+            <a:endParaRPr lang="en-GB" sz="2300" dirty="0">
+              <a:latin typeface="+mn-lt"/>
+            </a:endParaRPr>
           </a:p>
           <a:p>
             <a:pPr algn="just">
@@ -10048,7 +10176,7 @@
               </a:spcBef>
             </a:pPr>
             <a:r>
-              <a:rPr lang="en-GB" sz="2300" dirty="0">
+              <a:rPr lang="en-GB" sz="2300" i="1" dirty="0">
                 <a:latin typeface="+mn-lt"/>
               </a:rPr>
               <a:t>The random effect given by the country is significant and increase its relevance once added the immigration random slope, both for math and reading (the Percentage of Variance explained by the Random Effect (PVRE) goes from 2.3% to 4.4% for math and from 1.5% to 4.3% for reading). </a:t>
@@ -10061,24 +10189,24 @@
               </a:spcBef>
             </a:pPr>
             <a:r>
-              <a:rPr lang="en-GB" sz="2300" dirty="0">
+              <a:rPr lang="en-GB" sz="2300" i="1" dirty="0">
                 <a:latin typeface="+mn-lt"/>
               </a:rPr>
               <a:t>An important result and a confirmation of our previous analyses can be observed in the </a:t>
             </a:r>
             <a:r>
-              <a:rPr lang="en-GB" sz="2300" dirty="0" err="1">
+              <a:rPr lang="en-GB" sz="2300" i="1" dirty="0" err="1">
                 <a:latin typeface="+mn-lt"/>
               </a:rPr>
               <a:t>dotplot</a:t>
             </a:r>
             <a:r>
-              <a:rPr lang="en-GB" sz="2300" dirty="0">
+              <a:rPr lang="en-GB" sz="2300" i="1" dirty="0">
                 <a:latin typeface="+mn-lt"/>
               </a:rPr>
               <a:t> of the random effects of the two models, indeed it’s clear how, being an immigrant, living in Great Britain has a positive effect with respect to the mean on the school performances while living in Denmark has a negative one.</a:t>
             </a:r>
-            <a:endParaRPr lang="it-IT" sz="2300" dirty="0">
+            <a:endParaRPr lang="it-IT" sz="2300" i="1" dirty="0">
               <a:latin typeface="+mn-lt"/>
             </a:endParaRPr>
           </a:p>
@@ -10100,8 +10228,8 @@
         </p:nvSpPr>
         <p:spPr>
           <a:xfrm>
-            <a:off x="21889068" y="19567804"/>
-            <a:ext cx="9799906" cy="3722920"/>
+            <a:off x="21889068" y="16566478"/>
+            <a:ext cx="9799906" cy="6907253"/>
           </a:xfrm>
           <a:prstGeom prst="rect">
             <a:avLst/>
@@ -10300,7 +10428,42 @@
               </a:rPr>
               <a:t>To explore a posteriori these clusters we applied a multinomial logistic model, which allowed us to identify the different characteristics of the best and worst schools. Indeed, the output of these models assign at each covariate a coefficient which increments or decrements the probability of being assigned to the best or worst schools class.</a:t>
             </a:r>
-            <a:endParaRPr lang="it-IT" dirty="0">
+          </a:p>
+          <a:p>
+            <a:pPr algn="just">
+              <a:spcBef>
+                <a:spcPts val="0"/>
+              </a:spcBef>
+            </a:pPr>
+            <a:endParaRPr lang="en-GB" dirty="0">
+              <a:latin typeface="+mn-lt"/>
+            </a:endParaRPr>
+          </a:p>
+          <a:p>
+            <a:pPr algn="just">
+              <a:spcBef>
+                <a:spcPts val="0"/>
+              </a:spcBef>
+            </a:pPr>
+            <a:r>
+              <a:rPr lang="en-US" i="1" dirty="0">
+                <a:latin typeface="+mn-lt"/>
+              </a:rPr>
+              <a:t>From the tables of the results we notice that in Great Britain the best and worst schools do not present huge differences in their characteristics, except for an higher socioeconomic state of the student and a larger educational staff, which probably ensures greater attention and care towards students. These variables has the same effect also in </a:t>
+            </a:r>
+            <a:r>
+              <a:rPr lang="en-US" i="1" dirty="0" err="1">
+                <a:latin typeface="+mn-lt"/>
+              </a:rPr>
+              <a:t>Denamark</a:t>
+            </a:r>
+            <a:r>
+              <a:rPr lang="en-US" i="1" dirty="0">
+                <a:latin typeface="+mn-lt"/>
+              </a:rPr>
+              <a:t>, but in addition there’s a relevant worsening in the school climate in the worst schools and, as expected, being an immigrant student increments the probabilities of being assigned to the worst schools class.</a:t>
+            </a:r>
+            <a:endParaRPr lang="it-IT" i="1" dirty="0">
               <a:latin typeface="+mn-lt"/>
             </a:endParaRPr>
           </a:p>
@@ -10364,7 +10527,7 @@
         </p:blipFill>
         <p:spPr>
           <a:xfrm>
-            <a:off x="11196737" y="8248119"/>
+            <a:off x="11378972" y="16333234"/>
             <a:ext cx="4095457" cy="3416604"/>
           </a:xfrm>
           <a:prstGeom prst="rect">
@@ -10400,7 +10563,7 @@
         </p:blipFill>
         <p:spPr>
           <a:xfrm>
-            <a:off x="16567812" y="8438886"/>
+            <a:off x="16399408" y="16333234"/>
             <a:ext cx="4376582" cy="3416604"/>
           </a:xfrm>
           <a:prstGeom prst="rect">
@@ -10408,6 +10571,7920 @@
           </a:prstGeom>
         </p:spPr>
       </p:pic>
+      <p:pic>
+        <p:nvPicPr>
+          <p:cNvPr id="28" name="Picture 27" descr="Chart&#10;&#10;Description automatically generated">
+            <a:extLst>
+              <a:ext uri="{FF2B5EF4-FFF2-40B4-BE49-F238E27FC236}">
+                <a16:creationId xmlns:a16="http://schemas.microsoft.com/office/drawing/2014/main" id="{4F22FA92-9C64-3FA4-3E8A-1EC2DBF3843F}"/>
+              </a:ext>
+            </a:extLst>
+          </p:cNvPr>
+          <p:cNvPicPr>
+            <a:picLocks noChangeAspect="1"/>
+          </p:cNvPicPr>
+          <p:nvPr/>
+        </p:nvPicPr>
+        <p:blipFill>
+          <a:blip r:embed="rId8">
+            <a:extLst>
+              <a:ext uri="{28A0092B-C50C-407E-A947-70E740481C1C}">
+                <a14:useLocalDpi xmlns:a14="http://schemas.microsoft.com/office/drawing/2010/main" val="0"/>
+              </a:ext>
+            </a:extLst>
+          </a:blip>
+          <a:srcRect/>
+          <a:stretch>
+            <a:fillRect/>
+          </a:stretch>
+        </p:blipFill>
+        <p:spPr bwMode="auto">
+          <a:xfrm>
+            <a:off x="22196247" y="12865852"/>
+            <a:ext cx="3744404" cy="3722919"/>
+          </a:xfrm>
+          <a:prstGeom prst="rect">
+            <a:avLst/>
+          </a:prstGeom>
+          <a:noFill/>
+          <a:ln>
+            <a:noFill/>
+          </a:ln>
+        </p:spPr>
+      </p:pic>
+      <p:pic>
+        <p:nvPicPr>
+          <p:cNvPr id="31" name="Picture 30">
+            <a:extLst>
+              <a:ext uri="{FF2B5EF4-FFF2-40B4-BE49-F238E27FC236}">
+                <a16:creationId xmlns:a16="http://schemas.microsoft.com/office/drawing/2014/main" id="{69DFDAB4-0C42-74FB-3B3D-4231797FA626}"/>
+              </a:ext>
+            </a:extLst>
+          </p:cNvPr>
+          <p:cNvPicPr>
+            <a:picLocks noChangeAspect="1"/>
+          </p:cNvPicPr>
+          <p:nvPr/>
+        </p:nvPicPr>
+        <p:blipFill>
+          <a:blip r:embed="rId9">
+            <a:extLst>
+              <a:ext uri="{28A0092B-C50C-407E-A947-70E740481C1C}">
+                <a14:useLocalDpi xmlns:a14="http://schemas.microsoft.com/office/drawing/2010/main" val="0"/>
+              </a:ext>
+            </a:extLst>
+          </a:blip>
+          <a:srcRect/>
+          <a:stretch>
+            <a:fillRect/>
+          </a:stretch>
+        </p:blipFill>
+        <p:spPr bwMode="auto">
+          <a:xfrm>
+            <a:off x="27566766" y="12865850"/>
+            <a:ext cx="3744404" cy="3722919"/>
+          </a:xfrm>
+          <a:prstGeom prst="rect">
+            <a:avLst/>
+          </a:prstGeom>
+          <a:noFill/>
+          <a:ln>
+            <a:noFill/>
+          </a:ln>
+        </p:spPr>
+      </p:pic>
+      <p:pic>
+        <p:nvPicPr>
+          <p:cNvPr id="8" name="Picture 7" descr="Chart, box and whisker chart&#10;&#10;Description automatically generated">
+            <a:extLst>
+              <a:ext uri="{FF2B5EF4-FFF2-40B4-BE49-F238E27FC236}">
+                <a16:creationId xmlns:a16="http://schemas.microsoft.com/office/drawing/2014/main" id="{184CBEF7-568D-0E19-5F35-24AD3D7FCA18}"/>
+              </a:ext>
+            </a:extLst>
+          </p:cNvPr>
+          <p:cNvPicPr>
+            <a:picLocks noChangeAspect="1"/>
+          </p:cNvPicPr>
+          <p:nvPr/>
+        </p:nvPicPr>
+        <p:blipFill>
+          <a:blip r:embed="rId10" cstate="print">
+            <a:extLst>
+              <a:ext uri="{28A0092B-C50C-407E-A947-70E740481C1C}">
+                <a14:useLocalDpi xmlns:a14="http://schemas.microsoft.com/office/drawing/2010/main" val="0"/>
+              </a:ext>
+            </a:extLst>
+          </a:blip>
+          <a:stretch>
+            <a:fillRect/>
+          </a:stretch>
+        </p:blipFill>
+        <p:spPr>
+          <a:xfrm>
+            <a:off x="11126112" y="5804125"/>
+            <a:ext cx="4248158" cy="3416604"/>
+          </a:xfrm>
+          <a:prstGeom prst="rect">
+            <a:avLst/>
+          </a:prstGeom>
+        </p:spPr>
+      </p:pic>
+      <p:pic>
+        <p:nvPicPr>
+          <p:cNvPr id="20" name="Picture 19" descr="Chart, box and whisker chart&#10;&#10;Description automatically generated">
+            <a:extLst>
+              <a:ext uri="{FF2B5EF4-FFF2-40B4-BE49-F238E27FC236}">
+                <a16:creationId xmlns:a16="http://schemas.microsoft.com/office/drawing/2014/main" id="{498E5341-55D7-E271-4F78-70002917DDC2}"/>
+              </a:ext>
+            </a:extLst>
+          </p:cNvPr>
+          <p:cNvPicPr>
+            <a:picLocks noChangeAspect="1"/>
+          </p:cNvPicPr>
+          <p:nvPr/>
+        </p:nvPicPr>
+        <p:blipFill>
+          <a:blip r:embed="rId11" cstate="print">
+            <a:extLst>
+              <a:ext uri="{28A0092B-C50C-407E-A947-70E740481C1C}">
+                <a14:useLocalDpi xmlns:a14="http://schemas.microsoft.com/office/drawing/2010/main" val="0"/>
+              </a:ext>
+            </a:extLst>
+          </a:blip>
+          <a:stretch>
+            <a:fillRect/>
+          </a:stretch>
+        </p:blipFill>
+        <p:spPr>
+          <a:xfrm>
+            <a:off x="16527832" y="5804125"/>
+            <a:ext cx="4248158" cy="3416604"/>
+          </a:xfrm>
+          <a:prstGeom prst="rect">
+            <a:avLst/>
+          </a:prstGeom>
+        </p:spPr>
+      </p:pic>
+      <p:pic>
+        <p:nvPicPr>
+          <p:cNvPr id="17" name="Picture 16" descr="Logo&#10;&#10;Description automatically generated with medium confidence">
+            <a:extLst>
+              <a:ext uri="{FF2B5EF4-FFF2-40B4-BE49-F238E27FC236}">
+                <a16:creationId xmlns:a16="http://schemas.microsoft.com/office/drawing/2014/main" id="{4BCF60D1-5121-F846-A9F8-D654BA9F6F8F}"/>
+              </a:ext>
+            </a:extLst>
+          </p:cNvPr>
+          <p:cNvPicPr>
+            <a:picLocks noChangeAspect="1"/>
+          </p:cNvPicPr>
+          <p:nvPr/>
+        </p:nvPicPr>
+        <p:blipFill>
+          <a:blip r:embed="rId12">
+            <a:extLst>
+              <a:ext uri="{28A0092B-C50C-407E-A947-70E740481C1C}">
+                <a14:useLocalDpi xmlns:a14="http://schemas.microsoft.com/office/drawing/2010/main" val="0"/>
+              </a:ext>
+            </a:extLst>
+          </a:blip>
+          <a:stretch>
+            <a:fillRect/>
+          </a:stretch>
+        </p:blipFill>
+        <p:spPr>
+          <a:xfrm>
+            <a:off x="35316310" y="1779314"/>
+            <a:ext cx="3350937" cy="2869103"/>
+          </a:xfrm>
+          <a:prstGeom prst="rect">
+            <a:avLst/>
+          </a:prstGeom>
+        </p:spPr>
+      </p:pic>
+      <p:graphicFrame>
+        <p:nvGraphicFramePr>
+          <p:cNvPr id="36" name="Table 21">
+            <a:extLst>
+              <a:ext uri="{FF2B5EF4-FFF2-40B4-BE49-F238E27FC236}">
+                <a16:creationId xmlns:a16="http://schemas.microsoft.com/office/drawing/2014/main" id="{CD25AD69-BC5C-0BE4-954A-4ACD8B55A977}"/>
+              </a:ext>
+            </a:extLst>
+          </p:cNvPr>
+          <p:cNvGraphicFramePr>
+            <a:graphicFrameLocks noGrp="1"/>
+          </p:cNvGraphicFramePr>
+          <p:nvPr>
+            <p:extLst>
+              <p:ext uri="{D42A27DB-BD31-4B8C-83A1-F6EECF244321}">
+                <p14:modId xmlns:p14="http://schemas.microsoft.com/office/powerpoint/2010/main" val="438537470"/>
+              </p:ext>
+            </p:extLst>
+          </p:nvPr>
+        </p:nvGraphicFramePr>
+        <p:xfrm>
+          <a:off x="22196247" y="23328107"/>
+          <a:ext cx="4647112" cy="3352800"/>
+        </p:xfrm>
+        <a:graphic>
+          <a:graphicData uri="http://schemas.openxmlformats.org/drawingml/2006/table">
+            <a:tbl>
+              <a:tblPr firstRow="1" bandRow="1"/>
+              <a:tblGrid>
+                <a:gridCol w="1748274">
+                  <a:extLst>
+                    <a:ext uri="{9D8B030D-6E8A-4147-A177-3AD203B41FA5}">
+                      <a16:colId xmlns:a16="http://schemas.microsoft.com/office/drawing/2014/main" val="857910294"/>
+                    </a:ext>
+                  </a:extLst>
+                </a:gridCol>
+                <a:gridCol w="1514698">
+                  <a:extLst>
+                    <a:ext uri="{9D8B030D-6E8A-4147-A177-3AD203B41FA5}">
+                      <a16:colId xmlns:a16="http://schemas.microsoft.com/office/drawing/2014/main" val="3509235413"/>
+                    </a:ext>
+                  </a:extLst>
+                </a:gridCol>
+                <a:gridCol w="1384140">
+                  <a:extLst>
+                    <a:ext uri="{9D8B030D-6E8A-4147-A177-3AD203B41FA5}">
+                      <a16:colId xmlns:a16="http://schemas.microsoft.com/office/drawing/2014/main" val="4213556645"/>
+                    </a:ext>
+                  </a:extLst>
+                </a:gridCol>
+              </a:tblGrid>
+              <a:tr h="327193">
+                <a:tc>
+                  <a:txBody>
+                    <a:bodyPr/>
+                    <a:lstStyle/>
+                    <a:p>
+                      <a:r>
+                        <a:rPr lang="it-IT" sz="1600" b="1" dirty="0">
+                          <a:solidFill>
+                            <a:schemeClr val="accent5">
+                              <a:lumMod val="50000"/>
+                            </a:schemeClr>
+                          </a:solidFill>
+                          <a:latin typeface="+mn-lt"/>
+                        </a:rPr>
+                        <a:t>DNK </a:t>
+                      </a:r>
+                      <a:r>
+                        <a:rPr lang="it-IT" sz="1600" b="1" dirty="0" err="1">
+                          <a:solidFill>
+                            <a:schemeClr val="accent5">
+                              <a:lumMod val="50000"/>
+                            </a:schemeClr>
+                          </a:solidFill>
+                          <a:latin typeface="+mn-lt"/>
+                        </a:rPr>
+                        <a:t>math</a:t>
+                      </a:r>
+                      <a:endParaRPr lang="it-IT" sz="1600" b="1" dirty="0">
+                        <a:solidFill>
+                          <a:schemeClr val="accent5">
+                            <a:lumMod val="50000"/>
+                          </a:schemeClr>
+                        </a:solidFill>
+                        <a:latin typeface="+mn-lt"/>
+                      </a:endParaRPr>
+                    </a:p>
+                  </a:txBody>
+                  <a:tcPr>
+                    <a:lnL w="38100" cap="flat" cmpd="sng" algn="ctr">
+                      <a:solidFill>
+                        <a:schemeClr val="accent5">
+                          <a:lumMod val="50000"/>
+                        </a:schemeClr>
+                      </a:solidFill>
+                      <a:prstDash val="solid"/>
+                      <a:round/>
+                      <a:headEnd type="none" w="med" len="med"/>
+                      <a:tailEnd type="none" w="med" len="med"/>
+                    </a:lnL>
+                    <a:lnR w="38100" cap="flat" cmpd="sng" algn="ctr">
+                      <a:noFill/>
+                      <a:prstDash val="solid"/>
+                      <a:round/>
+                      <a:headEnd type="none" w="med" len="med"/>
+                      <a:tailEnd type="none" w="med" len="med"/>
+                    </a:lnR>
+                    <a:lnT w="38100" cap="flat" cmpd="sng" algn="ctr">
+                      <a:solidFill>
+                        <a:schemeClr val="accent5">
+                          <a:lumMod val="50000"/>
+                        </a:schemeClr>
+                      </a:solidFill>
+                      <a:prstDash val="solid"/>
+                      <a:round/>
+                      <a:headEnd type="none" w="med" len="med"/>
+                      <a:tailEnd type="none" w="med" len="med"/>
+                    </a:lnT>
+                    <a:lnB w="38100" cap="flat" cmpd="sng" algn="ctr">
+                      <a:solidFill>
+                        <a:schemeClr val="accent5">
+                          <a:lumMod val="50000"/>
+                        </a:schemeClr>
+                      </a:solidFill>
+                      <a:prstDash val="solid"/>
+                      <a:round/>
+                      <a:headEnd type="none" w="med" len="med"/>
+                      <a:tailEnd type="none" w="med" len="med"/>
+                    </a:lnB>
+                  </a:tcPr>
+                </a:tc>
+                <a:tc>
+                  <a:txBody>
+                    <a:bodyPr/>
+                    <a:lstStyle/>
+                    <a:p>
+                      <a:r>
+                        <a:rPr lang="it-IT" sz="1600" i="1" dirty="0" err="1">
+                          <a:solidFill>
+                            <a:schemeClr val="accent5">
+                              <a:lumMod val="50000"/>
+                            </a:schemeClr>
+                          </a:solidFill>
+                          <a:latin typeface="+mn-lt"/>
+                        </a:rPr>
+                        <a:t>Worst</a:t>
+                      </a:r>
+                      <a:r>
+                        <a:rPr lang="it-IT" sz="1600" i="1" dirty="0">
+                          <a:solidFill>
+                            <a:schemeClr val="accent5">
+                              <a:lumMod val="50000"/>
+                            </a:schemeClr>
+                          </a:solidFill>
+                          <a:latin typeface="+mn-lt"/>
+                        </a:rPr>
+                        <a:t> Schools</a:t>
+                      </a:r>
+                    </a:p>
+                  </a:txBody>
+                  <a:tcPr>
+                    <a:lnL w="38100" cap="flat" cmpd="sng" algn="ctr">
+                      <a:noFill/>
+                      <a:prstDash val="solid"/>
+                      <a:round/>
+                      <a:headEnd type="none" w="med" len="med"/>
+                      <a:tailEnd type="none" w="med" len="med"/>
+                    </a:lnL>
+                    <a:lnR w="38100" cap="flat" cmpd="sng" algn="ctr">
+                      <a:noFill/>
+                      <a:prstDash val="solid"/>
+                      <a:round/>
+                      <a:headEnd type="none" w="med" len="med"/>
+                      <a:tailEnd type="none" w="med" len="med"/>
+                    </a:lnR>
+                    <a:lnT w="38100" cap="flat" cmpd="sng" algn="ctr">
+                      <a:solidFill>
+                        <a:schemeClr val="accent5">
+                          <a:lumMod val="50000"/>
+                        </a:schemeClr>
+                      </a:solidFill>
+                      <a:prstDash val="solid"/>
+                      <a:round/>
+                      <a:headEnd type="none" w="med" len="med"/>
+                      <a:tailEnd type="none" w="med" len="med"/>
+                    </a:lnT>
+                    <a:lnB w="38100" cap="flat" cmpd="sng" algn="ctr">
+                      <a:solidFill>
+                        <a:schemeClr val="accent5">
+                          <a:lumMod val="50000"/>
+                        </a:schemeClr>
+                      </a:solidFill>
+                      <a:prstDash val="solid"/>
+                      <a:round/>
+                      <a:headEnd type="none" w="med" len="med"/>
+                      <a:tailEnd type="none" w="med" len="med"/>
+                    </a:lnB>
+                  </a:tcPr>
+                </a:tc>
+                <a:tc>
+                  <a:txBody>
+                    <a:bodyPr/>
+                    <a:lstStyle/>
+                    <a:p>
+                      <a:r>
+                        <a:rPr lang="it-IT" sz="1600" i="1" dirty="0">
+                          <a:solidFill>
+                            <a:schemeClr val="accent5">
+                              <a:lumMod val="50000"/>
+                            </a:schemeClr>
+                          </a:solidFill>
+                          <a:latin typeface="+mn-lt"/>
+                        </a:rPr>
+                        <a:t>Best Schools</a:t>
+                      </a:r>
+                    </a:p>
+                  </a:txBody>
+                  <a:tcPr>
+                    <a:lnL w="38100" cap="flat" cmpd="sng" algn="ctr">
+                      <a:noFill/>
+                      <a:prstDash val="solid"/>
+                      <a:round/>
+                      <a:headEnd type="none" w="med" len="med"/>
+                      <a:tailEnd type="none" w="med" len="med"/>
+                    </a:lnL>
+                    <a:lnR w="38100" cap="flat" cmpd="sng" algn="ctr">
+                      <a:solidFill>
+                        <a:schemeClr val="accent5">
+                          <a:lumMod val="50000"/>
+                        </a:schemeClr>
+                      </a:solidFill>
+                      <a:prstDash val="solid"/>
+                      <a:round/>
+                      <a:headEnd type="none" w="med" len="med"/>
+                      <a:tailEnd type="none" w="med" len="med"/>
+                    </a:lnR>
+                    <a:lnT w="38100" cap="flat" cmpd="sng" algn="ctr">
+                      <a:solidFill>
+                        <a:schemeClr val="accent5">
+                          <a:lumMod val="50000"/>
+                        </a:schemeClr>
+                      </a:solidFill>
+                      <a:prstDash val="solid"/>
+                      <a:round/>
+                      <a:headEnd type="none" w="med" len="med"/>
+                      <a:tailEnd type="none" w="med" len="med"/>
+                    </a:lnT>
+                    <a:lnB w="38100" cap="flat" cmpd="sng" algn="ctr">
+                      <a:solidFill>
+                        <a:schemeClr val="accent5">
+                          <a:lumMod val="50000"/>
+                        </a:schemeClr>
+                      </a:solidFill>
+                      <a:prstDash val="solid"/>
+                      <a:round/>
+                      <a:headEnd type="none" w="med" len="med"/>
+                      <a:tailEnd type="none" w="med" len="med"/>
+                    </a:lnB>
+                  </a:tcPr>
+                </a:tc>
+                <a:extLst>
+                  <a:ext uri="{0D108BD9-81ED-4DB2-BD59-A6C34878D82A}">
+                    <a16:rowId xmlns:a16="http://schemas.microsoft.com/office/drawing/2014/main" val="2509250468"/>
+                  </a:ext>
+                </a:extLst>
+              </a:tr>
+              <a:tr h="327193">
+                <a:tc>
+                  <a:txBody>
+                    <a:bodyPr/>
+                    <a:lstStyle/>
+                    <a:p>
+                      <a:r>
+                        <a:rPr lang="it-IT" sz="1600" i="1" dirty="0" err="1">
+                          <a:solidFill>
+                            <a:schemeClr val="accent5">
+                              <a:lumMod val="50000"/>
+                            </a:schemeClr>
+                          </a:solidFill>
+                          <a:latin typeface="+mn-lt"/>
+                        </a:rPr>
+                        <a:t>emo_sup</a:t>
+                      </a:r>
+                      <a:endParaRPr lang="it-IT" sz="1600" i="1" dirty="0">
+                        <a:solidFill>
+                          <a:schemeClr val="accent5">
+                            <a:lumMod val="50000"/>
+                          </a:schemeClr>
+                        </a:solidFill>
+                        <a:latin typeface="+mn-lt"/>
+                      </a:endParaRPr>
+                    </a:p>
+                  </a:txBody>
+                  <a:tcPr>
+                    <a:lnL w="38100" cap="flat" cmpd="sng" algn="ctr">
+                      <a:solidFill>
+                        <a:schemeClr val="accent5">
+                          <a:lumMod val="50000"/>
+                        </a:schemeClr>
+                      </a:solidFill>
+                      <a:prstDash val="solid"/>
+                      <a:round/>
+                      <a:headEnd type="none" w="med" len="med"/>
+                      <a:tailEnd type="none" w="med" len="med"/>
+                    </a:lnL>
+                    <a:lnR w="38100" cap="flat" cmpd="sng" algn="ctr">
+                      <a:noFill/>
+                      <a:prstDash val="solid"/>
+                      <a:round/>
+                      <a:headEnd type="none" w="med" len="med"/>
+                      <a:tailEnd type="none" w="med" len="med"/>
+                    </a:lnR>
+                    <a:lnT w="38100" cap="flat" cmpd="sng" algn="ctr">
+                      <a:solidFill>
+                        <a:schemeClr val="accent5">
+                          <a:lumMod val="50000"/>
+                        </a:schemeClr>
+                      </a:solidFill>
+                      <a:prstDash val="solid"/>
+                      <a:round/>
+                      <a:headEnd type="none" w="med" len="med"/>
+                      <a:tailEnd type="none" w="med" len="med"/>
+                    </a:lnT>
+                    <a:lnB w="38100" cap="flat" cmpd="sng" algn="ctr">
+                      <a:solidFill>
+                        <a:schemeClr val="accent5">
+                          <a:lumMod val="50000"/>
+                        </a:schemeClr>
+                      </a:solidFill>
+                      <a:prstDash val="solid"/>
+                      <a:round/>
+                      <a:headEnd type="none" w="med" len="med"/>
+                      <a:tailEnd type="none" w="med" len="med"/>
+                    </a:lnB>
+                  </a:tcPr>
+                </a:tc>
+                <a:tc>
+                  <a:txBody>
+                    <a:bodyPr/>
+                    <a:lstStyle/>
+                    <a:p>
+                      <a:r>
+                        <a:rPr lang="it-IT" sz="1600" dirty="0">
+                          <a:solidFill>
+                            <a:schemeClr val="accent5">
+                              <a:lumMod val="50000"/>
+                            </a:schemeClr>
+                          </a:solidFill>
+                          <a:latin typeface="+mn-lt"/>
+                        </a:rPr>
+                        <a:t>-0,2137</a:t>
+                      </a:r>
+                    </a:p>
+                  </a:txBody>
+                  <a:tcPr>
+                    <a:lnL w="38100" cap="flat" cmpd="sng" algn="ctr">
+                      <a:noFill/>
+                      <a:prstDash val="solid"/>
+                      <a:round/>
+                      <a:headEnd type="none" w="med" len="med"/>
+                      <a:tailEnd type="none" w="med" len="med"/>
+                    </a:lnL>
+                    <a:lnR w="38100" cap="flat" cmpd="sng" algn="ctr">
+                      <a:noFill/>
+                      <a:prstDash val="solid"/>
+                      <a:round/>
+                      <a:headEnd type="none" w="med" len="med"/>
+                      <a:tailEnd type="none" w="med" len="med"/>
+                    </a:lnR>
+                    <a:lnT w="38100" cap="flat" cmpd="sng" algn="ctr">
+                      <a:solidFill>
+                        <a:schemeClr val="accent5">
+                          <a:lumMod val="50000"/>
+                        </a:schemeClr>
+                      </a:solidFill>
+                      <a:prstDash val="solid"/>
+                      <a:round/>
+                      <a:headEnd type="none" w="med" len="med"/>
+                      <a:tailEnd type="none" w="med" len="med"/>
+                    </a:lnT>
+                    <a:lnB w="38100" cap="flat" cmpd="sng" algn="ctr">
+                      <a:solidFill>
+                        <a:schemeClr val="accent5">
+                          <a:lumMod val="50000"/>
+                        </a:schemeClr>
+                      </a:solidFill>
+                      <a:prstDash val="solid"/>
+                      <a:round/>
+                      <a:headEnd type="none" w="med" len="med"/>
+                      <a:tailEnd type="none" w="med" len="med"/>
+                    </a:lnB>
+                  </a:tcPr>
+                </a:tc>
+                <a:tc>
+                  <a:txBody>
+                    <a:bodyPr/>
+                    <a:lstStyle/>
+                    <a:p>
+                      <a:r>
+                        <a:rPr lang="it-IT" sz="1600" dirty="0">
+                          <a:solidFill>
+                            <a:schemeClr val="accent5">
+                              <a:lumMod val="50000"/>
+                            </a:schemeClr>
+                          </a:solidFill>
+                          <a:latin typeface="+mn-lt"/>
+                        </a:rPr>
+                        <a:t>-0,2131 *</a:t>
+                      </a:r>
+                    </a:p>
+                  </a:txBody>
+                  <a:tcPr>
+                    <a:lnL w="38100" cap="flat" cmpd="sng" algn="ctr">
+                      <a:noFill/>
+                      <a:prstDash val="solid"/>
+                      <a:round/>
+                      <a:headEnd type="none" w="med" len="med"/>
+                      <a:tailEnd type="none" w="med" len="med"/>
+                    </a:lnL>
+                    <a:lnR w="38100" cap="flat" cmpd="sng" algn="ctr">
+                      <a:solidFill>
+                        <a:schemeClr val="accent5">
+                          <a:lumMod val="50000"/>
+                        </a:schemeClr>
+                      </a:solidFill>
+                      <a:prstDash val="solid"/>
+                      <a:round/>
+                      <a:headEnd type="none" w="med" len="med"/>
+                      <a:tailEnd type="none" w="med" len="med"/>
+                    </a:lnR>
+                    <a:lnT w="38100" cap="flat" cmpd="sng" algn="ctr">
+                      <a:solidFill>
+                        <a:schemeClr val="accent5">
+                          <a:lumMod val="50000"/>
+                        </a:schemeClr>
+                      </a:solidFill>
+                      <a:prstDash val="solid"/>
+                      <a:round/>
+                      <a:headEnd type="none" w="med" len="med"/>
+                      <a:tailEnd type="none" w="med" len="med"/>
+                    </a:lnT>
+                    <a:lnB w="38100" cap="flat" cmpd="sng" algn="ctr">
+                      <a:solidFill>
+                        <a:schemeClr val="accent5">
+                          <a:lumMod val="50000"/>
+                        </a:schemeClr>
+                      </a:solidFill>
+                      <a:prstDash val="solid"/>
+                      <a:round/>
+                      <a:headEnd type="none" w="med" len="med"/>
+                      <a:tailEnd type="none" w="med" len="med"/>
+                    </a:lnB>
+                  </a:tcPr>
+                </a:tc>
+                <a:extLst>
+                  <a:ext uri="{0D108BD9-81ED-4DB2-BD59-A6C34878D82A}">
+                    <a16:rowId xmlns:a16="http://schemas.microsoft.com/office/drawing/2014/main" val="2239950321"/>
+                  </a:ext>
+                </a:extLst>
+              </a:tr>
+              <a:tr h="327193">
+                <a:tc>
+                  <a:txBody>
+                    <a:bodyPr/>
+                    <a:lstStyle/>
+                    <a:p>
+                      <a:r>
+                        <a:rPr lang="it-IT" sz="1600" i="1" dirty="0" err="1">
+                          <a:solidFill>
+                            <a:schemeClr val="accent5">
+                              <a:lumMod val="50000"/>
+                            </a:schemeClr>
+                          </a:solidFill>
+                          <a:latin typeface="+mn-lt"/>
+                        </a:rPr>
+                        <a:t>class_size</a:t>
+                      </a:r>
+                      <a:endParaRPr lang="it-IT" sz="1600" i="1" dirty="0">
+                        <a:solidFill>
+                          <a:schemeClr val="accent5">
+                            <a:lumMod val="50000"/>
+                          </a:schemeClr>
+                        </a:solidFill>
+                        <a:latin typeface="+mn-lt"/>
+                      </a:endParaRPr>
+                    </a:p>
+                  </a:txBody>
+                  <a:tcPr>
+                    <a:lnL w="38100" cap="flat" cmpd="sng" algn="ctr">
+                      <a:solidFill>
+                        <a:schemeClr val="accent5">
+                          <a:lumMod val="50000"/>
+                        </a:schemeClr>
+                      </a:solidFill>
+                      <a:prstDash val="solid"/>
+                      <a:round/>
+                      <a:headEnd type="none" w="med" len="med"/>
+                      <a:tailEnd type="none" w="med" len="med"/>
+                    </a:lnL>
+                    <a:lnR w="38100" cap="flat" cmpd="sng" algn="ctr">
+                      <a:noFill/>
+                      <a:prstDash val="solid"/>
+                      <a:round/>
+                      <a:headEnd type="none" w="med" len="med"/>
+                      <a:tailEnd type="none" w="med" len="med"/>
+                    </a:lnR>
+                    <a:lnT w="38100" cap="flat" cmpd="sng" algn="ctr">
+                      <a:solidFill>
+                        <a:schemeClr val="accent5">
+                          <a:lumMod val="50000"/>
+                        </a:schemeClr>
+                      </a:solidFill>
+                      <a:prstDash val="solid"/>
+                      <a:round/>
+                      <a:headEnd type="none" w="med" len="med"/>
+                      <a:tailEnd type="none" w="med" len="med"/>
+                    </a:lnT>
+                    <a:lnB w="38100" cap="flat" cmpd="sng" algn="ctr">
+                      <a:solidFill>
+                        <a:schemeClr val="accent5">
+                          <a:lumMod val="50000"/>
+                        </a:schemeClr>
+                      </a:solidFill>
+                      <a:prstDash val="solid"/>
+                      <a:round/>
+                      <a:headEnd type="none" w="med" len="med"/>
+                      <a:tailEnd type="none" w="med" len="med"/>
+                    </a:lnB>
+                  </a:tcPr>
+                </a:tc>
+                <a:tc>
+                  <a:txBody>
+                    <a:bodyPr/>
+                    <a:lstStyle/>
+                    <a:p>
+                      <a:r>
+                        <a:rPr lang="it-IT" sz="1600" dirty="0">
+                          <a:solidFill>
+                            <a:schemeClr val="accent5">
+                              <a:lumMod val="50000"/>
+                            </a:schemeClr>
+                          </a:solidFill>
+                          <a:latin typeface="+mn-lt"/>
+                        </a:rPr>
+                        <a:t> 0,1340 ***</a:t>
+                      </a:r>
+                    </a:p>
+                  </a:txBody>
+                  <a:tcPr>
+                    <a:lnL w="38100" cap="flat" cmpd="sng" algn="ctr">
+                      <a:noFill/>
+                      <a:prstDash val="solid"/>
+                      <a:round/>
+                      <a:headEnd type="none" w="med" len="med"/>
+                      <a:tailEnd type="none" w="med" len="med"/>
+                    </a:lnL>
+                    <a:lnR w="38100" cap="flat" cmpd="sng" algn="ctr">
+                      <a:noFill/>
+                      <a:prstDash val="solid"/>
+                      <a:round/>
+                      <a:headEnd type="none" w="med" len="med"/>
+                      <a:tailEnd type="none" w="med" len="med"/>
+                    </a:lnR>
+                    <a:lnT w="38100" cap="flat" cmpd="sng" algn="ctr">
+                      <a:solidFill>
+                        <a:schemeClr val="accent5">
+                          <a:lumMod val="50000"/>
+                        </a:schemeClr>
+                      </a:solidFill>
+                      <a:prstDash val="solid"/>
+                      <a:round/>
+                      <a:headEnd type="none" w="med" len="med"/>
+                      <a:tailEnd type="none" w="med" len="med"/>
+                    </a:lnT>
+                    <a:lnB w="38100" cap="flat" cmpd="sng" algn="ctr">
+                      <a:solidFill>
+                        <a:schemeClr val="accent5">
+                          <a:lumMod val="50000"/>
+                        </a:schemeClr>
+                      </a:solidFill>
+                      <a:prstDash val="solid"/>
+                      <a:round/>
+                      <a:headEnd type="none" w="med" len="med"/>
+                      <a:tailEnd type="none" w="med" len="med"/>
+                    </a:lnB>
+                  </a:tcPr>
+                </a:tc>
+                <a:tc>
+                  <a:txBody>
+                    <a:bodyPr/>
+                    <a:lstStyle/>
+                    <a:p>
+                      <a:r>
+                        <a:rPr lang="it-IT" sz="1600" dirty="0">
+                          <a:solidFill>
+                            <a:schemeClr val="accent5">
+                              <a:lumMod val="50000"/>
+                            </a:schemeClr>
+                          </a:solidFill>
+                          <a:latin typeface="+mn-lt"/>
+                        </a:rPr>
+                        <a:t> 0,4796 ***</a:t>
+                      </a:r>
+                    </a:p>
+                  </a:txBody>
+                  <a:tcPr>
+                    <a:lnL w="38100" cap="flat" cmpd="sng" algn="ctr">
+                      <a:noFill/>
+                      <a:prstDash val="solid"/>
+                      <a:round/>
+                      <a:headEnd type="none" w="med" len="med"/>
+                      <a:tailEnd type="none" w="med" len="med"/>
+                    </a:lnL>
+                    <a:lnR w="38100" cap="flat" cmpd="sng" algn="ctr">
+                      <a:solidFill>
+                        <a:schemeClr val="accent5">
+                          <a:lumMod val="50000"/>
+                        </a:schemeClr>
+                      </a:solidFill>
+                      <a:prstDash val="solid"/>
+                      <a:round/>
+                      <a:headEnd type="none" w="med" len="med"/>
+                      <a:tailEnd type="none" w="med" len="med"/>
+                    </a:lnR>
+                    <a:lnT w="38100" cap="flat" cmpd="sng" algn="ctr">
+                      <a:solidFill>
+                        <a:schemeClr val="accent5">
+                          <a:lumMod val="50000"/>
+                        </a:schemeClr>
+                      </a:solidFill>
+                      <a:prstDash val="solid"/>
+                      <a:round/>
+                      <a:headEnd type="none" w="med" len="med"/>
+                      <a:tailEnd type="none" w="med" len="med"/>
+                    </a:lnT>
+                    <a:lnB w="38100" cap="flat" cmpd="sng" algn="ctr">
+                      <a:solidFill>
+                        <a:schemeClr val="accent5">
+                          <a:lumMod val="50000"/>
+                        </a:schemeClr>
+                      </a:solidFill>
+                      <a:prstDash val="solid"/>
+                      <a:round/>
+                      <a:headEnd type="none" w="med" len="med"/>
+                      <a:tailEnd type="none" w="med" len="med"/>
+                    </a:lnB>
+                  </a:tcPr>
+                </a:tc>
+                <a:extLst>
+                  <a:ext uri="{0D108BD9-81ED-4DB2-BD59-A6C34878D82A}">
+                    <a16:rowId xmlns:a16="http://schemas.microsoft.com/office/drawing/2014/main" val="842589258"/>
+                  </a:ext>
+                </a:extLst>
+              </a:tr>
+              <a:tr h="327193">
+                <a:tc>
+                  <a:txBody>
+                    <a:bodyPr/>
+                    <a:lstStyle/>
+                    <a:p>
+                      <a:pPr marL="0" marR="0" lvl="0" indent="0" algn="l" defTabSz="4036471" rtl="0" eaLnBrk="1" fontAlgn="auto" latinLnBrk="0" hangingPunct="1">
+                        <a:lnSpc>
+                          <a:spcPct val="100000"/>
+                        </a:lnSpc>
+                        <a:spcBef>
+                          <a:spcPts val="0"/>
+                        </a:spcBef>
+                        <a:spcAft>
+                          <a:spcPts val="0"/>
+                        </a:spcAft>
+                        <a:buClrTx/>
+                        <a:buSzTx/>
+                        <a:buFontTx/>
+                        <a:buNone/>
+                        <a:tabLst/>
+                        <a:defRPr/>
+                      </a:pPr>
+                      <a:r>
+                        <a:rPr lang="it-IT" sz="1600" i="1" dirty="0" err="1">
+                          <a:solidFill>
+                            <a:schemeClr val="accent5">
+                              <a:lumMod val="50000"/>
+                            </a:schemeClr>
+                          </a:solidFill>
+                          <a:latin typeface="+mn-lt"/>
+                        </a:rPr>
+                        <a:t>stud_teach_ratio</a:t>
+                      </a:r>
+                      <a:endParaRPr lang="it-IT" sz="1600" i="1" dirty="0">
+                        <a:solidFill>
+                          <a:schemeClr val="accent5">
+                            <a:lumMod val="50000"/>
+                          </a:schemeClr>
+                        </a:solidFill>
+                        <a:latin typeface="+mn-lt"/>
+                      </a:endParaRPr>
+                    </a:p>
+                  </a:txBody>
+                  <a:tcPr>
+                    <a:lnL w="38100" cap="flat" cmpd="sng" algn="ctr">
+                      <a:solidFill>
+                        <a:schemeClr val="accent5">
+                          <a:lumMod val="50000"/>
+                        </a:schemeClr>
+                      </a:solidFill>
+                      <a:prstDash val="solid"/>
+                      <a:round/>
+                      <a:headEnd type="none" w="med" len="med"/>
+                      <a:tailEnd type="none" w="med" len="med"/>
+                    </a:lnL>
+                    <a:lnR w="38100" cap="flat" cmpd="sng" algn="ctr">
+                      <a:noFill/>
+                      <a:prstDash val="solid"/>
+                      <a:round/>
+                      <a:headEnd type="none" w="med" len="med"/>
+                      <a:tailEnd type="none" w="med" len="med"/>
+                    </a:lnR>
+                    <a:lnT w="38100" cap="flat" cmpd="sng" algn="ctr">
+                      <a:solidFill>
+                        <a:schemeClr val="accent5">
+                          <a:lumMod val="50000"/>
+                        </a:schemeClr>
+                      </a:solidFill>
+                      <a:prstDash val="solid"/>
+                      <a:round/>
+                      <a:headEnd type="none" w="med" len="med"/>
+                      <a:tailEnd type="none" w="med" len="med"/>
+                    </a:lnT>
+                    <a:lnB w="38100" cap="flat" cmpd="sng" algn="ctr">
+                      <a:solidFill>
+                        <a:schemeClr val="accent5">
+                          <a:lumMod val="50000"/>
+                        </a:schemeClr>
+                      </a:solidFill>
+                      <a:prstDash val="solid"/>
+                      <a:round/>
+                      <a:headEnd type="none" w="med" len="med"/>
+                      <a:tailEnd type="none" w="med" len="med"/>
+                    </a:lnB>
+                  </a:tcPr>
+                </a:tc>
+                <a:tc>
+                  <a:txBody>
+                    <a:bodyPr/>
+                    <a:lstStyle/>
+                    <a:p>
+                      <a:r>
+                        <a:rPr lang="it-IT" sz="1600" dirty="0">
+                          <a:solidFill>
+                            <a:schemeClr val="accent5">
+                              <a:lumMod val="50000"/>
+                            </a:schemeClr>
+                          </a:solidFill>
+                          <a:latin typeface="+mn-lt"/>
+                        </a:rPr>
+                        <a:t> 0,0065 ***</a:t>
+                      </a:r>
+                    </a:p>
+                  </a:txBody>
+                  <a:tcPr>
+                    <a:lnL w="38100" cap="flat" cmpd="sng" algn="ctr">
+                      <a:noFill/>
+                      <a:prstDash val="solid"/>
+                      <a:round/>
+                      <a:headEnd type="none" w="med" len="med"/>
+                      <a:tailEnd type="none" w="med" len="med"/>
+                    </a:lnL>
+                    <a:lnR w="38100" cap="flat" cmpd="sng" algn="ctr">
+                      <a:noFill/>
+                      <a:prstDash val="solid"/>
+                      <a:round/>
+                      <a:headEnd type="none" w="med" len="med"/>
+                      <a:tailEnd type="none" w="med" len="med"/>
+                    </a:lnR>
+                    <a:lnT w="38100" cap="flat" cmpd="sng" algn="ctr">
+                      <a:solidFill>
+                        <a:schemeClr val="accent5">
+                          <a:lumMod val="50000"/>
+                        </a:schemeClr>
+                      </a:solidFill>
+                      <a:prstDash val="solid"/>
+                      <a:round/>
+                      <a:headEnd type="none" w="med" len="med"/>
+                      <a:tailEnd type="none" w="med" len="med"/>
+                    </a:lnT>
+                    <a:lnB w="38100" cap="flat" cmpd="sng" algn="ctr">
+                      <a:solidFill>
+                        <a:schemeClr val="accent5">
+                          <a:lumMod val="50000"/>
+                        </a:schemeClr>
+                      </a:solidFill>
+                      <a:prstDash val="solid"/>
+                      <a:round/>
+                      <a:headEnd type="none" w="med" len="med"/>
+                      <a:tailEnd type="none" w="med" len="med"/>
+                    </a:lnB>
+                  </a:tcPr>
+                </a:tc>
+                <a:tc>
+                  <a:txBody>
+                    <a:bodyPr/>
+                    <a:lstStyle/>
+                    <a:p>
+                      <a:r>
+                        <a:rPr lang="it-IT" sz="1600" dirty="0">
+                          <a:solidFill>
+                            <a:schemeClr val="accent5">
+                              <a:lumMod val="50000"/>
+                            </a:schemeClr>
+                          </a:solidFill>
+                          <a:latin typeface="+mn-lt"/>
+                        </a:rPr>
+                        <a:t> 0,1527 ***</a:t>
+                      </a:r>
+                    </a:p>
+                  </a:txBody>
+                  <a:tcPr>
+                    <a:lnL w="38100" cap="flat" cmpd="sng" algn="ctr">
+                      <a:noFill/>
+                      <a:prstDash val="solid"/>
+                      <a:round/>
+                      <a:headEnd type="none" w="med" len="med"/>
+                      <a:tailEnd type="none" w="med" len="med"/>
+                    </a:lnL>
+                    <a:lnR w="38100" cap="flat" cmpd="sng" algn="ctr">
+                      <a:solidFill>
+                        <a:schemeClr val="accent5">
+                          <a:lumMod val="50000"/>
+                        </a:schemeClr>
+                      </a:solidFill>
+                      <a:prstDash val="solid"/>
+                      <a:round/>
+                      <a:headEnd type="none" w="med" len="med"/>
+                      <a:tailEnd type="none" w="med" len="med"/>
+                    </a:lnR>
+                    <a:lnT w="38100" cap="flat" cmpd="sng" algn="ctr">
+                      <a:solidFill>
+                        <a:schemeClr val="accent5">
+                          <a:lumMod val="50000"/>
+                        </a:schemeClr>
+                      </a:solidFill>
+                      <a:prstDash val="solid"/>
+                      <a:round/>
+                      <a:headEnd type="none" w="med" len="med"/>
+                      <a:tailEnd type="none" w="med" len="med"/>
+                    </a:lnT>
+                    <a:lnB w="38100" cap="flat" cmpd="sng" algn="ctr">
+                      <a:solidFill>
+                        <a:schemeClr val="accent5">
+                          <a:lumMod val="50000"/>
+                        </a:schemeClr>
+                      </a:solidFill>
+                      <a:prstDash val="solid"/>
+                      <a:round/>
+                      <a:headEnd type="none" w="med" len="med"/>
+                      <a:tailEnd type="none" w="med" len="med"/>
+                    </a:lnB>
+                  </a:tcPr>
+                </a:tc>
+                <a:extLst>
+                  <a:ext uri="{0D108BD9-81ED-4DB2-BD59-A6C34878D82A}">
+                    <a16:rowId xmlns:a16="http://schemas.microsoft.com/office/drawing/2014/main" val="107298537"/>
+                  </a:ext>
+                </a:extLst>
+              </a:tr>
+              <a:tr h="327193">
+                <a:tc>
+                  <a:txBody>
+                    <a:bodyPr/>
+                    <a:lstStyle/>
+                    <a:p>
+                      <a:pPr marL="0" marR="0" lvl="0" indent="0" algn="l" defTabSz="4036471" rtl="0" eaLnBrk="1" fontAlgn="auto" latinLnBrk="0" hangingPunct="1">
+                        <a:lnSpc>
+                          <a:spcPct val="100000"/>
+                        </a:lnSpc>
+                        <a:spcBef>
+                          <a:spcPts val="0"/>
+                        </a:spcBef>
+                        <a:spcAft>
+                          <a:spcPts val="0"/>
+                        </a:spcAft>
+                        <a:buClrTx/>
+                        <a:buSzTx/>
+                        <a:buFontTx/>
+                        <a:buNone/>
+                        <a:tabLst/>
+                        <a:defRPr/>
+                      </a:pPr>
+                      <a:r>
+                        <a:rPr lang="it-IT" sz="1600" i="1" dirty="0" err="1">
+                          <a:solidFill>
+                            <a:schemeClr val="accent5">
+                              <a:lumMod val="50000"/>
+                            </a:schemeClr>
+                          </a:solidFill>
+                          <a:latin typeface="+mn-lt"/>
+                        </a:rPr>
+                        <a:t>short_edu_mat</a:t>
+                      </a:r>
+                      <a:endParaRPr lang="it-IT" sz="1600" i="1" dirty="0">
+                        <a:solidFill>
+                          <a:schemeClr val="accent5">
+                            <a:lumMod val="50000"/>
+                          </a:schemeClr>
+                        </a:solidFill>
+                        <a:latin typeface="+mn-lt"/>
+                      </a:endParaRPr>
+                    </a:p>
+                  </a:txBody>
+                  <a:tcPr>
+                    <a:lnL w="38100" cap="flat" cmpd="sng" algn="ctr">
+                      <a:solidFill>
+                        <a:schemeClr val="accent5">
+                          <a:lumMod val="50000"/>
+                        </a:schemeClr>
+                      </a:solidFill>
+                      <a:prstDash val="solid"/>
+                      <a:round/>
+                      <a:headEnd type="none" w="med" len="med"/>
+                      <a:tailEnd type="none" w="med" len="med"/>
+                    </a:lnL>
+                    <a:lnR w="38100" cap="flat" cmpd="sng" algn="ctr">
+                      <a:noFill/>
+                      <a:prstDash val="solid"/>
+                      <a:round/>
+                      <a:headEnd type="none" w="med" len="med"/>
+                      <a:tailEnd type="none" w="med" len="med"/>
+                    </a:lnR>
+                    <a:lnT w="38100" cap="flat" cmpd="sng" algn="ctr">
+                      <a:solidFill>
+                        <a:schemeClr val="accent5">
+                          <a:lumMod val="50000"/>
+                        </a:schemeClr>
+                      </a:solidFill>
+                      <a:prstDash val="solid"/>
+                      <a:round/>
+                      <a:headEnd type="none" w="med" len="med"/>
+                      <a:tailEnd type="none" w="med" len="med"/>
+                    </a:lnT>
+                    <a:lnB w="38100" cap="flat" cmpd="sng" algn="ctr">
+                      <a:solidFill>
+                        <a:schemeClr val="accent5">
+                          <a:lumMod val="50000"/>
+                        </a:schemeClr>
+                      </a:solidFill>
+                      <a:prstDash val="solid"/>
+                      <a:round/>
+                      <a:headEnd type="none" w="med" len="med"/>
+                      <a:tailEnd type="none" w="med" len="med"/>
+                    </a:lnB>
+                  </a:tcPr>
+                </a:tc>
+                <a:tc>
+                  <a:txBody>
+                    <a:bodyPr/>
+                    <a:lstStyle/>
+                    <a:p>
+                      <a:r>
+                        <a:rPr lang="it-IT" sz="1600" dirty="0">
+                          <a:solidFill>
+                            <a:schemeClr val="accent5">
+                              <a:lumMod val="50000"/>
+                            </a:schemeClr>
+                          </a:solidFill>
+                          <a:latin typeface="+mn-lt"/>
+                        </a:rPr>
+                        <a:t>-1,1037 ***</a:t>
+                      </a:r>
+                    </a:p>
+                  </a:txBody>
+                  <a:tcPr>
+                    <a:lnL w="38100" cap="flat" cmpd="sng" algn="ctr">
+                      <a:noFill/>
+                      <a:prstDash val="solid"/>
+                      <a:round/>
+                      <a:headEnd type="none" w="med" len="med"/>
+                      <a:tailEnd type="none" w="med" len="med"/>
+                    </a:lnL>
+                    <a:lnR w="38100" cap="flat" cmpd="sng" algn="ctr">
+                      <a:noFill/>
+                      <a:prstDash val="solid"/>
+                      <a:round/>
+                      <a:headEnd type="none" w="med" len="med"/>
+                      <a:tailEnd type="none" w="med" len="med"/>
+                    </a:lnR>
+                    <a:lnT w="38100" cap="flat" cmpd="sng" algn="ctr">
+                      <a:solidFill>
+                        <a:schemeClr val="accent5">
+                          <a:lumMod val="50000"/>
+                        </a:schemeClr>
+                      </a:solidFill>
+                      <a:prstDash val="solid"/>
+                      <a:round/>
+                      <a:headEnd type="none" w="med" len="med"/>
+                      <a:tailEnd type="none" w="med" len="med"/>
+                    </a:lnT>
+                    <a:lnB w="38100" cap="flat" cmpd="sng" algn="ctr">
+                      <a:solidFill>
+                        <a:schemeClr val="accent5">
+                          <a:lumMod val="50000"/>
+                        </a:schemeClr>
+                      </a:solidFill>
+                      <a:prstDash val="solid"/>
+                      <a:round/>
+                      <a:headEnd type="none" w="med" len="med"/>
+                      <a:tailEnd type="none" w="med" len="med"/>
+                    </a:lnB>
+                  </a:tcPr>
+                </a:tc>
+                <a:tc>
+                  <a:txBody>
+                    <a:bodyPr/>
+                    <a:lstStyle/>
+                    <a:p>
+                      <a:r>
+                        <a:rPr lang="it-IT" sz="1600" dirty="0">
+                          <a:solidFill>
+                            <a:schemeClr val="accent5">
+                              <a:lumMod val="50000"/>
+                            </a:schemeClr>
+                          </a:solidFill>
+                          <a:latin typeface="+mn-lt"/>
+                        </a:rPr>
+                        <a:t>-0,4795 ***</a:t>
+                      </a:r>
+                    </a:p>
+                  </a:txBody>
+                  <a:tcPr>
+                    <a:lnL w="38100" cap="flat" cmpd="sng" algn="ctr">
+                      <a:noFill/>
+                      <a:prstDash val="solid"/>
+                      <a:round/>
+                      <a:headEnd type="none" w="med" len="med"/>
+                      <a:tailEnd type="none" w="med" len="med"/>
+                    </a:lnL>
+                    <a:lnR w="38100" cap="flat" cmpd="sng" algn="ctr">
+                      <a:solidFill>
+                        <a:schemeClr val="accent5">
+                          <a:lumMod val="50000"/>
+                        </a:schemeClr>
+                      </a:solidFill>
+                      <a:prstDash val="solid"/>
+                      <a:round/>
+                      <a:headEnd type="none" w="med" len="med"/>
+                      <a:tailEnd type="none" w="med" len="med"/>
+                    </a:lnR>
+                    <a:lnT w="38100" cap="flat" cmpd="sng" algn="ctr">
+                      <a:solidFill>
+                        <a:schemeClr val="accent5">
+                          <a:lumMod val="50000"/>
+                        </a:schemeClr>
+                      </a:solidFill>
+                      <a:prstDash val="solid"/>
+                      <a:round/>
+                      <a:headEnd type="none" w="med" len="med"/>
+                      <a:tailEnd type="none" w="med" len="med"/>
+                    </a:lnT>
+                    <a:lnB w="38100" cap="flat" cmpd="sng" algn="ctr">
+                      <a:solidFill>
+                        <a:schemeClr val="accent5">
+                          <a:lumMod val="50000"/>
+                        </a:schemeClr>
+                      </a:solidFill>
+                      <a:prstDash val="solid"/>
+                      <a:round/>
+                      <a:headEnd type="none" w="med" len="med"/>
+                      <a:tailEnd type="none" w="med" len="med"/>
+                    </a:lnB>
+                  </a:tcPr>
+                </a:tc>
+                <a:extLst>
+                  <a:ext uri="{0D108BD9-81ED-4DB2-BD59-A6C34878D82A}">
+                    <a16:rowId xmlns:a16="http://schemas.microsoft.com/office/drawing/2014/main" val="3564228151"/>
+                  </a:ext>
+                </a:extLst>
+              </a:tr>
+              <a:tr h="327193">
+                <a:tc>
+                  <a:txBody>
+                    <a:bodyPr/>
+                    <a:lstStyle/>
+                    <a:p>
+                      <a:pPr marL="0" marR="0" lvl="0" indent="0" algn="l" defTabSz="4036471" rtl="0" eaLnBrk="1" fontAlgn="auto" latinLnBrk="0" hangingPunct="1">
+                        <a:lnSpc>
+                          <a:spcPct val="100000"/>
+                        </a:lnSpc>
+                        <a:spcBef>
+                          <a:spcPts val="0"/>
+                        </a:spcBef>
+                        <a:spcAft>
+                          <a:spcPts val="0"/>
+                        </a:spcAft>
+                        <a:buClrTx/>
+                        <a:buSzTx/>
+                        <a:buFontTx/>
+                        <a:buNone/>
+                        <a:tabLst/>
+                        <a:defRPr/>
+                      </a:pPr>
+                      <a:r>
+                        <a:rPr lang="it-IT" sz="1600" i="1" dirty="0" err="1">
+                          <a:solidFill>
+                            <a:schemeClr val="accent5">
+                              <a:lumMod val="50000"/>
+                            </a:schemeClr>
+                          </a:solidFill>
+                          <a:latin typeface="+mn-lt"/>
+                        </a:rPr>
+                        <a:t>short_edu_staff</a:t>
+                      </a:r>
+                      <a:endParaRPr lang="it-IT" sz="1600" i="1" dirty="0">
+                        <a:solidFill>
+                          <a:schemeClr val="accent5">
+                            <a:lumMod val="50000"/>
+                          </a:schemeClr>
+                        </a:solidFill>
+                        <a:latin typeface="+mn-lt"/>
+                      </a:endParaRPr>
+                    </a:p>
+                  </a:txBody>
+                  <a:tcPr>
+                    <a:lnL w="38100" cap="flat" cmpd="sng" algn="ctr">
+                      <a:solidFill>
+                        <a:schemeClr val="accent5">
+                          <a:lumMod val="50000"/>
+                        </a:schemeClr>
+                      </a:solidFill>
+                      <a:prstDash val="solid"/>
+                      <a:round/>
+                      <a:headEnd type="none" w="med" len="med"/>
+                      <a:tailEnd type="none" w="med" len="med"/>
+                    </a:lnL>
+                    <a:lnR w="38100" cap="flat" cmpd="sng" algn="ctr">
+                      <a:noFill/>
+                      <a:prstDash val="solid"/>
+                      <a:round/>
+                      <a:headEnd type="none" w="med" len="med"/>
+                      <a:tailEnd type="none" w="med" len="med"/>
+                    </a:lnR>
+                    <a:lnT w="38100" cap="flat" cmpd="sng" algn="ctr">
+                      <a:solidFill>
+                        <a:schemeClr val="accent5">
+                          <a:lumMod val="50000"/>
+                        </a:schemeClr>
+                      </a:solidFill>
+                      <a:prstDash val="solid"/>
+                      <a:round/>
+                      <a:headEnd type="none" w="med" len="med"/>
+                      <a:tailEnd type="none" w="med" len="med"/>
+                    </a:lnT>
+                    <a:lnB w="38100" cap="flat" cmpd="sng" algn="ctr">
+                      <a:solidFill>
+                        <a:schemeClr val="accent5">
+                          <a:lumMod val="50000"/>
+                        </a:schemeClr>
+                      </a:solidFill>
+                      <a:prstDash val="solid"/>
+                      <a:round/>
+                      <a:headEnd type="none" w="med" len="med"/>
+                      <a:tailEnd type="none" w="med" len="med"/>
+                    </a:lnB>
+                  </a:tcPr>
+                </a:tc>
+                <a:tc>
+                  <a:txBody>
+                    <a:bodyPr/>
+                    <a:lstStyle/>
+                    <a:p>
+                      <a:r>
+                        <a:rPr lang="it-IT" sz="1600" dirty="0">
+                          <a:solidFill>
+                            <a:schemeClr val="accent5">
+                              <a:lumMod val="50000"/>
+                            </a:schemeClr>
+                          </a:solidFill>
+                          <a:latin typeface="+mn-lt"/>
+                        </a:rPr>
+                        <a:t> 0,0698</a:t>
+                      </a:r>
+                    </a:p>
+                  </a:txBody>
+                  <a:tcPr>
+                    <a:lnL w="38100" cap="flat" cmpd="sng" algn="ctr">
+                      <a:noFill/>
+                      <a:prstDash val="solid"/>
+                      <a:round/>
+                      <a:headEnd type="none" w="med" len="med"/>
+                      <a:tailEnd type="none" w="med" len="med"/>
+                    </a:lnL>
+                    <a:lnR w="38100" cap="flat" cmpd="sng" algn="ctr">
+                      <a:noFill/>
+                      <a:prstDash val="solid"/>
+                      <a:round/>
+                      <a:headEnd type="none" w="med" len="med"/>
+                      <a:tailEnd type="none" w="med" len="med"/>
+                    </a:lnR>
+                    <a:lnT w="38100" cap="flat" cmpd="sng" algn="ctr">
+                      <a:solidFill>
+                        <a:schemeClr val="accent5">
+                          <a:lumMod val="50000"/>
+                        </a:schemeClr>
+                      </a:solidFill>
+                      <a:prstDash val="solid"/>
+                      <a:round/>
+                      <a:headEnd type="none" w="med" len="med"/>
+                      <a:tailEnd type="none" w="med" len="med"/>
+                    </a:lnT>
+                    <a:lnB w="38100" cap="flat" cmpd="sng" algn="ctr">
+                      <a:solidFill>
+                        <a:schemeClr val="accent5">
+                          <a:lumMod val="50000"/>
+                        </a:schemeClr>
+                      </a:solidFill>
+                      <a:prstDash val="solid"/>
+                      <a:round/>
+                      <a:headEnd type="none" w="med" len="med"/>
+                      <a:tailEnd type="none" w="med" len="med"/>
+                    </a:lnB>
+                  </a:tcPr>
+                </a:tc>
+                <a:tc>
+                  <a:txBody>
+                    <a:bodyPr/>
+                    <a:lstStyle/>
+                    <a:p>
+                      <a:r>
+                        <a:rPr lang="it-IT" sz="1600" dirty="0">
+                          <a:solidFill>
+                            <a:schemeClr val="accent5">
+                              <a:lumMod val="50000"/>
+                            </a:schemeClr>
+                          </a:solidFill>
+                          <a:latin typeface="+mn-lt"/>
+                        </a:rPr>
+                        <a:t>-0,6047 ***</a:t>
+                      </a:r>
+                    </a:p>
+                  </a:txBody>
+                  <a:tcPr>
+                    <a:lnL w="38100" cap="flat" cmpd="sng" algn="ctr">
+                      <a:noFill/>
+                      <a:prstDash val="solid"/>
+                      <a:round/>
+                      <a:headEnd type="none" w="med" len="med"/>
+                      <a:tailEnd type="none" w="med" len="med"/>
+                    </a:lnL>
+                    <a:lnR w="38100" cap="flat" cmpd="sng" algn="ctr">
+                      <a:solidFill>
+                        <a:schemeClr val="accent5">
+                          <a:lumMod val="50000"/>
+                        </a:schemeClr>
+                      </a:solidFill>
+                      <a:prstDash val="solid"/>
+                      <a:round/>
+                      <a:headEnd type="none" w="med" len="med"/>
+                      <a:tailEnd type="none" w="med" len="med"/>
+                    </a:lnR>
+                    <a:lnT w="38100" cap="flat" cmpd="sng" algn="ctr">
+                      <a:solidFill>
+                        <a:schemeClr val="accent5">
+                          <a:lumMod val="50000"/>
+                        </a:schemeClr>
+                      </a:solidFill>
+                      <a:prstDash val="solid"/>
+                      <a:round/>
+                      <a:headEnd type="none" w="med" len="med"/>
+                      <a:tailEnd type="none" w="med" len="med"/>
+                    </a:lnT>
+                    <a:lnB w="38100" cap="flat" cmpd="sng" algn="ctr">
+                      <a:solidFill>
+                        <a:schemeClr val="accent5">
+                          <a:lumMod val="50000"/>
+                        </a:schemeClr>
+                      </a:solidFill>
+                      <a:prstDash val="solid"/>
+                      <a:round/>
+                      <a:headEnd type="none" w="med" len="med"/>
+                      <a:tailEnd type="none" w="med" len="med"/>
+                    </a:lnB>
+                  </a:tcPr>
+                </a:tc>
+                <a:extLst>
+                  <a:ext uri="{0D108BD9-81ED-4DB2-BD59-A6C34878D82A}">
+                    <a16:rowId xmlns:a16="http://schemas.microsoft.com/office/drawing/2014/main" val="4159571167"/>
+                  </a:ext>
+                </a:extLst>
+              </a:tr>
+              <a:tr h="327193">
+                <a:tc>
+                  <a:txBody>
+                    <a:bodyPr/>
+                    <a:lstStyle/>
+                    <a:p>
+                      <a:r>
+                        <a:rPr lang="it-IT" sz="1600" i="1" dirty="0" err="1">
+                          <a:solidFill>
+                            <a:schemeClr val="accent5">
+                              <a:lumMod val="50000"/>
+                            </a:schemeClr>
+                          </a:solidFill>
+                          <a:latin typeface="+mn-lt"/>
+                        </a:rPr>
+                        <a:t>stu_behav</a:t>
+                      </a:r>
+                      <a:endParaRPr lang="it-IT" sz="1600" i="1" dirty="0">
+                        <a:solidFill>
+                          <a:schemeClr val="accent5">
+                            <a:lumMod val="50000"/>
+                          </a:schemeClr>
+                        </a:solidFill>
+                        <a:latin typeface="+mn-lt"/>
+                      </a:endParaRPr>
+                    </a:p>
+                  </a:txBody>
+                  <a:tcPr>
+                    <a:lnL w="38100" cap="flat" cmpd="sng" algn="ctr">
+                      <a:solidFill>
+                        <a:schemeClr val="accent5">
+                          <a:lumMod val="50000"/>
+                        </a:schemeClr>
+                      </a:solidFill>
+                      <a:prstDash val="solid"/>
+                      <a:round/>
+                      <a:headEnd type="none" w="med" len="med"/>
+                      <a:tailEnd type="none" w="med" len="med"/>
+                    </a:lnL>
+                    <a:lnR w="38100" cap="flat" cmpd="sng" algn="ctr">
+                      <a:noFill/>
+                      <a:prstDash val="solid"/>
+                      <a:round/>
+                      <a:headEnd type="none" w="med" len="med"/>
+                      <a:tailEnd type="none" w="med" len="med"/>
+                    </a:lnR>
+                    <a:lnT w="38100" cap="flat" cmpd="sng" algn="ctr">
+                      <a:solidFill>
+                        <a:schemeClr val="accent5">
+                          <a:lumMod val="50000"/>
+                        </a:schemeClr>
+                      </a:solidFill>
+                      <a:prstDash val="solid"/>
+                      <a:round/>
+                      <a:headEnd type="none" w="med" len="med"/>
+                      <a:tailEnd type="none" w="med" len="med"/>
+                    </a:lnT>
+                    <a:lnB w="38100" cap="flat" cmpd="sng" algn="ctr">
+                      <a:solidFill>
+                        <a:schemeClr val="accent5">
+                          <a:lumMod val="50000"/>
+                        </a:schemeClr>
+                      </a:solidFill>
+                      <a:prstDash val="solid"/>
+                      <a:round/>
+                      <a:headEnd type="none" w="med" len="med"/>
+                      <a:tailEnd type="none" w="med" len="med"/>
+                    </a:lnB>
+                  </a:tcPr>
+                </a:tc>
+                <a:tc>
+                  <a:txBody>
+                    <a:bodyPr/>
+                    <a:lstStyle/>
+                    <a:p>
+                      <a:r>
+                        <a:rPr lang="it-IT" sz="1600" dirty="0">
+                          <a:solidFill>
+                            <a:schemeClr val="accent5">
+                              <a:lumMod val="50000"/>
+                            </a:schemeClr>
+                          </a:solidFill>
+                          <a:latin typeface="+mn-lt"/>
+                        </a:rPr>
+                        <a:t> 0,3716 *</a:t>
+                      </a:r>
+                    </a:p>
+                  </a:txBody>
+                  <a:tcPr>
+                    <a:lnL w="38100" cap="flat" cmpd="sng" algn="ctr">
+                      <a:noFill/>
+                      <a:prstDash val="solid"/>
+                      <a:round/>
+                      <a:headEnd type="none" w="med" len="med"/>
+                      <a:tailEnd type="none" w="med" len="med"/>
+                    </a:lnL>
+                    <a:lnR w="38100" cap="flat" cmpd="sng" algn="ctr">
+                      <a:noFill/>
+                      <a:prstDash val="solid"/>
+                      <a:round/>
+                      <a:headEnd type="none" w="med" len="med"/>
+                      <a:tailEnd type="none" w="med" len="med"/>
+                    </a:lnR>
+                    <a:lnT w="38100" cap="flat" cmpd="sng" algn="ctr">
+                      <a:solidFill>
+                        <a:schemeClr val="accent5">
+                          <a:lumMod val="50000"/>
+                        </a:schemeClr>
+                      </a:solidFill>
+                      <a:prstDash val="solid"/>
+                      <a:round/>
+                      <a:headEnd type="none" w="med" len="med"/>
+                      <a:tailEnd type="none" w="med" len="med"/>
+                    </a:lnT>
+                    <a:lnB w="38100" cap="flat" cmpd="sng" algn="ctr">
+                      <a:solidFill>
+                        <a:schemeClr val="accent5">
+                          <a:lumMod val="50000"/>
+                        </a:schemeClr>
+                      </a:solidFill>
+                      <a:prstDash val="solid"/>
+                      <a:round/>
+                      <a:headEnd type="none" w="med" len="med"/>
+                      <a:tailEnd type="none" w="med" len="med"/>
+                    </a:lnB>
+                  </a:tcPr>
+                </a:tc>
+                <a:tc>
+                  <a:txBody>
+                    <a:bodyPr/>
+                    <a:lstStyle/>
+                    <a:p>
+                      <a:r>
+                        <a:rPr lang="it-IT" sz="1600" dirty="0">
+                          <a:solidFill>
+                            <a:schemeClr val="accent5">
+                              <a:lumMod val="50000"/>
+                            </a:schemeClr>
+                          </a:solidFill>
+                          <a:latin typeface="+mn-lt"/>
+                        </a:rPr>
+                        <a:t>-1,5763 ***</a:t>
+                      </a:r>
+                    </a:p>
+                  </a:txBody>
+                  <a:tcPr>
+                    <a:lnL w="38100" cap="flat" cmpd="sng" algn="ctr">
+                      <a:noFill/>
+                      <a:prstDash val="solid"/>
+                      <a:round/>
+                      <a:headEnd type="none" w="med" len="med"/>
+                      <a:tailEnd type="none" w="med" len="med"/>
+                    </a:lnL>
+                    <a:lnR w="38100" cap="flat" cmpd="sng" algn="ctr">
+                      <a:solidFill>
+                        <a:schemeClr val="accent5">
+                          <a:lumMod val="50000"/>
+                        </a:schemeClr>
+                      </a:solidFill>
+                      <a:prstDash val="solid"/>
+                      <a:round/>
+                      <a:headEnd type="none" w="med" len="med"/>
+                      <a:tailEnd type="none" w="med" len="med"/>
+                    </a:lnR>
+                    <a:lnT w="38100" cap="flat" cmpd="sng" algn="ctr">
+                      <a:solidFill>
+                        <a:schemeClr val="accent5">
+                          <a:lumMod val="50000"/>
+                        </a:schemeClr>
+                      </a:solidFill>
+                      <a:prstDash val="solid"/>
+                      <a:round/>
+                      <a:headEnd type="none" w="med" len="med"/>
+                      <a:tailEnd type="none" w="med" len="med"/>
+                    </a:lnT>
+                    <a:lnB w="38100" cap="flat" cmpd="sng" algn="ctr">
+                      <a:solidFill>
+                        <a:schemeClr val="accent5">
+                          <a:lumMod val="50000"/>
+                        </a:schemeClr>
+                      </a:solidFill>
+                      <a:prstDash val="solid"/>
+                      <a:round/>
+                      <a:headEnd type="none" w="med" len="med"/>
+                      <a:tailEnd type="none" w="med" len="med"/>
+                    </a:lnB>
+                  </a:tcPr>
+                </a:tc>
+                <a:extLst>
+                  <a:ext uri="{0D108BD9-81ED-4DB2-BD59-A6C34878D82A}">
+                    <a16:rowId xmlns:a16="http://schemas.microsoft.com/office/drawing/2014/main" val="2715422483"/>
+                  </a:ext>
+                </a:extLst>
+              </a:tr>
+              <a:tr h="327193">
+                <a:tc>
+                  <a:txBody>
+                    <a:bodyPr/>
+                    <a:lstStyle/>
+                    <a:p>
+                      <a:r>
+                        <a:rPr lang="it-IT" sz="1600" i="1" dirty="0" err="1">
+                          <a:solidFill>
+                            <a:schemeClr val="accent5">
+                              <a:lumMod val="50000"/>
+                            </a:schemeClr>
+                          </a:solidFill>
+                          <a:latin typeface="+mn-lt"/>
+                        </a:rPr>
+                        <a:t>teach_behav</a:t>
+                      </a:r>
+                      <a:endParaRPr lang="it-IT" sz="1600" i="1" dirty="0">
+                        <a:solidFill>
+                          <a:schemeClr val="accent5">
+                            <a:lumMod val="50000"/>
+                          </a:schemeClr>
+                        </a:solidFill>
+                        <a:latin typeface="+mn-lt"/>
+                      </a:endParaRPr>
+                    </a:p>
+                  </a:txBody>
+                  <a:tcPr>
+                    <a:lnL w="38100" cap="flat" cmpd="sng" algn="ctr">
+                      <a:solidFill>
+                        <a:schemeClr val="accent5">
+                          <a:lumMod val="50000"/>
+                        </a:schemeClr>
+                      </a:solidFill>
+                      <a:prstDash val="solid"/>
+                      <a:round/>
+                      <a:headEnd type="none" w="med" len="med"/>
+                      <a:tailEnd type="none" w="med" len="med"/>
+                    </a:lnL>
+                    <a:lnR w="38100" cap="flat" cmpd="sng" algn="ctr">
+                      <a:noFill/>
+                      <a:prstDash val="solid"/>
+                      <a:round/>
+                      <a:headEnd type="none" w="med" len="med"/>
+                      <a:tailEnd type="none" w="med" len="med"/>
+                    </a:lnR>
+                    <a:lnT w="38100" cap="flat" cmpd="sng" algn="ctr">
+                      <a:solidFill>
+                        <a:schemeClr val="accent5">
+                          <a:lumMod val="50000"/>
+                        </a:schemeClr>
+                      </a:solidFill>
+                      <a:prstDash val="solid"/>
+                      <a:round/>
+                      <a:headEnd type="none" w="med" len="med"/>
+                      <a:tailEnd type="none" w="med" len="med"/>
+                    </a:lnT>
+                    <a:lnB w="38100" cap="flat" cmpd="sng" algn="ctr">
+                      <a:solidFill>
+                        <a:schemeClr val="accent5">
+                          <a:lumMod val="50000"/>
+                        </a:schemeClr>
+                      </a:solidFill>
+                      <a:prstDash val="solid"/>
+                      <a:round/>
+                      <a:headEnd type="none" w="med" len="med"/>
+                      <a:tailEnd type="none" w="med" len="med"/>
+                    </a:lnB>
+                  </a:tcPr>
+                </a:tc>
+                <a:tc>
+                  <a:txBody>
+                    <a:bodyPr/>
+                    <a:lstStyle/>
+                    <a:p>
+                      <a:r>
+                        <a:rPr lang="it-IT" sz="1600" dirty="0">
+                          <a:solidFill>
+                            <a:schemeClr val="accent5">
+                              <a:lumMod val="50000"/>
+                            </a:schemeClr>
+                          </a:solidFill>
+                          <a:latin typeface="+mn-lt"/>
+                        </a:rPr>
+                        <a:t> 0,3021</a:t>
+                      </a:r>
+                    </a:p>
+                  </a:txBody>
+                  <a:tcPr>
+                    <a:lnL w="38100" cap="flat" cmpd="sng" algn="ctr">
+                      <a:noFill/>
+                      <a:prstDash val="solid"/>
+                      <a:round/>
+                      <a:headEnd type="none" w="med" len="med"/>
+                      <a:tailEnd type="none" w="med" len="med"/>
+                    </a:lnL>
+                    <a:lnR w="38100" cap="flat" cmpd="sng" algn="ctr">
+                      <a:noFill/>
+                      <a:prstDash val="solid"/>
+                      <a:round/>
+                      <a:headEnd type="none" w="med" len="med"/>
+                      <a:tailEnd type="none" w="med" len="med"/>
+                    </a:lnR>
+                    <a:lnT w="38100" cap="flat" cmpd="sng" algn="ctr">
+                      <a:solidFill>
+                        <a:schemeClr val="accent5">
+                          <a:lumMod val="50000"/>
+                        </a:schemeClr>
+                      </a:solidFill>
+                      <a:prstDash val="solid"/>
+                      <a:round/>
+                      <a:headEnd type="none" w="med" len="med"/>
+                      <a:tailEnd type="none" w="med" len="med"/>
+                    </a:lnT>
+                    <a:lnB w="38100" cap="flat" cmpd="sng" algn="ctr">
+                      <a:solidFill>
+                        <a:schemeClr val="accent5">
+                          <a:lumMod val="50000"/>
+                        </a:schemeClr>
+                      </a:solidFill>
+                      <a:prstDash val="solid"/>
+                      <a:round/>
+                      <a:headEnd type="none" w="med" len="med"/>
+                      <a:tailEnd type="none" w="med" len="med"/>
+                    </a:lnB>
+                  </a:tcPr>
+                </a:tc>
+                <a:tc>
+                  <a:txBody>
+                    <a:bodyPr/>
+                    <a:lstStyle/>
+                    <a:p>
+                      <a:r>
+                        <a:rPr lang="it-IT" sz="1600" dirty="0">
+                          <a:solidFill>
+                            <a:schemeClr val="accent5">
+                              <a:lumMod val="50000"/>
+                            </a:schemeClr>
+                          </a:solidFill>
+                          <a:latin typeface="+mn-lt"/>
+                        </a:rPr>
+                        <a:t> 0,5376 ***</a:t>
+                      </a:r>
+                    </a:p>
+                  </a:txBody>
+                  <a:tcPr>
+                    <a:lnL w="38100" cap="flat" cmpd="sng" algn="ctr">
+                      <a:noFill/>
+                      <a:prstDash val="solid"/>
+                      <a:round/>
+                      <a:headEnd type="none" w="med" len="med"/>
+                      <a:tailEnd type="none" w="med" len="med"/>
+                    </a:lnL>
+                    <a:lnR w="38100" cap="flat" cmpd="sng" algn="ctr">
+                      <a:solidFill>
+                        <a:schemeClr val="accent5">
+                          <a:lumMod val="50000"/>
+                        </a:schemeClr>
+                      </a:solidFill>
+                      <a:prstDash val="solid"/>
+                      <a:round/>
+                      <a:headEnd type="none" w="med" len="med"/>
+                      <a:tailEnd type="none" w="med" len="med"/>
+                    </a:lnR>
+                    <a:lnT w="38100" cap="flat" cmpd="sng" algn="ctr">
+                      <a:solidFill>
+                        <a:schemeClr val="accent5">
+                          <a:lumMod val="50000"/>
+                        </a:schemeClr>
+                      </a:solidFill>
+                      <a:prstDash val="solid"/>
+                      <a:round/>
+                      <a:headEnd type="none" w="med" len="med"/>
+                      <a:tailEnd type="none" w="med" len="med"/>
+                    </a:lnT>
+                    <a:lnB w="38100" cap="flat" cmpd="sng" algn="ctr">
+                      <a:solidFill>
+                        <a:schemeClr val="accent5">
+                          <a:lumMod val="50000"/>
+                        </a:schemeClr>
+                      </a:solidFill>
+                      <a:prstDash val="solid"/>
+                      <a:round/>
+                      <a:headEnd type="none" w="med" len="med"/>
+                      <a:tailEnd type="none" w="med" len="med"/>
+                    </a:lnB>
+                  </a:tcPr>
+                </a:tc>
+                <a:extLst>
+                  <a:ext uri="{0D108BD9-81ED-4DB2-BD59-A6C34878D82A}">
+                    <a16:rowId xmlns:a16="http://schemas.microsoft.com/office/drawing/2014/main" val="671741562"/>
+                  </a:ext>
+                </a:extLst>
+              </a:tr>
+              <a:tr h="327193">
+                <a:tc>
+                  <a:txBody>
+                    <a:bodyPr/>
+                    <a:lstStyle/>
+                    <a:p>
+                      <a:r>
+                        <a:rPr lang="it-IT" sz="1600" i="1" dirty="0" err="1">
+                          <a:solidFill>
+                            <a:schemeClr val="accent5">
+                              <a:lumMod val="50000"/>
+                            </a:schemeClr>
+                          </a:solidFill>
+                          <a:latin typeface="+mn-lt"/>
+                        </a:rPr>
+                        <a:t>ESCS_status</a:t>
+                      </a:r>
+                      <a:endParaRPr lang="it-IT" sz="1600" i="1" dirty="0">
+                        <a:solidFill>
+                          <a:schemeClr val="accent5">
+                            <a:lumMod val="50000"/>
+                          </a:schemeClr>
+                        </a:solidFill>
+                        <a:latin typeface="+mn-lt"/>
+                      </a:endParaRPr>
+                    </a:p>
+                  </a:txBody>
+                  <a:tcPr>
+                    <a:lnL w="38100" cap="flat" cmpd="sng" algn="ctr">
+                      <a:solidFill>
+                        <a:schemeClr val="accent5">
+                          <a:lumMod val="50000"/>
+                        </a:schemeClr>
+                      </a:solidFill>
+                      <a:prstDash val="solid"/>
+                      <a:round/>
+                      <a:headEnd type="none" w="med" len="med"/>
+                      <a:tailEnd type="none" w="med" len="med"/>
+                    </a:lnL>
+                    <a:lnR w="38100" cap="flat" cmpd="sng" algn="ctr">
+                      <a:noFill/>
+                      <a:prstDash val="solid"/>
+                      <a:round/>
+                      <a:headEnd type="none" w="med" len="med"/>
+                      <a:tailEnd type="none" w="med" len="med"/>
+                    </a:lnR>
+                    <a:lnT w="38100" cap="flat" cmpd="sng" algn="ctr">
+                      <a:solidFill>
+                        <a:schemeClr val="accent5">
+                          <a:lumMod val="50000"/>
+                        </a:schemeClr>
+                      </a:solidFill>
+                      <a:prstDash val="solid"/>
+                      <a:round/>
+                      <a:headEnd type="none" w="med" len="med"/>
+                      <a:tailEnd type="none" w="med" len="med"/>
+                    </a:lnT>
+                    <a:lnB w="38100" cap="flat" cmpd="sng" algn="ctr">
+                      <a:solidFill>
+                        <a:schemeClr val="accent5">
+                          <a:lumMod val="50000"/>
+                        </a:schemeClr>
+                      </a:solidFill>
+                      <a:prstDash val="solid"/>
+                      <a:round/>
+                      <a:headEnd type="none" w="med" len="med"/>
+                      <a:tailEnd type="none" w="med" len="med"/>
+                    </a:lnB>
+                  </a:tcPr>
+                </a:tc>
+                <a:tc>
+                  <a:txBody>
+                    <a:bodyPr/>
+                    <a:lstStyle/>
+                    <a:p>
+                      <a:r>
+                        <a:rPr lang="it-IT" sz="1600" dirty="0">
+                          <a:solidFill>
+                            <a:schemeClr val="accent5">
+                              <a:lumMod val="50000"/>
+                            </a:schemeClr>
+                          </a:solidFill>
+                          <a:latin typeface="+mn-lt"/>
+                        </a:rPr>
+                        <a:t>-0,2458</a:t>
+                      </a:r>
+                    </a:p>
+                  </a:txBody>
+                  <a:tcPr>
+                    <a:lnL w="38100" cap="flat" cmpd="sng" algn="ctr">
+                      <a:noFill/>
+                      <a:prstDash val="solid"/>
+                      <a:round/>
+                      <a:headEnd type="none" w="med" len="med"/>
+                      <a:tailEnd type="none" w="med" len="med"/>
+                    </a:lnL>
+                    <a:lnR w="38100" cap="flat" cmpd="sng" algn="ctr">
+                      <a:noFill/>
+                      <a:prstDash val="solid"/>
+                      <a:round/>
+                      <a:headEnd type="none" w="med" len="med"/>
+                      <a:tailEnd type="none" w="med" len="med"/>
+                    </a:lnR>
+                    <a:lnT w="38100" cap="flat" cmpd="sng" algn="ctr">
+                      <a:solidFill>
+                        <a:schemeClr val="accent5">
+                          <a:lumMod val="50000"/>
+                        </a:schemeClr>
+                      </a:solidFill>
+                      <a:prstDash val="solid"/>
+                      <a:round/>
+                      <a:headEnd type="none" w="med" len="med"/>
+                      <a:tailEnd type="none" w="med" len="med"/>
+                    </a:lnT>
+                    <a:lnB w="38100" cap="flat" cmpd="sng" algn="ctr">
+                      <a:solidFill>
+                        <a:schemeClr val="accent5">
+                          <a:lumMod val="50000"/>
+                        </a:schemeClr>
+                      </a:solidFill>
+                      <a:prstDash val="solid"/>
+                      <a:round/>
+                      <a:headEnd type="none" w="med" len="med"/>
+                      <a:tailEnd type="none" w="med" len="med"/>
+                    </a:lnB>
+                  </a:tcPr>
+                </a:tc>
+                <a:tc>
+                  <a:txBody>
+                    <a:bodyPr/>
+                    <a:lstStyle/>
+                    <a:p>
+                      <a:r>
+                        <a:rPr lang="it-IT" sz="1600" dirty="0">
+                          <a:solidFill>
+                            <a:schemeClr val="accent5">
+                              <a:lumMod val="50000"/>
+                            </a:schemeClr>
+                          </a:solidFill>
+                          <a:latin typeface="+mn-lt"/>
+                        </a:rPr>
+                        <a:t> 0,5188 ***</a:t>
+                      </a:r>
+                    </a:p>
+                  </a:txBody>
+                  <a:tcPr>
+                    <a:lnL w="38100" cap="flat" cmpd="sng" algn="ctr">
+                      <a:noFill/>
+                      <a:prstDash val="solid"/>
+                      <a:round/>
+                      <a:headEnd type="none" w="med" len="med"/>
+                      <a:tailEnd type="none" w="med" len="med"/>
+                    </a:lnL>
+                    <a:lnR w="38100" cap="flat" cmpd="sng" algn="ctr">
+                      <a:solidFill>
+                        <a:schemeClr val="accent5">
+                          <a:lumMod val="50000"/>
+                        </a:schemeClr>
+                      </a:solidFill>
+                      <a:prstDash val="solid"/>
+                      <a:round/>
+                      <a:headEnd type="none" w="med" len="med"/>
+                      <a:tailEnd type="none" w="med" len="med"/>
+                    </a:lnR>
+                    <a:lnT w="38100" cap="flat" cmpd="sng" algn="ctr">
+                      <a:solidFill>
+                        <a:schemeClr val="accent5">
+                          <a:lumMod val="50000"/>
+                        </a:schemeClr>
+                      </a:solidFill>
+                      <a:prstDash val="solid"/>
+                      <a:round/>
+                      <a:headEnd type="none" w="med" len="med"/>
+                      <a:tailEnd type="none" w="med" len="med"/>
+                    </a:lnT>
+                    <a:lnB w="38100" cap="flat" cmpd="sng" algn="ctr">
+                      <a:solidFill>
+                        <a:schemeClr val="accent5">
+                          <a:lumMod val="50000"/>
+                        </a:schemeClr>
+                      </a:solidFill>
+                      <a:prstDash val="solid"/>
+                      <a:round/>
+                      <a:headEnd type="none" w="med" len="med"/>
+                      <a:tailEnd type="none" w="med" len="med"/>
+                    </a:lnB>
+                  </a:tcPr>
+                </a:tc>
+                <a:extLst>
+                  <a:ext uri="{0D108BD9-81ED-4DB2-BD59-A6C34878D82A}">
+                    <a16:rowId xmlns:a16="http://schemas.microsoft.com/office/drawing/2014/main" val="3497185365"/>
+                  </a:ext>
+                </a:extLst>
+              </a:tr>
+              <a:tr h="327193">
+                <a:tc>
+                  <a:txBody>
+                    <a:bodyPr/>
+                    <a:lstStyle/>
+                    <a:p>
+                      <a:r>
+                        <a:rPr lang="it-IT" sz="1600" i="1" dirty="0" err="1">
+                          <a:solidFill>
+                            <a:schemeClr val="accent5">
+                              <a:lumMod val="50000"/>
+                            </a:schemeClr>
+                          </a:solidFill>
+                          <a:latin typeface="+mn-lt"/>
+                        </a:rPr>
+                        <a:t>immigration</a:t>
+                      </a:r>
+                      <a:endParaRPr lang="it-IT" sz="1600" i="1" dirty="0">
+                        <a:solidFill>
+                          <a:schemeClr val="accent5">
+                            <a:lumMod val="50000"/>
+                          </a:schemeClr>
+                        </a:solidFill>
+                        <a:latin typeface="+mn-lt"/>
+                      </a:endParaRPr>
+                    </a:p>
+                  </a:txBody>
+                  <a:tcPr>
+                    <a:lnL w="38100" cap="flat" cmpd="sng" algn="ctr">
+                      <a:solidFill>
+                        <a:schemeClr val="accent5">
+                          <a:lumMod val="50000"/>
+                        </a:schemeClr>
+                      </a:solidFill>
+                      <a:prstDash val="solid"/>
+                      <a:round/>
+                      <a:headEnd type="none" w="med" len="med"/>
+                      <a:tailEnd type="none" w="med" len="med"/>
+                    </a:lnL>
+                    <a:lnR w="38100" cap="flat" cmpd="sng" algn="ctr">
+                      <a:noFill/>
+                      <a:prstDash val="solid"/>
+                      <a:round/>
+                      <a:headEnd type="none" w="med" len="med"/>
+                      <a:tailEnd type="none" w="med" len="med"/>
+                    </a:lnR>
+                    <a:lnT w="38100" cap="flat" cmpd="sng" algn="ctr">
+                      <a:solidFill>
+                        <a:schemeClr val="accent5">
+                          <a:lumMod val="50000"/>
+                        </a:schemeClr>
+                      </a:solidFill>
+                      <a:prstDash val="solid"/>
+                      <a:round/>
+                      <a:headEnd type="none" w="med" len="med"/>
+                      <a:tailEnd type="none" w="med" len="med"/>
+                    </a:lnT>
+                    <a:lnB w="38100" cap="flat" cmpd="sng" algn="ctr">
+                      <a:solidFill>
+                        <a:schemeClr val="accent5">
+                          <a:lumMod val="50000"/>
+                        </a:schemeClr>
+                      </a:solidFill>
+                      <a:prstDash val="solid"/>
+                      <a:round/>
+                      <a:headEnd type="none" w="med" len="med"/>
+                      <a:tailEnd type="none" w="med" len="med"/>
+                    </a:lnB>
+                  </a:tcPr>
+                </a:tc>
+                <a:tc>
+                  <a:txBody>
+                    <a:bodyPr/>
+                    <a:lstStyle/>
+                    <a:p>
+                      <a:r>
+                        <a:rPr lang="it-IT" sz="1600" dirty="0">
+                          <a:solidFill>
+                            <a:schemeClr val="accent5">
+                              <a:lumMod val="50000"/>
+                            </a:schemeClr>
+                          </a:solidFill>
+                          <a:latin typeface="+mn-lt"/>
+                        </a:rPr>
+                        <a:t> 0,5500 *</a:t>
+                      </a:r>
+                    </a:p>
+                  </a:txBody>
+                  <a:tcPr>
+                    <a:lnL w="38100" cap="flat" cmpd="sng" algn="ctr">
+                      <a:noFill/>
+                      <a:prstDash val="solid"/>
+                      <a:round/>
+                      <a:headEnd type="none" w="med" len="med"/>
+                      <a:tailEnd type="none" w="med" len="med"/>
+                    </a:lnL>
+                    <a:lnR w="38100" cap="flat" cmpd="sng" algn="ctr">
+                      <a:noFill/>
+                      <a:prstDash val="solid"/>
+                      <a:round/>
+                      <a:headEnd type="none" w="med" len="med"/>
+                      <a:tailEnd type="none" w="med" len="med"/>
+                    </a:lnR>
+                    <a:lnT w="38100" cap="flat" cmpd="sng" algn="ctr">
+                      <a:solidFill>
+                        <a:schemeClr val="accent5">
+                          <a:lumMod val="50000"/>
+                        </a:schemeClr>
+                      </a:solidFill>
+                      <a:prstDash val="solid"/>
+                      <a:round/>
+                      <a:headEnd type="none" w="med" len="med"/>
+                      <a:tailEnd type="none" w="med" len="med"/>
+                    </a:lnT>
+                    <a:lnB w="38100" cap="flat" cmpd="sng" algn="ctr">
+                      <a:solidFill>
+                        <a:schemeClr val="accent5">
+                          <a:lumMod val="50000"/>
+                        </a:schemeClr>
+                      </a:solidFill>
+                      <a:prstDash val="solid"/>
+                      <a:round/>
+                      <a:headEnd type="none" w="med" len="med"/>
+                      <a:tailEnd type="none" w="med" len="med"/>
+                    </a:lnB>
+                  </a:tcPr>
+                </a:tc>
+                <a:tc>
+                  <a:txBody>
+                    <a:bodyPr/>
+                    <a:lstStyle/>
+                    <a:p>
+                      <a:r>
+                        <a:rPr lang="it-IT" sz="1600" dirty="0">
+                          <a:solidFill>
+                            <a:schemeClr val="accent5">
+                              <a:lumMod val="50000"/>
+                            </a:schemeClr>
+                          </a:solidFill>
+                          <a:latin typeface="+mn-lt"/>
+                        </a:rPr>
+                        <a:t>-0,3291</a:t>
+                      </a:r>
+                    </a:p>
+                  </a:txBody>
+                  <a:tcPr>
+                    <a:lnL w="38100" cap="flat" cmpd="sng" algn="ctr">
+                      <a:noFill/>
+                      <a:prstDash val="solid"/>
+                      <a:round/>
+                      <a:headEnd type="none" w="med" len="med"/>
+                      <a:tailEnd type="none" w="med" len="med"/>
+                    </a:lnL>
+                    <a:lnR w="38100" cap="flat" cmpd="sng" algn="ctr">
+                      <a:solidFill>
+                        <a:schemeClr val="accent5">
+                          <a:lumMod val="50000"/>
+                        </a:schemeClr>
+                      </a:solidFill>
+                      <a:prstDash val="solid"/>
+                      <a:round/>
+                      <a:headEnd type="none" w="med" len="med"/>
+                      <a:tailEnd type="none" w="med" len="med"/>
+                    </a:lnR>
+                    <a:lnT w="38100" cap="flat" cmpd="sng" algn="ctr">
+                      <a:solidFill>
+                        <a:schemeClr val="accent5">
+                          <a:lumMod val="50000"/>
+                        </a:schemeClr>
+                      </a:solidFill>
+                      <a:prstDash val="solid"/>
+                      <a:round/>
+                      <a:headEnd type="none" w="med" len="med"/>
+                      <a:tailEnd type="none" w="med" len="med"/>
+                    </a:lnT>
+                    <a:lnB w="38100" cap="flat" cmpd="sng" algn="ctr">
+                      <a:solidFill>
+                        <a:schemeClr val="accent5">
+                          <a:lumMod val="50000"/>
+                        </a:schemeClr>
+                      </a:solidFill>
+                      <a:prstDash val="solid"/>
+                      <a:round/>
+                      <a:headEnd type="none" w="med" len="med"/>
+                      <a:tailEnd type="none" w="med" len="med"/>
+                    </a:lnB>
+                  </a:tcPr>
+                </a:tc>
+                <a:extLst>
+                  <a:ext uri="{0D108BD9-81ED-4DB2-BD59-A6C34878D82A}">
+                    <a16:rowId xmlns:a16="http://schemas.microsoft.com/office/drawing/2014/main" val="3486258841"/>
+                  </a:ext>
+                </a:extLst>
+              </a:tr>
+            </a:tbl>
+          </a:graphicData>
+        </a:graphic>
+      </p:graphicFrame>
+      <p:graphicFrame>
+        <p:nvGraphicFramePr>
+          <p:cNvPr id="37" name="Table 36">
+            <a:extLst>
+              <a:ext uri="{FF2B5EF4-FFF2-40B4-BE49-F238E27FC236}">
+                <a16:creationId xmlns:a16="http://schemas.microsoft.com/office/drawing/2014/main" id="{C3E0783F-6749-57A1-E7B6-6A8BBA325058}"/>
+              </a:ext>
+            </a:extLst>
+          </p:cNvPr>
+          <p:cNvGraphicFramePr>
+            <a:graphicFrameLocks noGrp="1"/>
+          </p:cNvGraphicFramePr>
+          <p:nvPr>
+            <p:extLst>
+              <p:ext uri="{D42A27DB-BD31-4B8C-83A1-F6EECF244321}">
+                <p14:modId xmlns:p14="http://schemas.microsoft.com/office/powerpoint/2010/main" val="3355297493"/>
+              </p:ext>
+            </p:extLst>
+          </p:nvPr>
+        </p:nvGraphicFramePr>
+        <p:xfrm>
+          <a:off x="22196247" y="26965801"/>
+          <a:ext cx="4647113" cy="2682240"/>
+        </p:xfrm>
+        <a:graphic>
+          <a:graphicData uri="http://schemas.openxmlformats.org/drawingml/2006/table">
+            <a:tbl>
+              <a:tblPr firstRow="1" bandRow="1"/>
+              <a:tblGrid>
+                <a:gridCol w="1773052">
+                  <a:extLst>
+                    <a:ext uri="{9D8B030D-6E8A-4147-A177-3AD203B41FA5}">
+                      <a16:colId xmlns:a16="http://schemas.microsoft.com/office/drawing/2014/main" val="857910294"/>
+                    </a:ext>
+                  </a:extLst>
+                </a:gridCol>
+                <a:gridCol w="1466568">
+                  <a:extLst>
+                    <a:ext uri="{9D8B030D-6E8A-4147-A177-3AD203B41FA5}">
+                      <a16:colId xmlns:a16="http://schemas.microsoft.com/office/drawing/2014/main" val="3509235413"/>
+                    </a:ext>
+                  </a:extLst>
+                </a:gridCol>
+                <a:gridCol w="1407493">
+                  <a:extLst>
+                    <a:ext uri="{9D8B030D-6E8A-4147-A177-3AD203B41FA5}">
+                      <a16:colId xmlns:a16="http://schemas.microsoft.com/office/drawing/2014/main" val="4213556645"/>
+                    </a:ext>
+                  </a:extLst>
+                </a:gridCol>
+              </a:tblGrid>
+              <a:tr h="333469">
+                <a:tc>
+                  <a:txBody>
+                    <a:bodyPr/>
+                    <a:lstStyle/>
+                    <a:p>
+                      <a:r>
+                        <a:rPr lang="it-IT" sz="1600" b="1" dirty="0">
+                          <a:solidFill>
+                            <a:schemeClr val="accent5">
+                              <a:lumMod val="50000"/>
+                            </a:schemeClr>
+                          </a:solidFill>
+                          <a:latin typeface="+mn-lt"/>
+                        </a:rPr>
+                        <a:t>DNK </a:t>
+                      </a:r>
+                      <a:r>
+                        <a:rPr lang="it-IT" sz="1600" b="1" dirty="0" err="1">
+                          <a:solidFill>
+                            <a:schemeClr val="accent5">
+                              <a:lumMod val="50000"/>
+                            </a:schemeClr>
+                          </a:solidFill>
+                          <a:latin typeface="+mn-lt"/>
+                        </a:rPr>
+                        <a:t>read</a:t>
+                      </a:r>
+                      <a:endParaRPr lang="it-IT" sz="1600" b="1" dirty="0">
+                        <a:solidFill>
+                          <a:schemeClr val="accent5">
+                            <a:lumMod val="50000"/>
+                          </a:schemeClr>
+                        </a:solidFill>
+                        <a:latin typeface="+mn-lt"/>
+                      </a:endParaRPr>
+                    </a:p>
+                  </a:txBody>
+                  <a:tcPr>
+                    <a:lnL w="38100" cap="flat" cmpd="sng" algn="ctr">
+                      <a:solidFill>
+                        <a:schemeClr val="accent5">
+                          <a:lumMod val="50000"/>
+                        </a:schemeClr>
+                      </a:solidFill>
+                      <a:prstDash val="solid"/>
+                      <a:round/>
+                      <a:headEnd type="none" w="med" len="med"/>
+                      <a:tailEnd type="none" w="med" len="med"/>
+                    </a:lnL>
+                    <a:lnR w="38100" cap="flat" cmpd="sng" algn="ctr">
+                      <a:noFill/>
+                      <a:prstDash val="solid"/>
+                      <a:round/>
+                      <a:headEnd type="none" w="med" len="med"/>
+                      <a:tailEnd type="none" w="med" len="med"/>
+                    </a:lnR>
+                    <a:lnT w="38100" cap="flat" cmpd="sng" algn="ctr">
+                      <a:solidFill>
+                        <a:schemeClr val="accent5">
+                          <a:lumMod val="50000"/>
+                        </a:schemeClr>
+                      </a:solidFill>
+                      <a:prstDash val="solid"/>
+                      <a:round/>
+                      <a:headEnd type="none" w="med" len="med"/>
+                      <a:tailEnd type="none" w="med" len="med"/>
+                    </a:lnT>
+                    <a:lnB w="38100" cap="flat" cmpd="sng" algn="ctr">
+                      <a:solidFill>
+                        <a:schemeClr val="accent5">
+                          <a:lumMod val="50000"/>
+                        </a:schemeClr>
+                      </a:solidFill>
+                      <a:prstDash val="solid"/>
+                      <a:round/>
+                      <a:headEnd type="none" w="med" len="med"/>
+                      <a:tailEnd type="none" w="med" len="med"/>
+                    </a:lnB>
+                  </a:tcPr>
+                </a:tc>
+                <a:tc>
+                  <a:txBody>
+                    <a:bodyPr/>
+                    <a:lstStyle/>
+                    <a:p>
+                      <a:r>
+                        <a:rPr lang="it-IT" sz="1600" i="1" dirty="0" err="1">
+                          <a:solidFill>
+                            <a:schemeClr val="accent5">
+                              <a:lumMod val="50000"/>
+                            </a:schemeClr>
+                          </a:solidFill>
+                          <a:latin typeface="+mn-lt"/>
+                        </a:rPr>
+                        <a:t>Worst</a:t>
+                      </a:r>
+                      <a:r>
+                        <a:rPr lang="it-IT" sz="1600" i="1" dirty="0">
+                          <a:solidFill>
+                            <a:schemeClr val="accent5">
+                              <a:lumMod val="50000"/>
+                            </a:schemeClr>
+                          </a:solidFill>
+                          <a:latin typeface="+mn-lt"/>
+                        </a:rPr>
+                        <a:t> Schools</a:t>
+                      </a:r>
+                    </a:p>
+                  </a:txBody>
+                  <a:tcPr>
+                    <a:lnL w="38100" cap="flat" cmpd="sng" algn="ctr">
+                      <a:noFill/>
+                      <a:prstDash val="solid"/>
+                      <a:round/>
+                      <a:headEnd type="none" w="med" len="med"/>
+                      <a:tailEnd type="none" w="med" len="med"/>
+                    </a:lnL>
+                    <a:lnR w="38100" cap="flat" cmpd="sng" algn="ctr">
+                      <a:noFill/>
+                      <a:prstDash val="solid"/>
+                      <a:round/>
+                      <a:headEnd type="none" w="med" len="med"/>
+                      <a:tailEnd type="none" w="med" len="med"/>
+                    </a:lnR>
+                    <a:lnT w="38100" cap="flat" cmpd="sng" algn="ctr">
+                      <a:solidFill>
+                        <a:schemeClr val="accent5">
+                          <a:lumMod val="50000"/>
+                        </a:schemeClr>
+                      </a:solidFill>
+                      <a:prstDash val="solid"/>
+                      <a:round/>
+                      <a:headEnd type="none" w="med" len="med"/>
+                      <a:tailEnd type="none" w="med" len="med"/>
+                    </a:lnT>
+                    <a:lnB w="38100" cap="flat" cmpd="sng" algn="ctr">
+                      <a:solidFill>
+                        <a:schemeClr val="accent5">
+                          <a:lumMod val="50000"/>
+                        </a:schemeClr>
+                      </a:solidFill>
+                      <a:prstDash val="solid"/>
+                      <a:round/>
+                      <a:headEnd type="none" w="med" len="med"/>
+                      <a:tailEnd type="none" w="med" len="med"/>
+                    </a:lnB>
+                  </a:tcPr>
+                </a:tc>
+                <a:tc>
+                  <a:txBody>
+                    <a:bodyPr/>
+                    <a:lstStyle/>
+                    <a:p>
+                      <a:r>
+                        <a:rPr lang="it-IT" sz="1600" i="1" dirty="0">
+                          <a:solidFill>
+                            <a:schemeClr val="accent5">
+                              <a:lumMod val="50000"/>
+                            </a:schemeClr>
+                          </a:solidFill>
+                          <a:latin typeface="+mn-lt"/>
+                        </a:rPr>
+                        <a:t>Best Schools</a:t>
+                      </a:r>
+                    </a:p>
+                  </a:txBody>
+                  <a:tcPr>
+                    <a:lnL w="38100" cap="flat" cmpd="sng" algn="ctr">
+                      <a:noFill/>
+                      <a:prstDash val="solid"/>
+                      <a:round/>
+                      <a:headEnd type="none" w="med" len="med"/>
+                      <a:tailEnd type="none" w="med" len="med"/>
+                    </a:lnL>
+                    <a:lnR w="38100" cap="flat" cmpd="sng" algn="ctr">
+                      <a:solidFill>
+                        <a:schemeClr val="accent5">
+                          <a:lumMod val="50000"/>
+                        </a:schemeClr>
+                      </a:solidFill>
+                      <a:prstDash val="solid"/>
+                      <a:round/>
+                      <a:headEnd type="none" w="med" len="med"/>
+                      <a:tailEnd type="none" w="med" len="med"/>
+                    </a:lnR>
+                    <a:lnT w="38100" cap="flat" cmpd="sng" algn="ctr">
+                      <a:solidFill>
+                        <a:schemeClr val="accent5">
+                          <a:lumMod val="50000"/>
+                        </a:schemeClr>
+                      </a:solidFill>
+                      <a:prstDash val="solid"/>
+                      <a:round/>
+                      <a:headEnd type="none" w="med" len="med"/>
+                      <a:tailEnd type="none" w="med" len="med"/>
+                    </a:lnT>
+                    <a:lnB w="38100" cap="flat" cmpd="sng" algn="ctr">
+                      <a:solidFill>
+                        <a:schemeClr val="accent5">
+                          <a:lumMod val="50000"/>
+                        </a:schemeClr>
+                      </a:solidFill>
+                      <a:prstDash val="solid"/>
+                      <a:round/>
+                      <a:headEnd type="none" w="med" len="med"/>
+                      <a:tailEnd type="none" w="med" len="med"/>
+                    </a:lnB>
+                  </a:tcPr>
+                </a:tc>
+                <a:extLst>
+                  <a:ext uri="{0D108BD9-81ED-4DB2-BD59-A6C34878D82A}">
+                    <a16:rowId xmlns:a16="http://schemas.microsoft.com/office/drawing/2014/main" val="2509250468"/>
+                  </a:ext>
+                </a:extLst>
+              </a:tr>
+              <a:tr h="334990">
+                <a:tc>
+                  <a:txBody>
+                    <a:bodyPr/>
+                    <a:lstStyle/>
+                    <a:p>
+                      <a:r>
+                        <a:rPr lang="it-IT" sz="1600" i="1" dirty="0" err="1">
+                          <a:solidFill>
+                            <a:schemeClr val="accent5">
+                              <a:lumMod val="50000"/>
+                            </a:schemeClr>
+                          </a:solidFill>
+                          <a:latin typeface="+mn-lt"/>
+                        </a:rPr>
+                        <a:t>belonging</a:t>
+                      </a:r>
+                      <a:endParaRPr lang="it-IT" sz="1600" i="1" dirty="0">
+                        <a:solidFill>
+                          <a:schemeClr val="accent5">
+                            <a:lumMod val="50000"/>
+                          </a:schemeClr>
+                        </a:solidFill>
+                        <a:latin typeface="+mn-lt"/>
+                      </a:endParaRPr>
+                    </a:p>
+                  </a:txBody>
+                  <a:tcPr>
+                    <a:lnL w="38100" cap="flat" cmpd="sng" algn="ctr">
+                      <a:solidFill>
+                        <a:schemeClr val="accent5">
+                          <a:lumMod val="50000"/>
+                        </a:schemeClr>
+                      </a:solidFill>
+                      <a:prstDash val="solid"/>
+                      <a:round/>
+                      <a:headEnd type="none" w="med" len="med"/>
+                      <a:tailEnd type="none" w="med" len="med"/>
+                    </a:lnL>
+                    <a:lnR w="38100" cap="flat" cmpd="sng" algn="ctr">
+                      <a:noFill/>
+                      <a:prstDash val="solid"/>
+                      <a:round/>
+                      <a:headEnd type="none" w="med" len="med"/>
+                      <a:tailEnd type="none" w="med" len="med"/>
+                    </a:lnR>
+                    <a:lnT w="38100" cap="flat" cmpd="sng" algn="ctr">
+                      <a:solidFill>
+                        <a:schemeClr val="accent5">
+                          <a:lumMod val="50000"/>
+                        </a:schemeClr>
+                      </a:solidFill>
+                      <a:prstDash val="solid"/>
+                      <a:round/>
+                      <a:headEnd type="none" w="med" len="med"/>
+                      <a:tailEnd type="none" w="med" len="med"/>
+                    </a:lnT>
+                    <a:lnB w="38100" cap="flat" cmpd="sng" algn="ctr">
+                      <a:solidFill>
+                        <a:schemeClr val="accent5">
+                          <a:lumMod val="50000"/>
+                        </a:schemeClr>
+                      </a:solidFill>
+                      <a:prstDash val="solid"/>
+                      <a:round/>
+                      <a:headEnd type="none" w="med" len="med"/>
+                      <a:tailEnd type="none" w="med" len="med"/>
+                    </a:lnB>
+                  </a:tcPr>
+                </a:tc>
+                <a:tc>
+                  <a:txBody>
+                    <a:bodyPr/>
+                    <a:lstStyle/>
+                    <a:p>
+                      <a:r>
+                        <a:rPr lang="it-IT" sz="1600" dirty="0">
+                          <a:solidFill>
+                            <a:schemeClr val="accent5">
+                              <a:lumMod val="50000"/>
+                            </a:schemeClr>
+                          </a:solidFill>
+                          <a:latin typeface="+mn-lt"/>
+                        </a:rPr>
+                        <a:t> 0,2816 *</a:t>
+                      </a:r>
+                    </a:p>
+                  </a:txBody>
+                  <a:tcPr>
+                    <a:lnL w="38100" cap="flat" cmpd="sng" algn="ctr">
+                      <a:noFill/>
+                      <a:prstDash val="solid"/>
+                      <a:round/>
+                      <a:headEnd type="none" w="med" len="med"/>
+                      <a:tailEnd type="none" w="med" len="med"/>
+                    </a:lnL>
+                    <a:lnR w="38100" cap="flat" cmpd="sng" algn="ctr">
+                      <a:noFill/>
+                      <a:prstDash val="solid"/>
+                      <a:round/>
+                      <a:headEnd type="none" w="med" len="med"/>
+                      <a:tailEnd type="none" w="med" len="med"/>
+                    </a:lnR>
+                    <a:lnT w="38100" cap="flat" cmpd="sng" algn="ctr">
+                      <a:solidFill>
+                        <a:schemeClr val="accent5">
+                          <a:lumMod val="50000"/>
+                        </a:schemeClr>
+                      </a:solidFill>
+                      <a:prstDash val="solid"/>
+                      <a:round/>
+                      <a:headEnd type="none" w="med" len="med"/>
+                      <a:tailEnd type="none" w="med" len="med"/>
+                    </a:lnT>
+                    <a:lnB w="38100" cap="flat" cmpd="sng" algn="ctr">
+                      <a:solidFill>
+                        <a:schemeClr val="accent5">
+                          <a:lumMod val="50000"/>
+                        </a:schemeClr>
+                      </a:solidFill>
+                      <a:prstDash val="solid"/>
+                      <a:round/>
+                      <a:headEnd type="none" w="med" len="med"/>
+                      <a:tailEnd type="none" w="med" len="med"/>
+                    </a:lnB>
+                  </a:tcPr>
+                </a:tc>
+                <a:tc>
+                  <a:txBody>
+                    <a:bodyPr/>
+                    <a:lstStyle/>
+                    <a:p>
+                      <a:r>
+                        <a:rPr lang="it-IT" sz="1600" dirty="0">
+                          <a:solidFill>
+                            <a:schemeClr val="accent5">
+                              <a:lumMod val="50000"/>
+                            </a:schemeClr>
+                          </a:solidFill>
+                          <a:latin typeface="+mn-lt"/>
+                        </a:rPr>
+                        <a:t> 0,1314</a:t>
+                      </a:r>
+                    </a:p>
+                  </a:txBody>
+                  <a:tcPr>
+                    <a:lnL w="38100" cap="flat" cmpd="sng" algn="ctr">
+                      <a:noFill/>
+                      <a:prstDash val="solid"/>
+                      <a:round/>
+                      <a:headEnd type="none" w="med" len="med"/>
+                      <a:tailEnd type="none" w="med" len="med"/>
+                    </a:lnL>
+                    <a:lnR w="38100" cap="flat" cmpd="sng" algn="ctr">
+                      <a:solidFill>
+                        <a:schemeClr val="accent5">
+                          <a:lumMod val="50000"/>
+                        </a:schemeClr>
+                      </a:solidFill>
+                      <a:prstDash val="solid"/>
+                      <a:round/>
+                      <a:headEnd type="none" w="med" len="med"/>
+                      <a:tailEnd type="none" w="med" len="med"/>
+                    </a:lnR>
+                    <a:lnT w="38100" cap="flat" cmpd="sng" algn="ctr">
+                      <a:solidFill>
+                        <a:schemeClr val="accent5">
+                          <a:lumMod val="50000"/>
+                        </a:schemeClr>
+                      </a:solidFill>
+                      <a:prstDash val="solid"/>
+                      <a:round/>
+                      <a:headEnd type="none" w="med" len="med"/>
+                      <a:tailEnd type="none" w="med" len="med"/>
+                    </a:lnT>
+                    <a:lnB w="38100" cap="flat" cmpd="sng" algn="ctr">
+                      <a:solidFill>
+                        <a:schemeClr val="accent5">
+                          <a:lumMod val="50000"/>
+                        </a:schemeClr>
+                      </a:solidFill>
+                      <a:prstDash val="solid"/>
+                      <a:round/>
+                      <a:headEnd type="none" w="med" len="med"/>
+                      <a:tailEnd type="none" w="med" len="med"/>
+                    </a:lnB>
+                  </a:tcPr>
+                </a:tc>
+                <a:extLst>
+                  <a:ext uri="{0D108BD9-81ED-4DB2-BD59-A6C34878D82A}">
+                    <a16:rowId xmlns:a16="http://schemas.microsoft.com/office/drawing/2014/main" val="842589258"/>
+                  </a:ext>
+                </a:extLst>
+              </a:tr>
+              <a:tr h="334990">
+                <a:tc>
+                  <a:txBody>
+                    <a:bodyPr/>
+                    <a:lstStyle/>
+                    <a:p>
+                      <a:pPr marL="0" marR="0" lvl="0" indent="0" algn="l" defTabSz="4036471" rtl="0" eaLnBrk="1" fontAlgn="auto" latinLnBrk="0" hangingPunct="1">
+                        <a:lnSpc>
+                          <a:spcPct val="100000"/>
+                        </a:lnSpc>
+                        <a:spcBef>
+                          <a:spcPts val="0"/>
+                        </a:spcBef>
+                        <a:spcAft>
+                          <a:spcPts val="0"/>
+                        </a:spcAft>
+                        <a:buClrTx/>
+                        <a:buSzTx/>
+                        <a:buFontTx/>
+                        <a:buNone/>
+                        <a:tabLst/>
+                        <a:defRPr/>
+                      </a:pPr>
+                      <a:r>
+                        <a:rPr lang="it-IT" sz="1600" i="1" dirty="0" err="1">
+                          <a:solidFill>
+                            <a:schemeClr val="accent5">
+                              <a:lumMod val="50000"/>
+                            </a:schemeClr>
+                          </a:solidFill>
+                          <a:latin typeface="+mn-lt"/>
+                        </a:rPr>
+                        <a:t>teacher_support</a:t>
+                      </a:r>
+                      <a:endParaRPr lang="it-IT" sz="1600" i="1" dirty="0">
+                        <a:solidFill>
+                          <a:schemeClr val="accent5">
+                            <a:lumMod val="50000"/>
+                          </a:schemeClr>
+                        </a:solidFill>
+                        <a:latin typeface="+mn-lt"/>
+                      </a:endParaRPr>
+                    </a:p>
+                  </a:txBody>
+                  <a:tcPr>
+                    <a:lnL w="38100" cap="flat" cmpd="sng" algn="ctr">
+                      <a:solidFill>
+                        <a:schemeClr val="accent5">
+                          <a:lumMod val="50000"/>
+                        </a:schemeClr>
+                      </a:solidFill>
+                      <a:prstDash val="solid"/>
+                      <a:round/>
+                      <a:headEnd type="none" w="med" len="med"/>
+                      <a:tailEnd type="none" w="med" len="med"/>
+                    </a:lnL>
+                    <a:lnR w="38100" cap="flat" cmpd="sng" algn="ctr">
+                      <a:noFill/>
+                      <a:prstDash val="solid"/>
+                      <a:round/>
+                      <a:headEnd type="none" w="med" len="med"/>
+                      <a:tailEnd type="none" w="med" len="med"/>
+                    </a:lnR>
+                    <a:lnT w="38100" cap="flat" cmpd="sng" algn="ctr">
+                      <a:solidFill>
+                        <a:schemeClr val="accent5">
+                          <a:lumMod val="50000"/>
+                        </a:schemeClr>
+                      </a:solidFill>
+                      <a:prstDash val="solid"/>
+                      <a:round/>
+                      <a:headEnd type="none" w="med" len="med"/>
+                      <a:tailEnd type="none" w="med" len="med"/>
+                    </a:lnT>
+                    <a:lnB w="38100" cap="flat" cmpd="sng" algn="ctr">
+                      <a:solidFill>
+                        <a:schemeClr val="accent5">
+                          <a:lumMod val="50000"/>
+                        </a:schemeClr>
+                      </a:solidFill>
+                      <a:prstDash val="solid"/>
+                      <a:round/>
+                      <a:headEnd type="none" w="med" len="med"/>
+                      <a:tailEnd type="none" w="med" len="med"/>
+                    </a:lnB>
+                  </a:tcPr>
+                </a:tc>
+                <a:tc>
+                  <a:txBody>
+                    <a:bodyPr/>
+                    <a:lstStyle/>
+                    <a:p>
+                      <a:r>
+                        <a:rPr lang="it-IT" sz="1600" dirty="0">
+                          <a:solidFill>
+                            <a:schemeClr val="accent5">
+                              <a:lumMod val="50000"/>
+                            </a:schemeClr>
+                          </a:solidFill>
+                          <a:latin typeface="+mn-lt"/>
+                        </a:rPr>
+                        <a:t>-0,3892 *</a:t>
+                      </a:r>
+                    </a:p>
+                  </a:txBody>
+                  <a:tcPr>
+                    <a:lnL w="38100" cap="flat" cmpd="sng" algn="ctr">
+                      <a:noFill/>
+                      <a:prstDash val="solid"/>
+                      <a:round/>
+                      <a:headEnd type="none" w="med" len="med"/>
+                      <a:tailEnd type="none" w="med" len="med"/>
+                    </a:lnL>
+                    <a:lnR w="38100" cap="flat" cmpd="sng" algn="ctr">
+                      <a:noFill/>
+                      <a:prstDash val="solid"/>
+                      <a:round/>
+                      <a:headEnd type="none" w="med" len="med"/>
+                      <a:tailEnd type="none" w="med" len="med"/>
+                    </a:lnR>
+                    <a:lnT w="38100" cap="flat" cmpd="sng" algn="ctr">
+                      <a:solidFill>
+                        <a:schemeClr val="accent5">
+                          <a:lumMod val="50000"/>
+                        </a:schemeClr>
+                      </a:solidFill>
+                      <a:prstDash val="solid"/>
+                      <a:round/>
+                      <a:headEnd type="none" w="med" len="med"/>
+                      <a:tailEnd type="none" w="med" len="med"/>
+                    </a:lnT>
+                    <a:lnB w="38100" cap="flat" cmpd="sng" algn="ctr">
+                      <a:solidFill>
+                        <a:schemeClr val="accent5">
+                          <a:lumMod val="50000"/>
+                        </a:schemeClr>
+                      </a:solidFill>
+                      <a:prstDash val="solid"/>
+                      <a:round/>
+                      <a:headEnd type="none" w="med" len="med"/>
+                      <a:tailEnd type="none" w="med" len="med"/>
+                    </a:lnB>
+                  </a:tcPr>
+                </a:tc>
+                <a:tc>
+                  <a:txBody>
+                    <a:bodyPr/>
+                    <a:lstStyle/>
+                    <a:p>
+                      <a:r>
+                        <a:rPr lang="it-IT" sz="1600" dirty="0">
+                          <a:solidFill>
+                            <a:schemeClr val="accent5">
+                              <a:lumMod val="50000"/>
+                            </a:schemeClr>
+                          </a:solidFill>
+                          <a:latin typeface="+mn-lt"/>
+                        </a:rPr>
+                        <a:t>-0,0440</a:t>
+                      </a:r>
+                    </a:p>
+                  </a:txBody>
+                  <a:tcPr>
+                    <a:lnL w="38100" cap="flat" cmpd="sng" algn="ctr">
+                      <a:noFill/>
+                      <a:prstDash val="solid"/>
+                      <a:round/>
+                      <a:headEnd type="none" w="med" len="med"/>
+                      <a:tailEnd type="none" w="med" len="med"/>
+                    </a:lnL>
+                    <a:lnR w="38100" cap="flat" cmpd="sng" algn="ctr">
+                      <a:solidFill>
+                        <a:schemeClr val="accent5">
+                          <a:lumMod val="50000"/>
+                        </a:schemeClr>
+                      </a:solidFill>
+                      <a:prstDash val="solid"/>
+                      <a:round/>
+                      <a:headEnd type="none" w="med" len="med"/>
+                      <a:tailEnd type="none" w="med" len="med"/>
+                    </a:lnR>
+                    <a:lnT w="38100" cap="flat" cmpd="sng" algn="ctr">
+                      <a:solidFill>
+                        <a:schemeClr val="accent5">
+                          <a:lumMod val="50000"/>
+                        </a:schemeClr>
+                      </a:solidFill>
+                      <a:prstDash val="solid"/>
+                      <a:round/>
+                      <a:headEnd type="none" w="med" len="med"/>
+                      <a:tailEnd type="none" w="med" len="med"/>
+                    </a:lnT>
+                    <a:lnB w="38100" cap="flat" cmpd="sng" algn="ctr">
+                      <a:solidFill>
+                        <a:schemeClr val="accent5">
+                          <a:lumMod val="50000"/>
+                        </a:schemeClr>
+                      </a:solidFill>
+                      <a:prstDash val="solid"/>
+                      <a:round/>
+                      <a:headEnd type="none" w="med" len="med"/>
+                      <a:tailEnd type="none" w="med" len="med"/>
+                    </a:lnB>
+                  </a:tcPr>
+                </a:tc>
+                <a:extLst>
+                  <a:ext uri="{0D108BD9-81ED-4DB2-BD59-A6C34878D82A}">
+                    <a16:rowId xmlns:a16="http://schemas.microsoft.com/office/drawing/2014/main" val="107298537"/>
+                  </a:ext>
+                </a:extLst>
+              </a:tr>
+              <a:tr h="334990">
+                <a:tc>
+                  <a:txBody>
+                    <a:bodyPr/>
+                    <a:lstStyle/>
+                    <a:p>
+                      <a:pPr marL="0" marR="0" lvl="0" indent="0" algn="l" defTabSz="4036471" rtl="0" eaLnBrk="1" fontAlgn="auto" latinLnBrk="0" hangingPunct="1">
+                        <a:lnSpc>
+                          <a:spcPct val="100000"/>
+                        </a:lnSpc>
+                        <a:spcBef>
+                          <a:spcPts val="0"/>
+                        </a:spcBef>
+                        <a:spcAft>
+                          <a:spcPts val="0"/>
+                        </a:spcAft>
+                        <a:buClrTx/>
+                        <a:buSzTx/>
+                        <a:buFontTx/>
+                        <a:buNone/>
+                        <a:tabLst/>
+                        <a:defRPr/>
+                      </a:pPr>
+                      <a:r>
+                        <a:rPr lang="it-IT" sz="1600" i="1" dirty="0" err="1">
+                          <a:solidFill>
+                            <a:schemeClr val="accent5">
+                              <a:lumMod val="50000"/>
+                            </a:schemeClr>
+                          </a:solidFill>
+                          <a:latin typeface="+mn-lt"/>
+                        </a:rPr>
+                        <a:t>stud_teach_ratio</a:t>
+                      </a:r>
+                      <a:endParaRPr lang="it-IT" sz="1600" i="1" dirty="0">
+                        <a:solidFill>
+                          <a:schemeClr val="accent5">
+                            <a:lumMod val="50000"/>
+                          </a:schemeClr>
+                        </a:solidFill>
+                        <a:latin typeface="+mn-lt"/>
+                      </a:endParaRPr>
+                    </a:p>
+                  </a:txBody>
+                  <a:tcPr>
+                    <a:lnL w="38100" cap="flat" cmpd="sng" algn="ctr">
+                      <a:solidFill>
+                        <a:schemeClr val="accent5">
+                          <a:lumMod val="50000"/>
+                        </a:schemeClr>
+                      </a:solidFill>
+                      <a:prstDash val="solid"/>
+                      <a:round/>
+                      <a:headEnd type="none" w="med" len="med"/>
+                      <a:tailEnd type="none" w="med" len="med"/>
+                    </a:lnL>
+                    <a:lnR w="38100" cap="flat" cmpd="sng" algn="ctr">
+                      <a:noFill/>
+                      <a:prstDash val="solid"/>
+                      <a:round/>
+                      <a:headEnd type="none" w="med" len="med"/>
+                      <a:tailEnd type="none" w="med" len="med"/>
+                    </a:lnR>
+                    <a:lnT w="38100" cap="flat" cmpd="sng" algn="ctr">
+                      <a:solidFill>
+                        <a:schemeClr val="accent5">
+                          <a:lumMod val="50000"/>
+                        </a:schemeClr>
+                      </a:solidFill>
+                      <a:prstDash val="solid"/>
+                      <a:round/>
+                      <a:headEnd type="none" w="med" len="med"/>
+                      <a:tailEnd type="none" w="med" len="med"/>
+                    </a:lnT>
+                    <a:lnB w="38100" cap="flat" cmpd="sng" algn="ctr">
+                      <a:solidFill>
+                        <a:schemeClr val="accent5">
+                          <a:lumMod val="50000"/>
+                        </a:schemeClr>
+                      </a:solidFill>
+                      <a:prstDash val="solid"/>
+                      <a:round/>
+                      <a:headEnd type="none" w="med" len="med"/>
+                      <a:tailEnd type="none" w="med" len="med"/>
+                    </a:lnB>
+                  </a:tcPr>
+                </a:tc>
+                <a:tc>
+                  <a:txBody>
+                    <a:bodyPr/>
+                    <a:lstStyle/>
+                    <a:p>
+                      <a:r>
+                        <a:rPr lang="it-IT" sz="1600" dirty="0">
+                          <a:solidFill>
+                            <a:schemeClr val="accent5">
+                              <a:lumMod val="50000"/>
+                            </a:schemeClr>
+                          </a:solidFill>
+                          <a:latin typeface="+mn-lt"/>
+                        </a:rPr>
+                        <a:t> 0,0208 ***</a:t>
+                      </a:r>
+                    </a:p>
+                  </a:txBody>
+                  <a:tcPr>
+                    <a:lnL w="38100" cap="flat" cmpd="sng" algn="ctr">
+                      <a:noFill/>
+                      <a:prstDash val="solid"/>
+                      <a:round/>
+                      <a:headEnd type="none" w="med" len="med"/>
+                      <a:tailEnd type="none" w="med" len="med"/>
+                    </a:lnL>
+                    <a:lnR w="38100" cap="flat" cmpd="sng" algn="ctr">
+                      <a:noFill/>
+                      <a:prstDash val="solid"/>
+                      <a:round/>
+                      <a:headEnd type="none" w="med" len="med"/>
+                      <a:tailEnd type="none" w="med" len="med"/>
+                    </a:lnR>
+                    <a:lnT w="38100" cap="flat" cmpd="sng" algn="ctr">
+                      <a:solidFill>
+                        <a:schemeClr val="accent5">
+                          <a:lumMod val="50000"/>
+                        </a:schemeClr>
+                      </a:solidFill>
+                      <a:prstDash val="solid"/>
+                      <a:round/>
+                      <a:headEnd type="none" w="med" len="med"/>
+                      <a:tailEnd type="none" w="med" len="med"/>
+                    </a:lnT>
+                    <a:lnB w="38100" cap="flat" cmpd="sng" algn="ctr">
+                      <a:solidFill>
+                        <a:schemeClr val="accent5">
+                          <a:lumMod val="50000"/>
+                        </a:schemeClr>
+                      </a:solidFill>
+                      <a:prstDash val="solid"/>
+                      <a:round/>
+                      <a:headEnd type="none" w="med" len="med"/>
+                      <a:tailEnd type="none" w="med" len="med"/>
+                    </a:lnB>
+                  </a:tcPr>
+                </a:tc>
+                <a:tc>
+                  <a:txBody>
+                    <a:bodyPr/>
+                    <a:lstStyle/>
+                    <a:p>
+                      <a:r>
+                        <a:rPr lang="it-IT" sz="1600" dirty="0">
+                          <a:solidFill>
+                            <a:schemeClr val="accent5">
+                              <a:lumMod val="50000"/>
+                            </a:schemeClr>
+                          </a:solidFill>
+                          <a:latin typeface="+mn-lt"/>
+                        </a:rPr>
+                        <a:t> 0,0552 ***</a:t>
+                      </a:r>
+                    </a:p>
+                  </a:txBody>
+                  <a:tcPr>
+                    <a:lnL w="38100" cap="flat" cmpd="sng" algn="ctr">
+                      <a:noFill/>
+                      <a:prstDash val="solid"/>
+                      <a:round/>
+                      <a:headEnd type="none" w="med" len="med"/>
+                      <a:tailEnd type="none" w="med" len="med"/>
+                    </a:lnL>
+                    <a:lnR w="38100" cap="flat" cmpd="sng" algn="ctr">
+                      <a:solidFill>
+                        <a:schemeClr val="accent5">
+                          <a:lumMod val="50000"/>
+                        </a:schemeClr>
+                      </a:solidFill>
+                      <a:prstDash val="solid"/>
+                      <a:round/>
+                      <a:headEnd type="none" w="med" len="med"/>
+                      <a:tailEnd type="none" w="med" len="med"/>
+                    </a:lnR>
+                    <a:lnT w="38100" cap="flat" cmpd="sng" algn="ctr">
+                      <a:solidFill>
+                        <a:schemeClr val="accent5">
+                          <a:lumMod val="50000"/>
+                        </a:schemeClr>
+                      </a:solidFill>
+                      <a:prstDash val="solid"/>
+                      <a:round/>
+                      <a:headEnd type="none" w="med" len="med"/>
+                      <a:tailEnd type="none" w="med" len="med"/>
+                    </a:lnT>
+                    <a:lnB w="38100" cap="flat" cmpd="sng" algn="ctr">
+                      <a:solidFill>
+                        <a:schemeClr val="accent5">
+                          <a:lumMod val="50000"/>
+                        </a:schemeClr>
+                      </a:solidFill>
+                      <a:prstDash val="solid"/>
+                      <a:round/>
+                      <a:headEnd type="none" w="med" len="med"/>
+                      <a:tailEnd type="none" w="med" len="med"/>
+                    </a:lnB>
+                  </a:tcPr>
+                </a:tc>
+                <a:extLst>
+                  <a:ext uri="{0D108BD9-81ED-4DB2-BD59-A6C34878D82A}">
+                    <a16:rowId xmlns:a16="http://schemas.microsoft.com/office/drawing/2014/main" val="3564228151"/>
+                  </a:ext>
+                </a:extLst>
+              </a:tr>
+              <a:tr h="334990">
+                <a:tc>
+                  <a:txBody>
+                    <a:bodyPr/>
+                    <a:lstStyle/>
+                    <a:p>
+                      <a:pPr marL="0" marR="0" lvl="0" indent="0" algn="l" defTabSz="4036471" rtl="0" eaLnBrk="1" fontAlgn="auto" latinLnBrk="0" hangingPunct="1">
+                        <a:lnSpc>
+                          <a:spcPct val="100000"/>
+                        </a:lnSpc>
+                        <a:spcBef>
+                          <a:spcPts val="0"/>
+                        </a:spcBef>
+                        <a:spcAft>
+                          <a:spcPts val="0"/>
+                        </a:spcAft>
+                        <a:buClrTx/>
+                        <a:buSzTx/>
+                        <a:buFontTx/>
+                        <a:buNone/>
+                        <a:tabLst/>
+                        <a:defRPr/>
+                      </a:pPr>
+                      <a:r>
+                        <a:rPr lang="it-IT" sz="1600" i="1" dirty="0" err="1">
+                          <a:solidFill>
+                            <a:schemeClr val="accent5">
+                              <a:lumMod val="50000"/>
+                            </a:schemeClr>
+                          </a:solidFill>
+                          <a:latin typeface="+mn-lt"/>
+                        </a:rPr>
+                        <a:t>short_edu_mat</a:t>
+                      </a:r>
+                      <a:endParaRPr lang="it-IT" sz="1600" i="1" dirty="0">
+                        <a:solidFill>
+                          <a:schemeClr val="accent5">
+                            <a:lumMod val="50000"/>
+                          </a:schemeClr>
+                        </a:solidFill>
+                        <a:latin typeface="+mn-lt"/>
+                      </a:endParaRPr>
+                    </a:p>
+                  </a:txBody>
+                  <a:tcPr>
+                    <a:lnL w="38100" cap="flat" cmpd="sng" algn="ctr">
+                      <a:solidFill>
+                        <a:schemeClr val="accent5">
+                          <a:lumMod val="50000"/>
+                        </a:schemeClr>
+                      </a:solidFill>
+                      <a:prstDash val="solid"/>
+                      <a:round/>
+                      <a:headEnd type="none" w="med" len="med"/>
+                      <a:tailEnd type="none" w="med" len="med"/>
+                    </a:lnL>
+                    <a:lnR w="38100" cap="flat" cmpd="sng" algn="ctr">
+                      <a:noFill/>
+                      <a:prstDash val="solid"/>
+                      <a:round/>
+                      <a:headEnd type="none" w="med" len="med"/>
+                      <a:tailEnd type="none" w="med" len="med"/>
+                    </a:lnR>
+                    <a:lnT w="38100" cap="flat" cmpd="sng" algn="ctr">
+                      <a:solidFill>
+                        <a:schemeClr val="accent5">
+                          <a:lumMod val="50000"/>
+                        </a:schemeClr>
+                      </a:solidFill>
+                      <a:prstDash val="solid"/>
+                      <a:round/>
+                      <a:headEnd type="none" w="med" len="med"/>
+                      <a:tailEnd type="none" w="med" len="med"/>
+                    </a:lnT>
+                    <a:lnB w="38100" cap="flat" cmpd="sng" algn="ctr">
+                      <a:solidFill>
+                        <a:schemeClr val="accent5">
+                          <a:lumMod val="50000"/>
+                        </a:schemeClr>
+                      </a:solidFill>
+                      <a:prstDash val="solid"/>
+                      <a:round/>
+                      <a:headEnd type="none" w="med" len="med"/>
+                      <a:tailEnd type="none" w="med" len="med"/>
+                    </a:lnB>
+                  </a:tcPr>
+                </a:tc>
+                <a:tc>
+                  <a:txBody>
+                    <a:bodyPr/>
+                    <a:lstStyle/>
+                    <a:p>
+                      <a:r>
+                        <a:rPr lang="it-IT" sz="1600" dirty="0">
+                          <a:solidFill>
+                            <a:schemeClr val="accent5">
+                              <a:lumMod val="50000"/>
+                            </a:schemeClr>
+                          </a:solidFill>
+                          <a:latin typeface="+mn-lt"/>
+                        </a:rPr>
+                        <a:t>-0,8306 ***</a:t>
+                      </a:r>
+                    </a:p>
+                  </a:txBody>
+                  <a:tcPr>
+                    <a:lnL w="38100" cap="flat" cmpd="sng" algn="ctr">
+                      <a:noFill/>
+                      <a:prstDash val="solid"/>
+                      <a:round/>
+                      <a:headEnd type="none" w="med" len="med"/>
+                      <a:tailEnd type="none" w="med" len="med"/>
+                    </a:lnL>
+                    <a:lnR w="38100" cap="flat" cmpd="sng" algn="ctr">
+                      <a:noFill/>
+                      <a:prstDash val="solid"/>
+                      <a:round/>
+                      <a:headEnd type="none" w="med" len="med"/>
+                      <a:tailEnd type="none" w="med" len="med"/>
+                    </a:lnR>
+                    <a:lnT w="38100" cap="flat" cmpd="sng" algn="ctr">
+                      <a:solidFill>
+                        <a:schemeClr val="accent5">
+                          <a:lumMod val="50000"/>
+                        </a:schemeClr>
+                      </a:solidFill>
+                      <a:prstDash val="solid"/>
+                      <a:round/>
+                      <a:headEnd type="none" w="med" len="med"/>
+                      <a:tailEnd type="none" w="med" len="med"/>
+                    </a:lnT>
+                    <a:lnB w="38100" cap="flat" cmpd="sng" algn="ctr">
+                      <a:solidFill>
+                        <a:schemeClr val="accent5">
+                          <a:lumMod val="50000"/>
+                        </a:schemeClr>
+                      </a:solidFill>
+                      <a:prstDash val="solid"/>
+                      <a:round/>
+                      <a:headEnd type="none" w="med" len="med"/>
+                      <a:tailEnd type="none" w="med" len="med"/>
+                    </a:lnB>
+                  </a:tcPr>
+                </a:tc>
+                <a:tc>
+                  <a:txBody>
+                    <a:bodyPr/>
+                    <a:lstStyle/>
+                    <a:p>
+                      <a:r>
+                        <a:rPr lang="it-IT" sz="1600" dirty="0">
+                          <a:solidFill>
+                            <a:schemeClr val="accent5">
+                              <a:lumMod val="50000"/>
+                            </a:schemeClr>
+                          </a:solidFill>
+                          <a:latin typeface="+mn-lt"/>
+                        </a:rPr>
+                        <a:t>-1,3913 ***</a:t>
+                      </a:r>
+                    </a:p>
+                  </a:txBody>
+                  <a:tcPr>
+                    <a:lnL w="38100" cap="flat" cmpd="sng" algn="ctr">
+                      <a:noFill/>
+                      <a:prstDash val="solid"/>
+                      <a:round/>
+                      <a:headEnd type="none" w="med" len="med"/>
+                      <a:tailEnd type="none" w="med" len="med"/>
+                    </a:lnL>
+                    <a:lnR w="38100" cap="flat" cmpd="sng" algn="ctr">
+                      <a:solidFill>
+                        <a:schemeClr val="accent5">
+                          <a:lumMod val="50000"/>
+                        </a:schemeClr>
+                      </a:solidFill>
+                      <a:prstDash val="solid"/>
+                      <a:round/>
+                      <a:headEnd type="none" w="med" len="med"/>
+                      <a:tailEnd type="none" w="med" len="med"/>
+                    </a:lnR>
+                    <a:lnT w="38100" cap="flat" cmpd="sng" algn="ctr">
+                      <a:solidFill>
+                        <a:schemeClr val="accent5">
+                          <a:lumMod val="50000"/>
+                        </a:schemeClr>
+                      </a:solidFill>
+                      <a:prstDash val="solid"/>
+                      <a:round/>
+                      <a:headEnd type="none" w="med" len="med"/>
+                      <a:tailEnd type="none" w="med" len="med"/>
+                    </a:lnT>
+                    <a:lnB w="38100" cap="flat" cmpd="sng" algn="ctr">
+                      <a:solidFill>
+                        <a:schemeClr val="accent5">
+                          <a:lumMod val="50000"/>
+                        </a:schemeClr>
+                      </a:solidFill>
+                      <a:prstDash val="solid"/>
+                      <a:round/>
+                      <a:headEnd type="none" w="med" len="med"/>
+                      <a:tailEnd type="none" w="med" len="med"/>
+                    </a:lnB>
+                  </a:tcPr>
+                </a:tc>
+                <a:extLst>
+                  <a:ext uri="{0D108BD9-81ED-4DB2-BD59-A6C34878D82A}">
+                    <a16:rowId xmlns:a16="http://schemas.microsoft.com/office/drawing/2014/main" val="4159571167"/>
+                  </a:ext>
+                </a:extLst>
+              </a:tr>
+              <a:tr h="334990">
+                <a:tc>
+                  <a:txBody>
+                    <a:bodyPr/>
+                    <a:lstStyle/>
+                    <a:p>
+                      <a:pPr marL="0" marR="0" lvl="0" indent="0" algn="l" defTabSz="4036471" rtl="0" eaLnBrk="1" fontAlgn="auto" latinLnBrk="0" hangingPunct="1">
+                        <a:lnSpc>
+                          <a:spcPct val="100000"/>
+                        </a:lnSpc>
+                        <a:spcBef>
+                          <a:spcPts val="0"/>
+                        </a:spcBef>
+                        <a:spcAft>
+                          <a:spcPts val="0"/>
+                        </a:spcAft>
+                        <a:buClrTx/>
+                        <a:buSzTx/>
+                        <a:buFontTx/>
+                        <a:buNone/>
+                        <a:tabLst/>
+                        <a:defRPr/>
+                      </a:pPr>
+                      <a:r>
+                        <a:rPr lang="it-IT" sz="1600" i="1" dirty="0" err="1">
+                          <a:solidFill>
+                            <a:schemeClr val="accent5">
+                              <a:lumMod val="50000"/>
+                            </a:schemeClr>
+                          </a:solidFill>
+                          <a:latin typeface="+mn-lt"/>
+                        </a:rPr>
+                        <a:t>short_edu_staff</a:t>
+                      </a:r>
+                      <a:endParaRPr lang="it-IT" sz="1600" i="1" dirty="0">
+                        <a:solidFill>
+                          <a:schemeClr val="accent5">
+                            <a:lumMod val="50000"/>
+                          </a:schemeClr>
+                        </a:solidFill>
+                        <a:latin typeface="+mn-lt"/>
+                      </a:endParaRPr>
+                    </a:p>
+                  </a:txBody>
+                  <a:tcPr>
+                    <a:lnL w="38100" cap="flat" cmpd="sng" algn="ctr">
+                      <a:solidFill>
+                        <a:schemeClr val="accent5">
+                          <a:lumMod val="50000"/>
+                        </a:schemeClr>
+                      </a:solidFill>
+                      <a:prstDash val="solid"/>
+                      <a:round/>
+                      <a:headEnd type="none" w="med" len="med"/>
+                      <a:tailEnd type="none" w="med" len="med"/>
+                    </a:lnL>
+                    <a:lnR w="38100" cap="flat" cmpd="sng" algn="ctr">
+                      <a:noFill/>
+                      <a:prstDash val="solid"/>
+                      <a:round/>
+                      <a:headEnd type="none" w="med" len="med"/>
+                      <a:tailEnd type="none" w="med" len="med"/>
+                    </a:lnR>
+                    <a:lnT w="38100" cap="flat" cmpd="sng" algn="ctr">
+                      <a:solidFill>
+                        <a:schemeClr val="accent5">
+                          <a:lumMod val="50000"/>
+                        </a:schemeClr>
+                      </a:solidFill>
+                      <a:prstDash val="solid"/>
+                      <a:round/>
+                      <a:headEnd type="none" w="med" len="med"/>
+                      <a:tailEnd type="none" w="med" len="med"/>
+                    </a:lnT>
+                    <a:lnB w="38100" cap="flat" cmpd="sng" algn="ctr">
+                      <a:solidFill>
+                        <a:schemeClr val="accent5">
+                          <a:lumMod val="50000"/>
+                        </a:schemeClr>
+                      </a:solidFill>
+                      <a:prstDash val="solid"/>
+                      <a:round/>
+                      <a:headEnd type="none" w="med" len="med"/>
+                      <a:tailEnd type="none" w="med" len="med"/>
+                    </a:lnB>
+                  </a:tcPr>
+                </a:tc>
+                <a:tc>
+                  <a:txBody>
+                    <a:bodyPr/>
+                    <a:lstStyle/>
+                    <a:p>
+                      <a:r>
+                        <a:rPr lang="it-IT" sz="1600" dirty="0">
+                          <a:solidFill>
+                            <a:schemeClr val="accent5">
+                              <a:lumMod val="50000"/>
+                            </a:schemeClr>
+                          </a:solidFill>
+                          <a:latin typeface="+mn-lt"/>
+                        </a:rPr>
+                        <a:t> 0,5502 ***</a:t>
+                      </a:r>
+                    </a:p>
+                  </a:txBody>
+                  <a:tcPr>
+                    <a:lnL w="38100" cap="flat" cmpd="sng" algn="ctr">
+                      <a:noFill/>
+                      <a:prstDash val="solid"/>
+                      <a:round/>
+                      <a:headEnd type="none" w="med" len="med"/>
+                      <a:tailEnd type="none" w="med" len="med"/>
+                    </a:lnL>
+                    <a:lnR w="38100" cap="flat" cmpd="sng" algn="ctr">
+                      <a:noFill/>
+                      <a:prstDash val="solid"/>
+                      <a:round/>
+                      <a:headEnd type="none" w="med" len="med"/>
+                      <a:tailEnd type="none" w="med" len="med"/>
+                    </a:lnR>
+                    <a:lnT w="38100" cap="flat" cmpd="sng" algn="ctr">
+                      <a:solidFill>
+                        <a:schemeClr val="accent5">
+                          <a:lumMod val="50000"/>
+                        </a:schemeClr>
+                      </a:solidFill>
+                      <a:prstDash val="solid"/>
+                      <a:round/>
+                      <a:headEnd type="none" w="med" len="med"/>
+                      <a:tailEnd type="none" w="med" len="med"/>
+                    </a:lnT>
+                    <a:lnB w="38100" cap="flat" cmpd="sng" algn="ctr">
+                      <a:solidFill>
+                        <a:schemeClr val="accent5">
+                          <a:lumMod val="50000"/>
+                        </a:schemeClr>
+                      </a:solidFill>
+                      <a:prstDash val="solid"/>
+                      <a:round/>
+                      <a:headEnd type="none" w="med" len="med"/>
+                      <a:tailEnd type="none" w="med" len="med"/>
+                    </a:lnB>
+                  </a:tcPr>
+                </a:tc>
+                <a:tc>
+                  <a:txBody>
+                    <a:bodyPr/>
+                    <a:lstStyle/>
+                    <a:p>
+                      <a:r>
+                        <a:rPr lang="it-IT" sz="1600" dirty="0">
+                          <a:solidFill>
+                            <a:schemeClr val="accent5">
+                              <a:lumMod val="50000"/>
+                            </a:schemeClr>
+                          </a:solidFill>
+                          <a:latin typeface="+mn-lt"/>
+                        </a:rPr>
+                        <a:t>-0,2738</a:t>
+                      </a:r>
+                    </a:p>
+                  </a:txBody>
+                  <a:tcPr>
+                    <a:lnL w="38100" cap="flat" cmpd="sng" algn="ctr">
+                      <a:noFill/>
+                      <a:prstDash val="solid"/>
+                      <a:round/>
+                      <a:headEnd type="none" w="med" len="med"/>
+                      <a:tailEnd type="none" w="med" len="med"/>
+                    </a:lnL>
+                    <a:lnR w="38100" cap="flat" cmpd="sng" algn="ctr">
+                      <a:solidFill>
+                        <a:schemeClr val="accent5">
+                          <a:lumMod val="50000"/>
+                        </a:schemeClr>
+                      </a:solidFill>
+                      <a:prstDash val="solid"/>
+                      <a:round/>
+                      <a:headEnd type="none" w="med" len="med"/>
+                      <a:tailEnd type="none" w="med" len="med"/>
+                    </a:lnR>
+                    <a:lnT w="38100" cap="flat" cmpd="sng" algn="ctr">
+                      <a:solidFill>
+                        <a:schemeClr val="accent5">
+                          <a:lumMod val="50000"/>
+                        </a:schemeClr>
+                      </a:solidFill>
+                      <a:prstDash val="solid"/>
+                      <a:round/>
+                      <a:headEnd type="none" w="med" len="med"/>
+                      <a:tailEnd type="none" w="med" len="med"/>
+                    </a:lnT>
+                    <a:lnB w="38100" cap="flat" cmpd="sng" algn="ctr">
+                      <a:solidFill>
+                        <a:schemeClr val="accent5">
+                          <a:lumMod val="50000"/>
+                        </a:schemeClr>
+                      </a:solidFill>
+                      <a:prstDash val="solid"/>
+                      <a:round/>
+                      <a:headEnd type="none" w="med" len="med"/>
+                      <a:tailEnd type="none" w="med" len="med"/>
+                    </a:lnB>
+                  </a:tcPr>
+                </a:tc>
+                <a:extLst>
+                  <a:ext uri="{0D108BD9-81ED-4DB2-BD59-A6C34878D82A}">
+                    <a16:rowId xmlns:a16="http://schemas.microsoft.com/office/drawing/2014/main" val="2715422483"/>
+                  </a:ext>
+                </a:extLst>
+              </a:tr>
+              <a:tr h="334990">
+                <a:tc>
+                  <a:txBody>
+                    <a:bodyPr/>
+                    <a:lstStyle/>
+                    <a:p>
+                      <a:r>
+                        <a:rPr lang="it-IT" sz="1600" i="1" dirty="0" err="1">
+                          <a:solidFill>
+                            <a:schemeClr val="accent5">
+                              <a:lumMod val="50000"/>
+                            </a:schemeClr>
+                          </a:solidFill>
+                          <a:latin typeface="+mn-lt"/>
+                        </a:rPr>
+                        <a:t>teach_behav</a:t>
+                      </a:r>
+                      <a:endParaRPr lang="it-IT" sz="1600" i="1" dirty="0">
+                        <a:solidFill>
+                          <a:schemeClr val="accent5">
+                            <a:lumMod val="50000"/>
+                          </a:schemeClr>
+                        </a:solidFill>
+                        <a:latin typeface="+mn-lt"/>
+                      </a:endParaRPr>
+                    </a:p>
+                  </a:txBody>
+                  <a:tcPr>
+                    <a:lnL w="38100" cap="flat" cmpd="sng" algn="ctr">
+                      <a:solidFill>
+                        <a:schemeClr val="accent5">
+                          <a:lumMod val="50000"/>
+                        </a:schemeClr>
+                      </a:solidFill>
+                      <a:prstDash val="solid"/>
+                      <a:round/>
+                      <a:headEnd type="none" w="med" len="med"/>
+                      <a:tailEnd type="none" w="med" len="med"/>
+                    </a:lnL>
+                    <a:lnR w="38100" cap="flat" cmpd="sng" algn="ctr">
+                      <a:noFill/>
+                      <a:prstDash val="solid"/>
+                      <a:round/>
+                      <a:headEnd type="none" w="med" len="med"/>
+                      <a:tailEnd type="none" w="med" len="med"/>
+                    </a:lnR>
+                    <a:lnT w="38100" cap="flat" cmpd="sng" algn="ctr">
+                      <a:solidFill>
+                        <a:schemeClr val="accent5">
+                          <a:lumMod val="50000"/>
+                        </a:schemeClr>
+                      </a:solidFill>
+                      <a:prstDash val="solid"/>
+                      <a:round/>
+                      <a:headEnd type="none" w="med" len="med"/>
+                      <a:tailEnd type="none" w="med" len="med"/>
+                    </a:lnT>
+                    <a:lnB w="38100" cap="flat" cmpd="sng" algn="ctr">
+                      <a:solidFill>
+                        <a:schemeClr val="accent5">
+                          <a:lumMod val="50000"/>
+                        </a:schemeClr>
+                      </a:solidFill>
+                      <a:prstDash val="solid"/>
+                      <a:round/>
+                      <a:headEnd type="none" w="med" len="med"/>
+                      <a:tailEnd type="none" w="med" len="med"/>
+                    </a:lnB>
+                  </a:tcPr>
+                </a:tc>
+                <a:tc>
+                  <a:txBody>
+                    <a:bodyPr/>
+                    <a:lstStyle/>
+                    <a:p>
+                      <a:r>
+                        <a:rPr lang="it-IT" sz="1600" dirty="0">
+                          <a:solidFill>
+                            <a:schemeClr val="accent5">
+                              <a:lumMod val="50000"/>
+                            </a:schemeClr>
+                          </a:solidFill>
+                          <a:latin typeface="+mn-lt"/>
+                        </a:rPr>
+                        <a:t> 0,0440</a:t>
+                      </a:r>
+                    </a:p>
+                  </a:txBody>
+                  <a:tcPr>
+                    <a:lnL w="38100" cap="flat" cmpd="sng" algn="ctr">
+                      <a:noFill/>
+                      <a:prstDash val="solid"/>
+                      <a:round/>
+                      <a:headEnd type="none" w="med" len="med"/>
+                      <a:tailEnd type="none" w="med" len="med"/>
+                    </a:lnL>
+                    <a:lnR w="38100" cap="flat" cmpd="sng" algn="ctr">
+                      <a:noFill/>
+                      <a:prstDash val="solid"/>
+                      <a:round/>
+                      <a:headEnd type="none" w="med" len="med"/>
+                      <a:tailEnd type="none" w="med" len="med"/>
+                    </a:lnR>
+                    <a:lnT w="38100" cap="flat" cmpd="sng" algn="ctr">
+                      <a:solidFill>
+                        <a:schemeClr val="accent5">
+                          <a:lumMod val="50000"/>
+                        </a:schemeClr>
+                      </a:solidFill>
+                      <a:prstDash val="solid"/>
+                      <a:round/>
+                      <a:headEnd type="none" w="med" len="med"/>
+                      <a:tailEnd type="none" w="med" len="med"/>
+                    </a:lnT>
+                    <a:lnB w="38100" cap="flat" cmpd="sng" algn="ctr">
+                      <a:solidFill>
+                        <a:schemeClr val="accent5">
+                          <a:lumMod val="50000"/>
+                        </a:schemeClr>
+                      </a:solidFill>
+                      <a:prstDash val="solid"/>
+                      <a:round/>
+                      <a:headEnd type="none" w="med" len="med"/>
+                      <a:tailEnd type="none" w="med" len="med"/>
+                    </a:lnB>
+                  </a:tcPr>
+                </a:tc>
+                <a:tc>
+                  <a:txBody>
+                    <a:bodyPr/>
+                    <a:lstStyle/>
+                    <a:p>
+                      <a:r>
+                        <a:rPr lang="it-IT" sz="1600" dirty="0">
+                          <a:solidFill>
+                            <a:schemeClr val="accent5">
+                              <a:lumMod val="50000"/>
+                            </a:schemeClr>
+                          </a:solidFill>
+                          <a:latin typeface="+mn-lt"/>
+                        </a:rPr>
+                        <a:t>-0,6213 **</a:t>
+                      </a:r>
+                    </a:p>
+                  </a:txBody>
+                  <a:tcPr>
+                    <a:lnL w="38100" cap="flat" cmpd="sng" algn="ctr">
+                      <a:noFill/>
+                      <a:prstDash val="solid"/>
+                      <a:round/>
+                      <a:headEnd type="none" w="med" len="med"/>
+                      <a:tailEnd type="none" w="med" len="med"/>
+                    </a:lnL>
+                    <a:lnR w="38100" cap="flat" cmpd="sng" algn="ctr">
+                      <a:solidFill>
+                        <a:schemeClr val="accent5">
+                          <a:lumMod val="50000"/>
+                        </a:schemeClr>
+                      </a:solidFill>
+                      <a:prstDash val="solid"/>
+                      <a:round/>
+                      <a:headEnd type="none" w="med" len="med"/>
+                      <a:tailEnd type="none" w="med" len="med"/>
+                    </a:lnR>
+                    <a:lnT w="38100" cap="flat" cmpd="sng" algn="ctr">
+                      <a:solidFill>
+                        <a:schemeClr val="accent5">
+                          <a:lumMod val="50000"/>
+                        </a:schemeClr>
+                      </a:solidFill>
+                      <a:prstDash val="solid"/>
+                      <a:round/>
+                      <a:headEnd type="none" w="med" len="med"/>
+                      <a:tailEnd type="none" w="med" len="med"/>
+                    </a:lnT>
+                    <a:lnB w="38100" cap="flat" cmpd="sng" algn="ctr">
+                      <a:solidFill>
+                        <a:schemeClr val="accent5">
+                          <a:lumMod val="50000"/>
+                        </a:schemeClr>
+                      </a:solidFill>
+                      <a:prstDash val="solid"/>
+                      <a:round/>
+                      <a:headEnd type="none" w="med" len="med"/>
+                      <a:tailEnd type="none" w="med" len="med"/>
+                    </a:lnB>
+                  </a:tcPr>
+                </a:tc>
+                <a:extLst>
+                  <a:ext uri="{0D108BD9-81ED-4DB2-BD59-A6C34878D82A}">
+                    <a16:rowId xmlns:a16="http://schemas.microsoft.com/office/drawing/2014/main" val="671741562"/>
+                  </a:ext>
+                </a:extLst>
+              </a:tr>
+              <a:tr h="334990">
+                <a:tc>
+                  <a:txBody>
+                    <a:bodyPr/>
+                    <a:lstStyle/>
+                    <a:p>
+                      <a:r>
+                        <a:rPr lang="it-IT" sz="1600" i="1" dirty="0" err="1">
+                          <a:solidFill>
+                            <a:schemeClr val="accent5">
+                              <a:lumMod val="50000"/>
+                            </a:schemeClr>
+                          </a:solidFill>
+                          <a:latin typeface="+mn-lt"/>
+                        </a:rPr>
+                        <a:t>ESCS_status</a:t>
+                      </a:r>
+                      <a:endParaRPr lang="it-IT" sz="1600" i="1" dirty="0">
+                        <a:solidFill>
+                          <a:schemeClr val="accent5">
+                            <a:lumMod val="50000"/>
+                          </a:schemeClr>
+                        </a:solidFill>
+                        <a:latin typeface="+mn-lt"/>
+                      </a:endParaRPr>
+                    </a:p>
+                  </a:txBody>
+                  <a:tcPr>
+                    <a:lnL w="38100" cap="flat" cmpd="sng" algn="ctr">
+                      <a:solidFill>
+                        <a:schemeClr val="accent5">
+                          <a:lumMod val="50000"/>
+                        </a:schemeClr>
+                      </a:solidFill>
+                      <a:prstDash val="solid"/>
+                      <a:round/>
+                      <a:headEnd type="none" w="med" len="med"/>
+                      <a:tailEnd type="none" w="med" len="med"/>
+                    </a:lnL>
+                    <a:lnR w="38100" cap="flat" cmpd="sng" algn="ctr">
+                      <a:noFill/>
+                      <a:prstDash val="solid"/>
+                      <a:round/>
+                      <a:headEnd type="none" w="med" len="med"/>
+                      <a:tailEnd type="none" w="med" len="med"/>
+                    </a:lnR>
+                    <a:lnT w="38100" cap="flat" cmpd="sng" algn="ctr">
+                      <a:solidFill>
+                        <a:schemeClr val="accent5">
+                          <a:lumMod val="50000"/>
+                        </a:schemeClr>
+                      </a:solidFill>
+                      <a:prstDash val="solid"/>
+                      <a:round/>
+                      <a:headEnd type="none" w="med" len="med"/>
+                      <a:tailEnd type="none" w="med" len="med"/>
+                    </a:lnT>
+                    <a:lnB w="38100" cap="flat" cmpd="sng" algn="ctr">
+                      <a:solidFill>
+                        <a:schemeClr val="accent5">
+                          <a:lumMod val="50000"/>
+                        </a:schemeClr>
+                      </a:solidFill>
+                      <a:prstDash val="solid"/>
+                      <a:round/>
+                      <a:headEnd type="none" w="med" len="med"/>
+                      <a:tailEnd type="none" w="med" len="med"/>
+                    </a:lnB>
+                  </a:tcPr>
+                </a:tc>
+                <a:tc>
+                  <a:txBody>
+                    <a:bodyPr/>
+                    <a:lstStyle/>
+                    <a:p>
+                      <a:r>
+                        <a:rPr lang="it-IT" sz="1600" dirty="0">
+                          <a:solidFill>
+                            <a:schemeClr val="accent5">
+                              <a:lumMod val="50000"/>
+                            </a:schemeClr>
+                          </a:solidFill>
+                          <a:latin typeface="+mn-lt"/>
+                        </a:rPr>
+                        <a:t> 0,4883 *</a:t>
+                      </a:r>
+                    </a:p>
+                  </a:txBody>
+                  <a:tcPr>
+                    <a:lnL w="38100" cap="flat" cmpd="sng" algn="ctr">
+                      <a:noFill/>
+                      <a:prstDash val="solid"/>
+                      <a:round/>
+                      <a:headEnd type="none" w="med" len="med"/>
+                      <a:tailEnd type="none" w="med" len="med"/>
+                    </a:lnL>
+                    <a:lnR w="38100" cap="flat" cmpd="sng" algn="ctr">
+                      <a:noFill/>
+                      <a:prstDash val="solid"/>
+                      <a:round/>
+                      <a:headEnd type="none" w="med" len="med"/>
+                      <a:tailEnd type="none" w="med" len="med"/>
+                    </a:lnR>
+                    <a:lnT w="38100" cap="flat" cmpd="sng" algn="ctr">
+                      <a:solidFill>
+                        <a:schemeClr val="accent5">
+                          <a:lumMod val="50000"/>
+                        </a:schemeClr>
+                      </a:solidFill>
+                      <a:prstDash val="solid"/>
+                      <a:round/>
+                      <a:headEnd type="none" w="med" len="med"/>
+                      <a:tailEnd type="none" w="med" len="med"/>
+                    </a:lnT>
+                    <a:lnB w="38100" cap="flat" cmpd="sng" algn="ctr">
+                      <a:solidFill>
+                        <a:schemeClr val="accent5">
+                          <a:lumMod val="50000"/>
+                        </a:schemeClr>
+                      </a:solidFill>
+                      <a:prstDash val="solid"/>
+                      <a:round/>
+                      <a:headEnd type="none" w="med" len="med"/>
+                      <a:tailEnd type="none" w="med" len="med"/>
+                    </a:lnB>
+                  </a:tcPr>
+                </a:tc>
+                <a:tc>
+                  <a:txBody>
+                    <a:bodyPr/>
+                    <a:lstStyle/>
+                    <a:p>
+                      <a:r>
+                        <a:rPr lang="it-IT" sz="1600" dirty="0">
+                          <a:solidFill>
+                            <a:schemeClr val="accent5">
+                              <a:lumMod val="50000"/>
+                            </a:schemeClr>
+                          </a:solidFill>
+                          <a:latin typeface="+mn-lt"/>
+                        </a:rPr>
+                        <a:t> 0,3351</a:t>
+                      </a:r>
+                    </a:p>
+                  </a:txBody>
+                  <a:tcPr>
+                    <a:lnL w="38100" cap="flat" cmpd="sng" algn="ctr">
+                      <a:noFill/>
+                      <a:prstDash val="solid"/>
+                      <a:round/>
+                      <a:headEnd type="none" w="med" len="med"/>
+                      <a:tailEnd type="none" w="med" len="med"/>
+                    </a:lnL>
+                    <a:lnR w="38100" cap="flat" cmpd="sng" algn="ctr">
+                      <a:solidFill>
+                        <a:schemeClr val="accent5">
+                          <a:lumMod val="50000"/>
+                        </a:schemeClr>
+                      </a:solidFill>
+                      <a:prstDash val="solid"/>
+                      <a:round/>
+                      <a:headEnd type="none" w="med" len="med"/>
+                      <a:tailEnd type="none" w="med" len="med"/>
+                    </a:lnR>
+                    <a:lnT w="38100" cap="flat" cmpd="sng" algn="ctr">
+                      <a:solidFill>
+                        <a:schemeClr val="accent5">
+                          <a:lumMod val="50000"/>
+                        </a:schemeClr>
+                      </a:solidFill>
+                      <a:prstDash val="solid"/>
+                      <a:round/>
+                      <a:headEnd type="none" w="med" len="med"/>
+                      <a:tailEnd type="none" w="med" len="med"/>
+                    </a:lnT>
+                    <a:lnB w="38100" cap="flat" cmpd="sng" algn="ctr">
+                      <a:solidFill>
+                        <a:schemeClr val="accent5">
+                          <a:lumMod val="50000"/>
+                        </a:schemeClr>
+                      </a:solidFill>
+                      <a:prstDash val="solid"/>
+                      <a:round/>
+                      <a:headEnd type="none" w="med" len="med"/>
+                      <a:tailEnd type="none" w="med" len="med"/>
+                    </a:lnB>
+                  </a:tcPr>
+                </a:tc>
+                <a:extLst>
+                  <a:ext uri="{0D108BD9-81ED-4DB2-BD59-A6C34878D82A}">
+                    <a16:rowId xmlns:a16="http://schemas.microsoft.com/office/drawing/2014/main" val="3497185365"/>
+                  </a:ext>
+                </a:extLst>
+              </a:tr>
+            </a:tbl>
+          </a:graphicData>
+        </a:graphic>
+      </p:graphicFrame>
+      <p:graphicFrame>
+        <p:nvGraphicFramePr>
+          <p:cNvPr id="38" name="Table 37">
+            <a:extLst>
+              <a:ext uri="{FF2B5EF4-FFF2-40B4-BE49-F238E27FC236}">
+                <a16:creationId xmlns:a16="http://schemas.microsoft.com/office/drawing/2014/main" id="{25AD5D4B-5794-321D-A713-94E0E4E20351}"/>
+              </a:ext>
+            </a:extLst>
+          </p:cNvPr>
+          <p:cNvGraphicFramePr>
+            <a:graphicFrameLocks noGrp="1"/>
+          </p:cNvGraphicFramePr>
+          <p:nvPr>
+            <p:extLst>
+              <p:ext uri="{D42A27DB-BD31-4B8C-83A1-F6EECF244321}">
+                <p14:modId xmlns:p14="http://schemas.microsoft.com/office/powerpoint/2010/main" val="62237238"/>
+              </p:ext>
+            </p:extLst>
+          </p:nvPr>
+        </p:nvGraphicFramePr>
+        <p:xfrm>
+          <a:off x="27176782" y="23328107"/>
+          <a:ext cx="4512192" cy="2682240"/>
+        </p:xfrm>
+        <a:graphic>
+          <a:graphicData uri="http://schemas.openxmlformats.org/drawingml/2006/table">
+            <a:tbl>
+              <a:tblPr firstRow="1" bandRow="1"/>
+              <a:tblGrid>
+                <a:gridCol w="1594277">
+                  <a:extLst>
+                    <a:ext uri="{9D8B030D-6E8A-4147-A177-3AD203B41FA5}">
+                      <a16:colId xmlns:a16="http://schemas.microsoft.com/office/drawing/2014/main" val="857910294"/>
+                    </a:ext>
+                  </a:extLst>
+                </a:gridCol>
+                <a:gridCol w="1486637">
+                  <a:extLst>
+                    <a:ext uri="{9D8B030D-6E8A-4147-A177-3AD203B41FA5}">
+                      <a16:colId xmlns:a16="http://schemas.microsoft.com/office/drawing/2014/main" val="3509235413"/>
+                    </a:ext>
+                  </a:extLst>
+                </a:gridCol>
+                <a:gridCol w="1431278">
+                  <a:extLst>
+                    <a:ext uri="{9D8B030D-6E8A-4147-A177-3AD203B41FA5}">
+                      <a16:colId xmlns:a16="http://schemas.microsoft.com/office/drawing/2014/main" val="4213556645"/>
+                    </a:ext>
+                  </a:extLst>
+                </a:gridCol>
+              </a:tblGrid>
+              <a:tr h="209483">
+                <a:tc>
+                  <a:txBody>
+                    <a:bodyPr/>
+                    <a:lstStyle/>
+                    <a:p>
+                      <a:r>
+                        <a:rPr lang="it-IT" sz="1600" b="1" dirty="0">
+                          <a:solidFill>
+                            <a:schemeClr val="accent5">
+                              <a:lumMod val="50000"/>
+                            </a:schemeClr>
+                          </a:solidFill>
+                          <a:latin typeface="+mn-lt"/>
+                        </a:rPr>
+                        <a:t>GBR </a:t>
+                      </a:r>
+                      <a:r>
+                        <a:rPr lang="it-IT" sz="1600" b="1" dirty="0" err="1">
+                          <a:solidFill>
+                            <a:schemeClr val="accent5">
+                              <a:lumMod val="50000"/>
+                            </a:schemeClr>
+                          </a:solidFill>
+                          <a:latin typeface="+mn-lt"/>
+                        </a:rPr>
+                        <a:t>math</a:t>
+                      </a:r>
+                      <a:endParaRPr lang="it-IT" sz="1600" b="1" dirty="0">
+                        <a:solidFill>
+                          <a:schemeClr val="accent5">
+                            <a:lumMod val="50000"/>
+                          </a:schemeClr>
+                        </a:solidFill>
+                        <a:latin typeface="+mn-lt"/>
+                      </a:endParaRPr>
+                    </a:p>
+                  </a:txBody>
+                  <a:tcPr>
+                    <a:lnL w="38100" cap="flat" cmpd="sng" algn="ctr">
+                      <a:solidFill>
+                        <a:schemeClr val="accent5">
+                          <a:lumMod val="50000"/>
+                        </a:schemeClr>
+                      </a:solidFill>
+                      <a:prstDash val="solid"/>
+                      <a:round/>
+                      <a:headEnd type="none" w="med" len="med"/>
+                      <a:tailEnd type="none" w="med" len="med"/>
+                    </a:lnL>
+                    <a:lnR w="38100" cap="flat" cmpd="sng" algn="ctr">
+                      <a:noFill/>
+                      <a:prstDash val="solid"/>
+                      <a:round/>
+                      <a:headEnd type="none" w="med" len="med"/>
+                      <a:tailEnd type="none" w="med" len="med"/>
+                    </a:lnR>
+                    <a:lnT w="38100" cap="flat" cmpd="sng" algn="ctr">
+                      <a:solidFill>
+                        <a:schemeClr val="accent5">
+                          <a:lumMod val="50000"/>
+                        </a:schemeClr>
+                      </a:solidFill>
+                      <a:prstDash val="solid"/>
+                      <a:round/>
+                      <a:headEnd type="none" w="med" len="med"/>
+                      <a:tailEnd type="none" w="med" len="med"/>
+                    </a:lnT>
+                    <a:lnB w="38100" cap="flat" cmpd="sng" algn="ctr">
+                      <a:solidFill>
+                        <a:schemeClr val="accent5">
+                          <a:lumMod val="50000"/>
+                        </a:schemeClr>
+                      </a:solidFill>
+                      <a:prstDash val="solid"/>
+                      <a:round/>
+                      <a:headEnd type="none" w="med" len="med"/>
+                      <a:tailEnd type="none" w="med" len="med"/>
+                    </a:lnB>
+                  </a:tcPr>
+                </a:tc>
+                <a:tc>
+                  <a:txBody>
+                    <a:bodyPr/>
+                    <a:lstStyle/>
+                    <a:p>
+                      <a:r>
+                        <a:rPr lang="it-IT" sz="1600" i="1" dirty="0" err="1">
+                          <a:solidFill>
+                            <a:schemeClr val="accent5">
+                              <a:lumMod val="50000"/>
+                            </a:schemeClr>
+                          </a:solidFill>
+                          <a:latin typeface="+mn-lt"/>
+                        </a:rPr>
+                        <a:t>Worst</a:t>
+                      </a:r>
+                      <a:r>
+                        <a:rPr lang="it-IT" sz="1600" i="1" dirty="0">
+                          <a:solidFill>
+                            <a:schemeClr val="accent5">
+                              <a:lumMod val="50000"/>
+                            </a:schemeClr>
+                          </a:solidFill>
+                          <a:latin typeface="+mn-lt"/>
+                        </a:rPr>
+                        <a:t> Schools</a:t>
+                      </a:r>
+                    </a:p>
+                  </a:txBody>
+                  <a:tcPr>
+                    <a:lnL w="38100" cap="flat" cmpd="sng" algn="ctr">
+                      <a:noFill/>
+                      <a:prstDash val="solid"/>
+                      <a:round/>
+                      <a:headEnd type="none" w="med" len="med"/>
+                      <a:tailEnd type="none" w="med" len="med"/>
+                    </a:lnL>
+                    <a:lnR w="38100" cap="flat" cmpd="sng" algn="ctr">
+                      <a:noFill/>
+                      <a:prstDash val="solid"/>
+                      <a:round/>
+                      <a:headEnd type="none" w="med" len="med"/>
+                      <a:tailEnd type="none" w="med" len="med"/>
+                    </a:lnR>
+                    <a:lnT w="38100" cap="flat" cmpd="sng" algn="ctr">
+                      <a:solidFill>
+                        <a:schemeClr val="accent5">
+                          <a:lumMod val="50000"/>
+                        </a:schemeClr>
+                      </a:solidFill>
+                      <a:prstDash val="solid"/>
+                      <a:round/>
+                      <a:headEnd type="none" w="med" len="med"/>
+                      <a:tailEnd type="none" w="med" len="med"/>
+                    </a:lnT>
+                    <a:lnB w="38100" cap="flat" cmpd="sng" algn="ctr">
+                      <a:solidFill>
+                        <a:schemeClr val="accent5">
+                          <a:lumMod val="50000"/>
+                        </a:schemeClr>
+                      </a:solidFill>
+                      <a:prstDash val="solid"/>
+                      <a:round/>
+                      <a:headEnd type="none" w="med" len="med"/>
+                      <a:tailEnd type="none" w="med" len="med"/>
+                    </a:lnB>
+                  </a:tcPr>
+                </a:tc>
+                <a:tc>
+                  <a:txBody>
+                    <a:bodyPr/>
+                    <a:lstStyle/>
+                    <a:p>
+                      <a:r>
+                        <a:rPr lang="it-IT" sz="1600" i="1" dirty="0">
+                          <a:solidFill>
+                            <a:schemeClr val="accent5">
+                              <a:lumMod val="50000"/>
+                            </a:schemeClr>
+                          </a:solidFill>
+                          <a:latin typeface="+mn-lt"/>
+                        </a:rPr>
+                        <a:t>Best Schools</a:t>
+                      </a:r>
+                    </a:p>
+                  </a:txBody>
+                  <a:tcPr>
+                    <a:lnL w="38100" cap="flat" cmpd="sng" algn="ctr">
+                      <a:noFill/>
+                      <a:prstDash val="solid"/>
+                      <a:round/>
+                      <a:headEnd type="none" w="med" len="med"/>
+                      <a:tailEnd type="none" w="med" len="med"/>
+                    </a:lnL>
+                    <a:lnR w="38100" cap="flat" cmpd="sng" algn="ctr">
+                      <a:solidFill>
+                        <a:schemeClr val="accent5">
+                          <a:lumMod val="50000"/>
+                        </a:schemeClr>
+                      </a:solidFill>
+                      <a:prstDash val="solid"/>
+                      <a:round/>
+                      <a:headEnd type="none" w="med" len="med"/>
+                      <a:tailEnd type="none" w="med" len="med"/>
+                    </a:lnR>
+                    <a:lnT w="38100" cap="flat" cmpd="sng" algn="ctr">
+                      <a:solidFill>
+                        <a:schemeClr val="accent5">
+                          <a:lumMod val="50000"/>
+                        </a:schemeClr>
+                      </a:solidFill>
+                      <a:prstDash val="solid"/>
+                      <a:round/>
+                      <a:headEnd type="none" w="med" len="med"/>
+                      <a:tailEnd type="none" w="med" len="med"/>
+                    </a:lnT>
+                    <a:lnB w="38100" cap="flat" cmpd="sng" algn="ctr">
+                      <a:solidFill>
+                        <a:schemeClr val="accent5">
+                          <a:lumMod val="50000"/>
+                        </a:schemeClr>
+                      </a:solidFill>
+                      <a:prstDash val="solid"/>
+                      <a:round/>
+                      <a:headEnd type="none" w="med" len="med"/>
+                      <a:tailEnd type="none" w="med" len="med"/>
+                    </a:lnB>
+                  </a:tcPr>
+                </a:tc>
+                <a:extLst>
+                  <a:ext uri="{0D108BD9-81ED-4DB2-BD59-A6C34878D82A}">
+                    <a16:rowId xmlns:a16="http://schemas.microsoft.com/office/drawing/2014/main" val="2509250468"/>
+                  </a:ext>
+                </a:extLst>
+              </a:tr>
+              <a:tr h="335280">
+                <a:tc>
+                  <a:txBody>
+                    <a:bodyPr/>
+                    <a:lstStyle/>
+                    <a:p>
+                      <a:r>
+                        <a:rPr lang="it-IT" sz="1600" i="1" dirty="0" err="1">
+                          <a:solidFill>
+                            <a:schemeClr val="accent5">
+                              <a:lumMod val="50000"/>
+                            </a:schemeClr>
+                          </a:solidFill>
+                          <a:latin typeface="+mn-lt"/>
+                        </a:rPr>
+                        <a:t>fear_failure</a:t>
+                      </a:r>
+                      <a:endParaRPr lang="it-IT" sz="1600" i="1" dirty="0">
+                        <a:solidFill>
+                          <a:schemeClr val="accent5">
+                            <a:lumMod val="50000"/>
+                          </a:schemeClr>
+                        </a:solidFill>
+                        <a:latin typeface="+mn-lt"/>
+                      </a:endParaRPr>
+                    </a:p>
+                  </a:txBody>
+                  <a:tcPr>
+                    <a:lnL w="38100" cap="flat" cmpd="sng" algn="ctr">
+                      <a:solidFill>
+                        <a:schemeClr val="accent5">
+                          <a:lumMod val="50000"/>
+                        </a:schemeClr>
+                      </a:solidFill>
+                      <a:prstDash val="solid"/>
+                      <a:round/>
+                      <a:headEnd type="none" w="med" len="med"/>
+                      <a:tailEnd type="none" w="med" len="med"/>
+                    </a:lnL>
+                    <a:lnR w="38100" cap="flat" cmpd="sng" algn="ctr">
+                      <a:noFill/>
+                      <a:prstDash val="solid"/>
+                      <a:round/>
+                      <a:headEnd type="none" w="med" len="med"/>
+                      <a:tailEnd type="none" w="med" len="med"/>
+                    </a:lnR>
+                    <a:lnT w="38100" cap="flat" cmpd="sng" algn="ctr">
+                      <a:solidFill>
+                        <a:schemeClr val="accent5">
+                          <a:lumMod val="50000"/>
+                        </a:schemeClr>
+                      </a:solidFill>
+                      <a:prstDash val="solid"/>
+                      <a:round/>
+                      <a:headEnd type="none" w="med" len="med"/>
+                      <a:tailEnd type="none" w="med" len="med"/>
+                    </a:lnT>
+                    <a:lnB w="38100" cap="flat" cmpd="sng" algn="ctr">
+                      <a:solidFill>
+                        <a:schemeClr val="accent5">
+                          <a:lumMod val="50000"/>
+                        </a:schemeClr>
+                      </a:solidFill>
+                      <a:prstDash val="solid"/>
+                      <a:round/>
+                      <a:headEnd type="none" w="med" len="med"/>
+                      <a:tailEnd type="none" w="med" len="med"/>
+                    </a:lnB>
+                  </a:tcPr>
+                </a:tc>
+                <a:tc>
+                  <a:txBody>
+                    <a:bodyPr/>
+                    <a:lstStyle/>
+                    <a:p>
+                      <a:r>
+                        <a:rPr lang="it-IT" sz="1600" dirty="0">
+                          <a:solidFill>
+                            <a:schemeClr val="accent5">
+                              <a:lumMod val="50000"/>
+                            </a:schemeClr>
+                          </a:solidFill>
+                          <a:latin typeface="+mn-lt"/>
+                        </a:rPr>
+                        <a:t>-0,1023</a:t>
+                      </a:r>
+                    </a:p>
+                  </a:txBody>
+                  <a:tcPr>
+                    <a:lnL w="38100" cap="flat" cmpd="sng" algn="ctr">
+                      <a:noFill/>
+                      <a:prstDash val="solid"/>
+                      <a:round/>
+                      <a:headEnd type="none" w="med" len="med"/>
+                      <a:tailEnd type="none" w="med" len="med"/>
+                    </a:lnL>
+                    <a:lnR w="38100" cap="flat" cmpd="sng" algn="ctr">
+                      <a:noFill/>
+                      <a:prstDash val="solid"/>
+                      <a:round/>
+                      <a:headEnd type="none" w="med" len="med"/>
+                      <a:tailEnd type="none" w="med" len="med"/>
+                    </a:lnR>
+                    <a:lnT w="38100" cap="flat" cmpd="sng" algn="ctr">
+                      <a:solidFill>
+                        <a:schemeClr val="accent5">
+                          <a:lumMod val="50000"/>
+                        </a:schemeClr>
+                      </a:solidFill>
+                      <a:prstDash val="solid"/>
+                      <a:round/>
+                      <a:headEnd type="none" w="med" len="med"/>
+                      <a:tailEnd type="none" w="med" len="med"/>
+                    </a:lnT>
+                    <a:lnB w="38100" cap="flat" cmpd="sng" algn="ctr">
+                      <a:solidFill>
+                        <a:schemeClr val="accent5">
+                          <a:lumMod val="50000"/>
+                        </a:schemeClr>
+                      </a:solidFill>
+                      <a:prstDash val="solid"/>
+                      <a:round/>
+                      <a:headEnd type="none" w="med" len="med"/>
+                      <a:tailEnd type="none" w="med" len="med"/>
+                    </a:lnB>
+                  </a:tcPr>
+                </a:tc>
+                <a:tc>
+                  <a:txBody>
+                    <a:bodyPr/>
+                    <a:lstStyle/>
+                    <a:p>
+                      <a:r>
+                        <a:rPr lang="it-IT" sz="1600" dirty="0">
+                          <a:solidFill>
+                            <a:schemeClr val="accent5">
+                              <a:lumMod val="50000"/>
+                            </a:schemeClr>
+                          </a:solidFill>
+                          <a:latin typeface="+mn-lt"/>
+                        </a:rPr>
+                        <a:t> 0,1595 *</a:t>
+                      </a:r>
+                    </a:p>
+                  </a:txBody>
+                  <a:tcPr>
+                    <a:lnL w="38100" cap="flat" cmpd="sng" algn="ctr">
+                      <a:noFill/>
+                      <a:prstDash val="solid"/>
+                      <a:round/>
+                      <a:headEnd type="none" w="med" len="med"/>
+                      <a:tailEnd type="none" w="med" len="med"/>
+                    </a:lnL>
+                    <a:lnR w="38100" cap="flat" cmpd="sng" algn="ctr">
+                      <a:solidFill>
+                        <a:schemeClr val="accent5">
+                          <a:lumMod val="50000"/>
+                        </a:schemeClr>
+                      </a:solidFill>
+                      <a:prstDash val="solid"/>
+                      <a:round/>
+                      <a:headEnd type="none" w="med" len="med"/>
+                      <a:tailEnd type="none" w="med" len="med"/>
+                    </a:lnR>
+                    <a:lnT w="38100" cap="flat" cmpd="sng" algn="ctr">
+                      <a:solidFill>
+                        <a:schemeClr val="accent5">
+                          <a:lumMod val="50000"/>
+                        </a:schemeClr>
+                      </a:solidFill>
+                      <a:prstDash val="solid"/>
+                      <a:round/>
+                      <a:headEnd type="none" w="med" len="med"/>
+                      <a:tailEnd type="none" w="med" len="med"/>
+                    </a:lnT>
+                    <a:lnB w="38100" cap="flat" cmpd="sng" algn="ctr">
+                      <a:solidFill>
+                        <a:schemeClr val="accent5">
+                          <a:lumMod val="50000"/>
+                        </a:schemeClr>
+                      </a:solidFill>
+                      <a:prstDash val="solid"/>
+                      <a:round/>
+                      <a:headEnd type="none" w="med" len="med"/>
+                      <a:tailEnd type="none" w="med" len="med"/>
+                    </a:lnB>
+                  </a:tcPr>
+                </a:tc>
+                <a:extLst>
+                  <a:ext uri="{0D108BD9-81ED-4DB2-BD59-A6C34878D82A}">
+                    <a16:rowId xmlns:a16="http://schemas.microsoft.com/office/drawing/2014/main" val="842589258"/>
+                  </a:ext>
+                </a:extLst>
+              </a:tr>
+              <a:tr h="335280">
+                <a:tc>
+                  <a:txBody>
+                    <a:bodyPr/>
+                    <a:lstStyle/>
+                    <a:p>
+                      <a:pPr marL="0" marR="0" lvl="0" indent="0" algn="l" defTabSz="4036471" rtl="0" eaLnBrk="1" fontAlgn="auto" latinLnBrk="0" hangingPunct="1">
+                        <a:lnSpc>
+                          <a:spcPct val="100000"/>
+                        </a:lnSpc>
+                        <a:spcBef>
+                          <a:spcPts val="0"/>
+                        </a:spcBef>
+                        <a:spcAft>
+                          <a:spcPts val="0"/>
+                        </a:spcAft>
+                        <a:buClrTx/>
+                        <a:buSzTx/>
+                        <a:buFontTx/>
+                        <a:buNone/>
+                        <a:tabLst/>
+                        <a:defRPr/>
+                      </a:pPr>
+                      <a:r>
+                        <a:rPr lang="it-IT" sz="1600" i="1" dirty="0" err="1">
+                          <a:solidFill>
+                            <a:schemeClr val="accent5">
+                              <a:lumMod val="50000"/>
+                            </a:schemeClr>
+                          </a:solidFill>
+                          <a:latin typeface="+mn-lt"/>
+                        </a:rPr>
+                        <a:t>stud_teach_ratio</a:t>
+                      </a:r>
+                      <a:endParaRPr lang="it-IT" sz="1600" i="1" dirty="0">
+                        <a:solidFill>
+                          <a:schemeClr val="accent5">
+                            <a:lumMod val="50000"/>
+                          </a:schemeClr>
+                        </a:solidFill>
+                        <a:latin typeface="+mn-lt"/>
+                      </a:endParaRPr>
+                    </a:p>
+                  </a:txBody>
+                  <a:tcPr>
+                    <a:lnL w="38100" cap="flat" cmpd="sng" algn="ctr">
+                      <a:solidFill>
+                        <a:schemeClr val="accent5">
+                          <a:lumMod val="50000"/>
+                        </a:schemeClr>
+                      </a:solidFill>
+                      <a:prstDash val="solid"/>
+                      <a:round/>
+                      <a:headEnd type="none" w="med" len="med"/>
+                      <a:tailEnd type="none" w="med" len="med"/>
+                    </a:lnL>
+                    <a:lnR w="38100" cap="flat" cmpd="sng" algn="ctr">
+                      <a:noFill/>
+                      <a:prstDash val="solid"/>
+                      <a:round/>
+                      <a:headEnd type="none" w="med" len="med"/>
+                      <a:tailEnd type="none" w="med" len="med"/>
+                    </a:lnR>
+                    <a:lnT w="38100" cap="flat" cmpd="sng" algn="ctr">
+                      <a:solidFill>
+                        <a:schemeClr val="accent5">
+                          <a:lumMod val="50000"/>
+                        </a:schemeClr>
+                      </a:solidFill>
+                      <a:prstDash val="solid"/>
+                      <a:round/>
+                      <a:headEnd type="none" w="med" len="med"/>
+                      <a:tailEnd type="none" w="med" len="med"/>
+                    </a:lnT>
+                    <a:lnB w="38100" cap="flat" cmpd="sng" algn="ctr">
+                      <a:solidFill>
+                        <a:schemeClr val="accent5">
+                          <a:lumMod val="50000"/>
+                        </a:schemeClr>
+                      </a:solidFill>
+                      <a:prstDash val="solid"/>
+                      <a:round/>
+                      <a:headEnd type="none" w="med" len="med"/>
+                      <a:tailEnd type="none" w="med" len="med"/>
+                    </a:lnB>
+                  </a:tcPr>
+                </a:tc>
+                <a:tc>
+                  <a:txBody>
+                    <a:bodyPr/>
+                    <a:lstStyle/>
+                    <a:p>
+                      <a:r>
+                        <a:rPr lang="it-IT" sz="1600" dirty="0">
+                          <a:solidFill>
+                            <a:schemeClr val="accent5">
+                              <a:lumMod val="50000"/>
+                            </a:schemeClr>
+                          </a:solidFill>
+                          <a:latin typeface="+mn-lt"/>
+                        </a:rPr>
+                        <a:t>-0,2209 ***</a:t>
+                      </a:r>
+                    </a:p>
+                  </a:txBody>
+                  <a:tcPr>
+                    <a:lnL w="38100" cap="flat" cmpd="sng" algn="ctr">
+                      <a:noFill/>
+                      <a:prstDash val="solid"/>
+                      <a:round/>
+                      <a:headEnd type="none" w="med" len="med"/>
+                      <a:tailEnd type="none" w="med" len="med"/>
+                    </a:lnL>
+                    <a:lnR w="38100" cap="flat" cmpd="sng" algn="ctr">
+                      <a:noFill/>
+                      <a:prstDash val="solid"/>
+                      <a:round/>
+                      <a:headEnd type="none" w="med" len="med"/>
+                      <a:tailEnd type="none" w="med" len="med"/>
+                    </a:lnR>
+                    <a:lnT w="38100" cap="flat" cmpd="sng" algn="ctr">
+                      <a:solidFill>
+                        <a:schemeClr val="accent5">
+                          <a:lumMod val="50000"/>
+                        </a:schemeClr>
+                      </a:solidFill>
+                      <a:prstDash val="solid"/>
+                      <a:round/>
+                      <a:headEnd type="none" w="med" len="med"/>
+                      <a:tailEnd type="none" w="med" len="med"/>
+                    </a:lnT>
+                    <a:lnB w="38100" cap="flat" cmpd="sng" algn="ctr">
+                      <a:solidFill>
+                        <a:schemeClr val="accent5">
+                          <a:lumMod val="50000"/>
+                        </a:schemeClr>
+                      </a:solidFill>
+                      <a:prstDash val="solid"/>
+                      <a:round/>
+                      <a:headEnd type="none" w="med" len="med"/>
+                      <a:tailEnd type="none" w="med" len="med"/>
+                    </a:lnB>
+                  </a:tcPr>
+                </a:tc>
+                <a:tc>
+                  <a:txBody>
+                    <a:bodyPr/>
+                    <a:lstStyle/>
+                    <a:p>
+                      <a:r>
+                        <a:rPr lang="it-IT" sz="1600" dirty="0">
+                          <a:solidFill>
+                            <a:schemeClr val="accent5">
+                              <a:lumMod val="50000"/>
+                            </a:schemeClr>
+                          </a:solidFill>
+                          <a:latin typeface="+mn-lt"/>
+                        </a:rPr>
+                        <a:t>-0,1460 ***</a:t>
+                      </a:r>
+                    </a:p>
+                  </a:txBody>
+                  <a:tcPr>
+                    <a:lnL w="38100" cap="flat" cmpd="sng" algn="ctr">
+                      <a:noFill/>
+                      <a:prstDash val="solid"/>
+                      <a:round/>
+                      <a:headEnd type="none" w="med" len="med"/>
+                      <a:tailEnd type="none" w="med" len="med"/>
+                    </a:lnL>
+                    <a:lnR w="38100" cap="flat" cmpd="sng" algn="ctr">
+                      <a:solidFill>
+                        <a:schemeClr val="accent5">
+                          <a:lumMod val="50000"/>
+                        </a:schemeClr>
+                      </a:solidFill>
+                      <a:prstDash val="solid"/>
+                      <a:round/>
+                      <a:headEnd type="none" w="med" len="med"/>
+                      <a:tailEnd type="none" w="med" len="med"/>
+                    </a:lnR>
+                    <a:lnT w="38100" cap="flat" cmpd="sng" algn="ctr">
+                      <a:solidFill>
+                        <a:schemeClr val="accent5">
+                          <a:lumMod val="50000"/>
+                        </a:schemeClr>
+                      </a:solidFill>
+                      <a:prstDash val="solid"/>
+                      <a:round/>
+                      <a:headEnd type="none" w="med" len="med"/>
+                      <a:tailEnd type="none" w="med" len="med"/>
+                    </a:lnT>
+                    <a:lnB w="38100" cap="flat" cmpd="sng" algn="ctr">
+                      <a:solidFill>
+                        <a:schemeClr val="accent5">
+                          <a:lumMod val="50000"/>
+                        </a:schemeClr>
+                      </a:solidFill>
+                      <a:prstDash val="solid"/>
+                      <a:round/>
+                      <a:headEnd type="none" w="med" len="med"/>
+                      <a:tailEnd type="none" w="med" len="med"/>
+                    </a:lnB>
+                  </a:tcPr>
+                </a:tc>
+                <a:extLst>
+                  <a:ext uri="{0D108BD9-81ED-4DB2-BD59-A6C34878D82A}">
+                    <a16:rowId xmlns:a16="http://schemas.microsoft.com/office/drawing/2014/main" val="107298537"/>
+                  </a:ext>
+                </a:extLst>
+              </a:tr>
+              <a:tr h="335280">
+                <a:tc>
+                  <a:txBody>
+                    <a:bodyPr/>
+                    <a:lstStyle/>
+                    <a:p>
+                      <a:pPr marL="0" marR="0" lvl="0" indent="0" algn="l" defTabSz="4036471" rtl="0" eaLnBrk="1" fontAlgn="auto" latinLnBrk="0" hangingPunct="1">
+                        <a:lnSpc>
+                          <a:spcPct val="100000"/>
+                        </a:lnSpc>
+                        <a:spcBef>
+                          <a:spcPts val="0"/>
+                        </a:spcBef>
+                        <a:spcAft>
+                          <a:spcPts val="0"/>
+                        </a:spcAft>
+                        <a:buClrTx/>
+                        <a:buSzTx/>
+                        <a:buFontTx/>
+                        <a:buNone/>
+                        <a:tabLst/>
+                        <a:defRPr/>
+                      </a:pPr>
+                      <a:r>
+                        <a:rPr lang="it-IT" sz="1600" i="1" dirty="0" err="1">
+                          <a:solidFill>
+                            <a:schemeClr val="accent5">
+                              <a:lumMod val="50000"/>
+                            </a:schemeClr>
+                          </a:solidFill>
+                          <a:latin typeface="+mn-lt"/>
+                        </a:rPr>
+                        <a:t>short_edu_mat</a:t>
+                      </a:r>
+                      <a:endParaRPr lang="it-IT" sz="1600" i="1" dirty="0">
+                        <a:solidFill>
+                          <a:schemeClr val="accent5">
+                            <a:lumMod val="50000"/>
+                          </a:schemeClr>
+                        </a:solidFill>
+                        <a:latin typeface="+mn-lt"/>
+                      </a:endParaRPr>
+                    </a:p>
+                  </a:txBody>
+                  <a:tcPr>
+                    <a:lnL w="38100" cap="flat" cmpd="sng" algn="ctr">
+                      <a:solidFill>
+                        <a:schemeClr val="accent5">
+                          <a:lumMod val="50000"/>
+                        </a:schemeClr>
+                      </a:solidFill>
+                      <a:prstDash val="solid"/>
+                      <a:round/>
+                      <a:headEnd type="none" w="med" len="med"/>
+                      <a:tailEnd type="none" w="med" len="med"/>
+                    </a:lnL>
+                    <a:lnR w="38100" cap="flat" cmpd="sng" algn="ctr">
+                      <a:noFill/>
+                      <a:prstDash val="solid"/>
+                      <a:round/>
+                      <a:headEnd type="none" w="med" len="med"/>
+                      <a:tailEnd type="none" w="med" len="med"/>
+                    </a:lnR>
+                    <a:lnT w="38100" cap="flat" cmpd="sng" algn="ctr">
+                      <a:solidFill>
+                        <a:schemeClr val="accent5">
+                          <a:lumMod val="50000"/>
+                        </a:schemeClr>
+                      </a:solidFill>
+                      <a:prstDash val="solid"/>
+                      <a:round/>
+                      <a:headEnd type="none" w="med" len="med"/>
+                      <a:tailEnd type="none" w="med" len="med"/>
+                    </a:lnT>
+                    <a:lnB w="38100" cap="flat" cmpd="sng" algn="ctr">
+                      <a:solidFill>
+                        <a:schemeClr val="accent5">
+                          <a:lumMod val="50000"/>
+                        </a:schemeClr>
+                      </a:solidFill>
+                      <a:prstDash val="solid"/>
+                      <a:round/>
+                      <a:headEnd type="none" w="med" len="med"/>
+                      <a:tailEnd type="none" w="med" len="med"/>
+                    </a:lnB>
+                  </a:tcPr>
+                </a:tc>
+                <a:tc>
+                  <a:txBody>
+                    <a:bodyPr/>
+                    <a:lstStyle/>
+                    <a:p>
+                      <a:r>
+                        <a:rPr lang="it-IT" sz="1600" dirty="0">
+                          <a:solidFill>
+                            <a:schemeClr val="accent5">
+                              <a:lumMod val="50000"/>
+                            </a:schemeClr>
+                          </a:solidFill>
+                          <a:latin typeface="+mn-lt"/>
+                        </a:rPr>
+                        <a:t> 0,5528 ***</a:t>
+                      </a:r>
+                    </a:p>
+                  </a:txBody>
+                  <a:tcPr>
+                    <a:lnL w="38100" cap="flat" cmpd="sng" algn="ctr">
+                      <a:noFill/>
+                      <a:prstDash val="solid"/>
+                      <a:round/>
+                      <a:headEnd type="none" w="med" len="med"/>
+                      <a:tailEnd type="none" w="med" len="med"/>
+                    </a:lnL>
+                    <a:lnR w="38100" cap="flat" cmpd="sng" algn="ctr">
+                      <a:noFill/>
+                      <a:prstDash val="solid"/>
+                      <a:round/>
+                      <a:headEnd type="none" w="med" len="med"/>
+                      <a:tailEnd type="none" w="med" len="med"/>
+                    </a:lnR>
+                    <a:lnT w="38100" cap="flat" cmpd="sng" algn="ctr">
+                      <a:solidFill>
+                        <a:schemeClr val="accent5">
+                          <a:lumMod val="50000"/>
+                        </a:schemeClr>
+                      </a:solidFill>
+                      <a:prstDash val="solid"/>
+                      <a:round/>
+                      <a:headEnd type="none" w="med" len="med"/>
+                      <a:tailEnd type="none" w="med" len="med"/>
+                    </a:lnT>
+                    <a:lnB w="38100" cap="flat" cmpd="sng" algn="ctr">
+                      <a:solidFill>
+                        <a:schemeClr val="accent5">
+                          <a:lumMod val="50000"/>
+                        </a:schemeClr>
+                      </a:solidFill>
+                      <a:prstDash val="solid"/>
+                      <a:round/>
+                      <a:headEnd type="none" w="med" len="med"/>
+                      <a:tailEnd type="none" w="med" len="med"/>
+                    </a:lnB>
+                  </a:tcPr>
+                </a:tc>
+                <a:tc>
+                  <a:txBody>
+                    <a:bodyPr/>
+                    <a:lstStyle/>
+                    <a:p>
+                      <a:r>
+                        <a:rPr lang="it-IT" sz="1600" dirty="0">
+                          <a:solidFill>
+                            <a:schemeClr val="accent5">
+                              <a:lumMod val="50000"/>
+                            </a:schemeClr>
+                          </a:solidFill>
+                          <a:latin typeface="+mn-lt"/>
+                        </a:rPr>
+                        <a:t> 0,4548 ***</a:t>
+                      </a:r>
+                    </a:p>
+                  </a:txBody>
+                  <a:tcPr>
+                    <a:lnL w="38100" cap="flat" cmpd="sng" algn="ctr">
+                      <a:noFill/>
+                      <a:prstDash val="solid"/>
+                      <a:round/>
+                      <a:headEnd type="none" w="med" len="med"/>
+                      <a:tailEnd type="none" w="med" len="med"/>
+                    </a:lnL>
+                    <a:lnR w="38100" cap="flat" cmpd="sng" algn="ctr">
+                      <a:solidFill>
+                        <a:schemeClr val="accent5">
+                          <a:lumMod val="50000"/>
+                        </a:schemeClr>
+                      </a:solidFill>
+                      <a:prstDash val="solid"/>
+                      <a:round/>
+                      <a:headEnd type="none" w="med" len="med"/>
+                      <a:tailEnd type="none" w="med" len="med"/>
+                    </a:lnR>
+                    <a:lnT w="38100" cap="flat" cmpd="sng" algn="ctr">
+                      <a:solidFill>
+                        <a:schemeClr val="accent5">
+                          <a:lumMod val="50000"/>
+                        </a:schemeClr>
+                      </a:solidFill>
+                      <a:prstDash val="solid"/>
+                      <a:round/>
+                      <a:headEnd type="none" w="med" len="med"/>
+                      <a:tailEnd type="none" w="med" len="med"/>
+                    </a:lnT>
+                    <a:lnB w="38100" cap="flat" cmpd="sng" algn="ctr">
+                      <a:solidFill>
+                        <a:schemeClr val="accent5">
+                          <a:lumMod val="50000"/>
+                        </a:schemeClr>
+                      </a:solidFill>
+                      <a:prstDash val="solid"/>
+                      <a:round/>
+                      <a:headEnd type="none" w="med" len="med"/>
+                      <a:tailEnd type="none" w="med" len="med"/>
+                    </a:lnB>
+                  </a:tcPr>
+                </a:tc>
+                <a:extLst>
+                  <a:ext uri="{0D108BD9-81ED-4DB2-BD59-A6C34878D82A}">
+                    <a16:rowId xmlns:a16="http://schemas.microsoft.com/office/drawing/2014/main" val="3564228151"/>
+                  </a:ext>
+                </a:extLst>
+              </a:tr>
+              <a:tr h="335280">
+                <a:tc>
+                  <a:txBody>
+                    <a:bodyPr/>
+                    <a:lstStyle/>
+                    <a:p>
+                      <a:pPr marL="0" marR="0" lvl="0" indent="0" algn="l" defTabSz="4036471" rtl="0" eaLnBrk="1" fontAlgn="auto" latinLnBrk="0" hangingPunct="1">
+                        <a:lnSpc>
+                          <a:spcPct val="100000"/>
+                        </a:lnSpc>
+                        <a:spcBef>
+                          <a:spcPts val="0"/>
+                        </a:spcBef>
+                        <a:spcAft>
+                          <a:spcPts val="0"/>
+                        </a:spcAft>
+                        <a:buClrTx/>
+                        <a:buSzTx/>
+                        <a:buFontTx/>
+                        <a:buNone/>
+                        <a:tabLst/>
+                        <a:defRPr/>
+                      </a:pPr>
+                      <a:r>
+                        <a:rPr lang="it-IT" sz="1600" i="1" dirty="0" err="1">
+                          <a:solidFill>
+                            <a:schemeClr val="accent5">
+                              <a:lumMod val="50000"/>
+                            </a:schemeClr>
+                          </a:solidFill>
+                          <a:latin typeface="+mn-lt"/>
+                        </a:rPr>
+                        <a:t>short_edu_staff</a:t>
+                      </a:r>
+                      <a:endParaRPr lang="it-IT" sz="1600" i="1" dirty="0">
+                        <a:solidFill>
+                          <a:schemeClr val="accent5">
+                            <a:lumMod val="50000"/>
+                          </a:schemeClr>
+                        </a:solidFill>
+                        <a:latin typeface="+mn-lt"/>
+                      </a:endParaRPr>
+                    </a:p>
+                  </a:txBody>
+                  <a:tcPr>
+                    <a:lnL w="38100" cap="flat" cmpd="sng" algn="ctr">
+                      <a:solidFill>
+                        <a:schemeClr val="accent5">
+                          <a:lumMod val="50000"/>
+                        </a:schemeClr>
+                      </a:solidFill>
+                      <a:prstDash val="solid"/>
+                      <a:round/>
+                      <a:headEnd type="none" w="med" len="med"/>
+                      <a:tailEnd type="none" w="med" len="med"/>
+                    </a:lnL>
+                    <a:lnR w="38100" cap="flat" cmpd="sng" algn="ctr">
+                      <a:noFill/>
+                      <a:prstDash val="solid"/>
+                      <a:round/>
+                      <a:headEnd type="none" w="med" len="med"/>
+                      <a:tailEnd type="none" w="med" len="med"/>
+                    </a:lnR>
+                    <a:lnT w="38100" cap="flat" cmpd="sng" algn="ctr">
+                      <a:solidFill>
+                        <a:schemeClr val="accent5">
+                          <a:lumMod val="50000"/>
+                        </a:schemeClr>
+                      </a:solidFill>
+                      <a:prstDash val="solid"/>
+                      <a:round/>
+                      <a:headEnd type="none" w="med" len="med"/>
+                      <a:tailEnd type="none" w="med" len="med"/>
+                    </a:lnT>
+                    <a:lnB w="38100" cap="flat" cmpd="sng" algn="ctr">
+                      <a:solidFill>
+                        <a:schemeClr val="accent5">
+                          <a:lumMod val="50000"/>
+                        </a:schemeClr>
+                      </a:solidFill>
+                      <a:prstDash val="solid"/>
+                      <a:round/>
+                      <a:headEnd type="none" w="med" len="med"/>
+                      <a:tailEnd type="none" w="med" len="med"/>
+                    </a:lnB>
+                  </a:tcPr>
+                </a:tc>
+                <a:tc>
+                  <a:txBody>
+                    <a:bodyPr/>
+                    <a:lstStyle/>
+                    <a:p>
+                      <a:r>
+                        <a:rPr lang="it-IT" sz="1600" dirty="0">
+                          <a:solidFill>
+                            <a:schemeClr val="accent5">
+                              <a:lumMod val="50000"/>
+                            </a:schemeClr>
+                          </a:solidFill>
+                          <a:latin typeface="+mn-lt"/>
+                        </a:rPr>
+                        <a:t>-0,0284</a:t>
+                      </a:r>
+                    </a:p>
+                  </a:txBody>
+                  <a:tcPr>
+                    <a:lnL w="38100" cap="flat" cmpd="sng" algn="ctr">
+                      <a:noFill/>
+                      <a:prstDash val="solid"/>
+                      <a:round/>
+                      <a:headEnd type="none" w="med" len="med"/>
+                      <a:tailEnd type="none" w="med" len="med"/>
+                    </a:lnL>
+                    <a:lnR w="38100" cap="flat" cmpd="sng" algn="ctr">
+                      <a:noFill/>
+                      <a:prstDash val="solid"/>
+                      <a:round/>
+                      <a:headEnd type="none" w="med" len="med"/>
+                      <a:tailEnd type="none" w="med" len="med"/>
+                    </a:lnR>
+                    <a:lnT w="38100" cap="flat" cmpd="sng" algn="ctr">
+                      <a:solidFill>
+                        <a:schemeClr val="accent5">
+                          <a:lumMod val="50000"/>
+                        </a:schemeClr>
+                      </a:solidFill>
+                      <a:prstDash val="solid"/>
+                      <a:round/>
+                      <a:headEnd type="none" w="med" len="med"/>
+                      <a:tailEnd type="none" w="med" len="med"/>
+                    </a:lnT>
+                    <a:lnB w="38100" cap="flat" cmpd="sng" algn="ctr">
+                      <a:solidFill>
+                        <a:schemeClr val="accent5">
+                          <a:lumMod val="50000"/>
+                        </a:schemeClr>
+                      </a:solidFill>
+                      <a:prstDash val="solid"/>
+                      <a:round/>
+                      <a:headEnd type="none" w="med" len="med"/>
+                      <a:tailEnd type="none" w="med" len="med"/>
+                    </a:lnB>
+                  </a:tcPr>
+                </a:tc>
+                <a:tc>
+                  <a:txBody>
+                    <a:bodyPr/>
+                    <a:lstStyle/>
+                    <a:p>
+                      <a:r>
+                        <a:rPr lang="it-IT" sz="1600" dirty="0">
+                          <a:solidFill>
+                            <a:schemeClr val="accent5">
+                              <a:lumMod val="50000"/>
+                            </a:schemeClr>
+                          </a:solidFill>
+                          <a:latin typeface="+mn-lt"/>
+                        </a:rPr>
+                        <a:t>-0,9470 ***</a:t>
+                      </a:r>
+                    </a:p>
+                  </a:txBody>
+                  <a:tcPr>
+                    <a:lnL w="38100" cap="flat" cmpd="sng" algn="ctr">
+                      <a:noFill/>
+                      <a:prstDash val="solid"/>
+                      <a:round/>
+                      <a:headEnd type="none" w="med" len="med"/>
+                      <a:tailEnd type="none" w="med" len="med"/>
+                    </a:lnL>
+                    <a:lnR w="38100" cap="flat" cmpd="sng" algn="ctr">
+                      <a:solidFill>
+                        <a:schemeClr val="accent5">
+                          <a:lumMod val="50000"/>
+                        </a:schemeClr>
+                      </a:solidFill>
+                      <a:prstDash val="solid"/>
+                      <a:round/>
+                      <a:headEnd type="none" w="med" len="med"/>
+                      <a:tailEnd type="none" w="med" len="med"/>
+                    </a:lnR>
+                    <a:lnT w="38100" cap="flat" cmpd="sng" algn="ctr">
+                      <a:solidFill>
+                        <a:schemeClr val="accent5">
+                          <a:lumMod val="50000"/>
+                        </a:schemeClr>
+                      </a:solidFill>
+                      <a:prstDash val="solid"/>
+                      <a:round/>
+                      <a:headEnd type="none" w="med" len="med"/>
+                      <a:tailEnd type="none" w="med" len="med"/>
+                    </a:lnT>
+                    <a:lnB w="38100" cap="flat" cmpd="sng" algn="ctr">
+                      <a:solidFill>
+                        <a:schemeClr val="accent5">
+                          <a:lumMod val="50000"/>
+                        </a:schemeClr>
+                      </a:solidFill>
+                      <a:prstDash val="solid"/>
+                      <a:round/>
+                      <a:headEnd type="none" w="med" len="med"/>
+                      <a:tailEnd type="none" w="med" len="med"/>
+                    </a:lnB>
+                  </a:tcPr>
+                </a:tc>
+                <a:extLst>
+                  <a:ext uri="{0D108BD9-81ED-4DB2-BD59-A6C34878D82A}">
+                    <a16:rowId xmlns:a16="http://schemas.microsoft.com/office/drawing/2014/main" val="4159571167"/>
+                  </a:ext>
+                </a:extLst>
+              </a:tr>
+              <a:tr h="335280">
+                <a:tc>
+                  <a:txBody>
+                    <a:bodyPr/>
+                    <a:lstStyle/>
+                    <a:p>
+                      <a:pPr marL="0" marR="0" lvl="0" indent="0" algn="l" defTabSz="4036471" rtl="0" eaLnBrk="1" fontAlgn="auto" latinLnBrk="0" hangingPunct="1">
+                        <a:lnSpc>
+                          <a:spcPct val="100000"/>
+                        </a:lnSpc>
+                        <a:spcBef>
+                          <a:spcPts val="0"/>
+                        </a:spcBef>
+                        <a:spcAft>
+                          <a:spcPts val="0"/>
+                        </a:spcAft>
+                        <a:buClrTx/>
+                        <a:buSzTx/>
+                        <a:buFontTx/>
+                        <a:buNone/>
+                        <a:tabLst/>
+                        <a:defRPr/>
+                      </a:pPr>
+                      <a:r>
+                        <a:rPr lang="it-IT" sz="1600" i="1" dirty="0" err="1">
+                          <a:solidFill>
+                            <a:schemeClr val="accent5">
+                              <a:lumMod val="50000"/>
+                            </a:schemeClr>
+                          </a:solidFill>
+                          <a:latin typeface="+mn-lt"/>
+                        </a:rPr>
+                        <a:t>stu_behav</a:t>
+                      </a:r>
+                      <a:endParaRPr lang="it-IT" sz="1600" i="1" dirty="0">
+                        <a:solidFill>
+                          <a:schemeClr val="accent5">
+                            <a:lumMod val="50000"/>
+                          </a:schemeClr>
+                        </a:solidFill>
+                        <a:latin typeface="+mn-lt"/>
+                      </a:endParaRPr>
+                    </a:p>
+                  </a:txBody>
+                  <a:tcPr>
+                    <a:lnL w="38100" cap="flat" cmpd="sng" algn="ctr">
+                      <a:solidFill>
+                        <a:schemeClr val="accent5">
+                          <a:lumMod val="50000"/>
+                        </a:schemeClr>
+                      </a:solidFill>
+                      <a:prstDash val="solid"/>
+                      <a:round/>
+                      <a:headEnd type="none" w="med" len="med"/>
+                      <a:tailEnd type="none" w="med" len="med"/>
+                    </a:lnL>
+                    <a:lnR w="38100" cap="flat" cmpd="sng" algn="ctr">
+                      <a:noFill/>
+                      <a:prstDash val="solid"/>
+                      <a:round/>
+                      <a:headEnd type="none" w="med" len="med"/>
+                      <a:tailEnd type="none" w="med" len="med"/>
+                    </a:lnR>
+                    <a:lnT w="38100" cap="flat" cmpd="sng" algn="ctr">
+                      <a:solidFill>
+                        <a:schemeClr val="accent5">
+                          <a:lumMod val="50000"/>
+                        </a:schemeClr>
+                      </a:solidFill>
+                      <a:prstDash val="solid"/>
+                      <a:round/>
+                      <a:headEnd type="none" w="med" len="med"/>
+                      <a:tailEnd type="none" w="med" len="med"/>
+                    </a:lnT>
+                    <a:lnB w="38100" cap="flat" cmpd="sng" algn="ctr">
+                      <a:solidFill>
+                        <a:schemeClr val="accent5">
+                          <a:lumMod val="50000"/>
+                        </a:schemeClr>
+                      </a:solidFill>
+                      <a:prstDash val="solid"/>
+                      <a:round/>
+                      <a:headEnd type="none" w="med" len="med"/>
+                      <a:tailEnd type="none" w="med" len="med"/>
+                    </a:lnB>
+                  </a:tcPr>
+                </a:tc>
+                <a:tc>
+                  <a:txBody>
+                    <a:bodyPr/>
+                    <a:lstStyle/>
+                    <a:p>
+                      <a:r>
+                        <a:rPr lang="it-IT" sz="1600" dirty="0">
+                          <a:solidFill>
+                            <a:schemeClr val="accent5">
+                              <a:lumMod val="50000"/>
+                            </a:schemeClr>
+                          </a:solidFill>
+                          <a:latin typeface="+mn-lt"/>
+                        </a:rPr>
+                        <a:t> 0,3217 **</a:t>
+                      </a:r>
+                    </a:p>
+                  </a:txBody>
+                  <a:tcPr>
+                    <a:lnL w="38100" cap="flat" cmpd="sng" algn="ctr">
+                      <a:noFill/>
+                      <a:prstDash val="solid"/>
+                      <a:round/>
+                      <a:headEnd type="none" w="med" len="med"/>
+                      <a:tailEnd type="none" w="med" len="med"/>
+                    </a:lnL>
+                    <a:lnR w="38100" cap="flat" cmpd="sng" algn="ctr">
+                      <a:noFill/>
+                      <a:prstDash val="solid"/>
+                      <a:round/>
+                      <a:headEnd type="none" w="med" len="med"/>
+                      <a:tailEnd type="none" w="med" len="med"/>
+                    </a:lnR>
+                    <a:lnT w="38100" cap="flat" cmpd="sng" algn="ctr">
+                      <a:solidFill>
+                        <a:schemeClr val="accent5">
+                          <a:lumMod val="50000"/>
+                        </a:schemeClr>
+                      </a:solidFill>
+                      <a:prstDash val="solid"/>
+                      <a:round/>
+                      <a:headEnd type="none" w="med" len="med"/>
+                      <a:tailEnd type="none" w="med" len="med"/>
+                    </a:lnT>
+                    <a:lnB w="38100" cap="flat" cmpd="sng" algn="ctr">
+                      <a:solidFill>
+                        <a:schemeClr val="accent5">
+                          <a:lumMod val="50000"/>
+                        </a:schemeClr>
+                      </a:solidFill>
+                      <a:prstDash val="solid"/>
+                      <a:round/>
+                      <a:headEnd type="none" w="med" len="med"/>
+                      <a:tailEnd type="none" w="med" len="med"/>
+                    </a:lnB>
+                  </a:tcPr>
+                </a:tc>
+                <a:tc>
+                  <a:txBody>
+                    <a:bodyPr/>
+                    <a:lstStyle/>
+                    <a:p>
+                      <a:r>
+                        <a:rPr lang="it-IT" sz="1600" dirty="0">
+                          <a:solidFill>
+                            <a:schemeClr val="accent5">
+                              <a:lumMod val="50000"/>
+                            </a:schemeClr>
+                          </a:solidFill>
+                          <a:latin typeface="+mn-lt"/>
+                        </a:rPr>
+                        <a:t>-1,0387 ***</a:t>
+                      </a:r>
+                    </a:p>
+                  </a:txBody>
+                  <a:tcPr>
+                    <a:lnL w="38100" cap="flat" cmpd="sng" algn="ctr">
+                      <a:noFill/>
+                      <a:prstDash val="solid"/>
+                      <a:round/>
+                      <a:headEnd type="none" w="med" len="med"/>
+                      <a:tailEnd type="none" w="med" len="med"/>
+                    </a:lnL>
+                    <a:lnR w="38100" cap="flat" cmpd="sng" algn="ctr">
+                      <a:solidFill>
+                        <a:schemeClr val="accent5">
+                          <a:lumMod val="50000"/>
+                        </a:schemeClr>
+                      </a:solidFill>
+                      <a:prstDash val="solid"/>
+                      <a:round/>
+                      <a:headEnd type="none" w="med" len="med"/>
+                      <a:tailEnd type="none" w="med" len="med"/>
+                    </a:lnR>
+                    <a:lnT w="38100" cap="flat" cmpd="sng" algn="ctr">
+                      <a:solidFill>
+                        <a:schemeClr val="accent5">
+                          <a:lumMod val="50000"/>
+                        </a:schemeClr>
+                      </a:solidFill>
+                      <a:prstDash val="solid"/>
+                      <a:round/>
+                      <a:headEnd type="none" w="med" len="med"/>
+                      <a:tailEnd type="none" w="med" len="med"/>
+                    </a:lnT>
+                    <a:lnB w="38100" cap="flat" cmpd="sng" algn="ctr">
+                      <a:solidFill>
+                        <a:schemeClr val="accent5">
+                          <a:lumMod val="50000"/>
+                        </a:schemeClr>
+                      </a:solidFill>
+                      <a:prstDash val="solid"/>
+                      <a:round/>
+                      <a:headEnd type="none" w="med" len="med"/>
+                      <a:tailEnd type="none" w="med" len="med"/>
+                    </a:lnB>
+                  </a:tcPr>
+                </a:tc>
+                <a:extLst>
+                  <a:ext uri="{0D108BD9-81ED-4DB2-BD59-A6C34878D82A}">
+                    <a16:rowId xmlns:a16="http://schemas.microsoft.com/office/drawing/2014/main" val="2715422483"/>
+                  </a:ext>
+                </a:extLst>
+              </a:tr>
+              <a:tr h="335280">
+                <a:tc>
+                  <a:txBody>
+                    <a:bodyPr/>
+                    <a:lstStyle/>
+                    <a:p>
+                      <a:r>
+                        <a:rPr lang="it-IT" sz="1600" i="1" dirty="0" err="1">
+                          <a:solidFill>
+                            <a:schemeClr val="accent5">
+                              <a:lumMod val="50000"/>
+                            </a:schemeClr>
+                          </a:solidFill>
+                          <a:latin typeface="+mn-lt"/>
+                        </a:rPr>
+                        <a:t>teach_behav</a:t>
+                      </a:r>
+                      <a:endParaRPr lang="it-IT" sz="1600" i="1" dirty="0">
+                        <a:solidFill>
+                          <a:schemeClr val="accent5">
+                            <a:lumMod val="50000"/>
+                          </a:schemeClr>
+                        </a:solidFill>
+                        <a:latin typeface="+mn-lt"/>
+                      </a:endParaRPr>
+                    </a:p>
+                  </a:txBody>
+                  <a:tcPr>
+                    <a:lnL w="38100" cap="flat" cmpd="sng" algn="ctr">
+                      <a:solidFill>
+                        <a:schemeClr val="accent5">
+                          <a:lumMod val="50000"/>
+                        </a:schemeClr>
+                      </a:solidFill>
+                      <a:prstDash val="solid"/>
+                      <a:round/>
+                      <a:headEnd type="none" w="med" len="med"/>
+                      <a:tailEnd type="none" w="med" len="med"/>
+                    </a:lnL>
+                    <a:lnR w="38100" cap="flat" cmpd="sng" algn="ctr">
+                      <a:noFill/>
+                      <a:prstDash val="solid"/>
+                      <a:round/>
+                      <a:headEnd type="none" w="med" len="med"/>
+                      <a:tailEnd type="none" w="med" len="med"/>
+                    </a:lnR>
+                    <a:lnT w="38100" cap="flat" cmpd="sng" algn="ctr">
+                      <a:solidFill>
+                        <a:schemeClr val="accent5">
+                          <a:lumMod val="50000"/>
+                        </a:schemeClr>
+                      </a:solidFill>
+                      <a:prstDash val="solid"/>
+                      <a:round/>
+                      <a:headEnd type="none" w="med" len="med"/>
+                      <a:tailEnd type="none" w="med" len="med"/>
+                    </a:lnT>
+                    <a:lnB w="38100" cap="flat" cmpd="sng" algn="ctr">
+                      <a:solidFill>
+                        <a:schemeClr val="accent5">
+                          <a:lumMod val="50000"/>
+                        </a:schemeClr>
+                      </a:solidFill>
+                      <a:prstDash val="solid"/>
+                      <a:round/>
+                      <a:headEnd type="none" w="med" len="med"/>
+                      <a:tailEnd type="none" w="med" len="med"/>
+                    </a:lnB>
+                  </a:tcPr>
+                </a:tc>
+                <a:tc>
+                  <a:txBody>
+                    <a:bodyPr/>
+                    <a:lstStyle/>
+                    <a:p>
+                      <a:r>
+                        <a:rPr lang="it-IT" sz="1600" dirty="0">
+                          <a:solidFill>
+                            <a:schemeClr val="accent5">
+                              <a:lumMod val="50000"/>
+                            </a:schemeClr>
+                          </a:solidFill>
+                          <a:latin typeface="+mn-lt"/>
+                        </a:rPr>
+                        <a:t>-0,4717 ***</a:t>
+                      </a:r>
+                    </a:p>
+                  </a:txBody>
+                  <a:tcPr>
+                    <a:lnL w="38100" cap="flat" cmpd="sng" algn="ctr">
+                      <a:noFill/>
+                      <a:prstDash val="solid"/>
+                      <a:round/>
+                      <a:headEnd type="none" w="med" len="med"/>
+                      <a:tailEnd type="none" w="med" len="med"/>
+                    </a:lnL>
+                    <a:lnR w="38100" cap="flat" cmpd="sng" algn="ctr">
+                      <a:noFill/>
+                      <a:prstDash val="solid"/>
+                      <a:round/>
+                      <a:headEnd type="none" w="med" len="med"/>
+                      <a:tailEnd type="none" w="med" len="med"/>
+                    </a:lnR>
+                    <a:lnT w="38100" cap="flat" cmpd="sng" algn="ctr">
+                      <a:solidFill>
+                        <a:schemeClr val="accent5">
+                          <a:lumMod val="50000"/>
+                        </a:schemeClr>
+                      </a:solidFill>
+                      <a:prstDash val="solid"/>
+                      <a:round/>
+                      <a:headEnd type="none" w="med" len="med"/>
+                      <a:tailEnd type="none" w="med" len="med"/>
+                    </a:lnT>
+                    <a:lnB w="38100" cap="flat" cmpd="sng" algn="ctr">
+                      <a:solidFill>
+                        <a:schemeClr val="accent5">
+                          <a:lumMod val="50000"/>
+                        </a:schemeClr>
+                      </a:solidFill>
+                      <a:prstDash val="solid"/>
+                      <a:round/>
+                      <a:headEnd type="none" w="med" len="med"/>
+                      <a:tailEnd type="none" w="med" len="med"/>
+                    </a:lnB>
+                  </a:tcPr>
+                </a:tc>
+                <a:tc>
+                  <a:txBody>
+                    <a:bodyPr/>
+                    <a:lstStyle/>
+                    <a:p>
+                      <a:r>
+                        <a:rPr lang="it-IT" sz="1600" dirty="0">
+                          <a:solidFill>
+                            <a:schemeClr val="accent5">
+                              <a:lumMod val="50000"/>
+                            </a:schemeClr>
+                          </a:solidFill>
+                          <a:latin typeface="+mn-lt"/>
+                        </a:rPr>
+                        <a:t> 0,7049 ***</a:t>
+                      </a:r>
+                    </a:p>
+                  </a:txBody>
+                  <a:tcPr>
+                    <a:lnL w="38100" cap="flat" cmpd="sng" algn="ctr">
+                      <a:noFill/>
+                      <a:prstDash val="solid"/>
+                      <a:round/>
+                      <a:headEnd type="none" w="med" len="med"/>
+                      <a:tailEnd type="none" w="med" len="med"/>
+                    </a:lnL>
+                    <a:lnR w="38100" cap="flat" cmpd="sng" algn="ctr">
+                      <a:solidFill>
+                        <a:schemeClr val="accent5">
+                          <a:lumMod val="50000"/>
+                        </a:schemeClr>
+                      </a:solidFill>
+                      <a:prstDash val="solid"/>
+                      <a:round/>
+                      <a:headEnd type="none" w="med" len="med"/>
+                      <a:tailEnd type="none" w="med" len="med"/>
+                    </a:lnR>
+                    <a:lnT w="38100" cap="flat" cmpd="sng" algn="ctr">
+                      <a:solidFill>
+                        <a:schemeClr val="accent5">
+                          <a:lumMod val="50000"/>
+                        </a:schemeClr>
+                      </a:solidFill>
+                      <a:prstDash val="solid"/>
+                      <a:round/>
+                      <a:headEnd type="none" w="med" len="med"/>
+                      <a:tailEnd type="none" w="med" len="med"/>
+                    </a:lnT>
+                    <a:lnB w="38100" cap="flat" cmpd="sng" algn="ctr">
+                      <a:solidFill>
+                        <a:schemeClr val="accent5">
+                          <a:lumMod val="50000"/>
+                        </a:schemeClr>
+                      </a:solidFill>
+                      <a:prstDash val="solid"/>
+                      <a:round/>
+                      <a:headEnd type="none" w="med" len="med"/>
+                      <a:tailEnd type="none" w="med" len="med"/>
+                    </a:lnB>
+                  </a:tcPr>
+                </a:tc>
+                <a:extLst>
+                  <a:ext uri="{0D108BD9-81ED-4DB2-BD59-A6C34878D82A}">
+                    <a16:rowId xmlns:a16="http://schemas.microsoft.com/office/drawing/2014/main" val="671741562"/>
+                  </a:ext>
+                </a:extLst>
+              </a:tr>
+              <a:tr h="335280">
+                <a:tc>
+                  <a:txBody>
+                    <a:bodyPr/>
+                    <a:lstStyle/>
+                    <a:p>
+                      <a:r>
+                        <a:rPr lang="it-IT" sz="1600" i="1" dirty="0" err="1">
+                          <a:solidFill>
+                            <a:schemeClr val="accent5">
+                              <a:lumMod val="50000"/>
+                            </a:schemeClr>
+                          </a:solidFill>
+                          <a:latin typeface="+mn-lt"/>
+                        </a:rPr>
+                        <a:t>ESCS_status</a:t>
+                      </a:r>
+                      <a:endParaRPr lang="it-IT" sz="1600" i="1" dirty="0">
+                        <a:solidFill>
+                          <a:schemeClr val="accent5">
+                            <a:lumMod val="50000"/>
+                          </a:schemeClr>
+                        </a:solidFill>
+                        <a:latin typeface="+mn-lt"/>
+                      </a:endParaRPr>
+                    </a:p>
+                  </a:txBody>
+                  <a:tcPr>
+                    <a:lnL w="38100" cap="flat" cmpd="sng" algn="ctr">
+                      <a:solidFill>
+                        <a:schemeClr val="accent5">
+                          <a:lumMod val="50000"/>
+                        </a:schemeClr>
+                      </a:solidFill>
+                      <a:prstDash val="solid"/>
+                      <a:round/>
+                      <a:headEnd type="none" w="med" len="med"/>
+                      <a:tailEnd type="none" w="med" len="med"/>
+                    </a:lnL>
+                    <a:lnR w="38100" cap="flat" cmpd="sng" algn="ctr">
+                      <a:noFill/>
+                      <a:prstDash val="solid"/>
+                      <a:round/>
+                      <a:headEnd type="none" w="med" len="med"/>
+                      <a:tailEnd type="none" w="med" len="med"/>
+                    </a:lnR>
+                    <a:lnT w="38100" cap="flat" cmpd="sng" algn="ctr">
+                      <a:solidFill>
+                        <a:schemeClr val="accent5">
+                          <a:lumMod val="50000"/>
+                        </a:schemeClr>
+                      </a:solidFill>
+                      <a:prstDash val="solid"/>
+                      <a:round/>
+                      <a:headEnd type="none" w="med" len="med"/>
+                      <a:tailEnd type="none" w="med" len="med"/>
+                    </a:lnT>
+                    <a:lnB w="38100" cap="flat" cmpd="sng" algn="ctr">
+                      <a:solidFill>
+                        <a:schemeClr val="accent5">
+                          <a:lumMod val="50000"/>
+                        </a:schemeClr>
+                      </a:solidFill>
+                      <a:prstDash val="solid"/>
+                      <a:round/>
+                      <a:headEnd type="none" w="med" len="med"/>
+                      <a:tailEnd type="none" w="med" len="med"/>
+                    </a:lnB>
+                  </a:tcPr>
+                </a:tc>
+                <a:tc>
+                  <a:txBody>
+                    <a:bodyPr/>
+                    <a:lstStyle/>
+                    <a:p>
+                      <a:r>
+                        <a:rPr lang="it-IT" sz="1600" dirty="0">
+                          <a:solidFill>
+                            <a:schemeClr val="accent5">
+                              <a:lumMod val="50000"/>
+                            </a:schemeClr>
+                          </a:solidFill>
+                          <a:latin typeface="+mn-lt"/>
+                        </a:rPr>
+                        <a:t>-0,3464 ***</a:t>
+                      </a:r>
+                    </a:p>
+                  </a:txBody>
+                  <a:tcPr>
+                    <a:lnL w="38100" cap="flat" cmpd="sng" algn="ctr">
+                      <a:noFill/>
+                      <a:prstDash val="solid"/>
+                      <a:round/>
+                      <a:headEnd type="none" w="med" len="med"/>
+                      <a:tailEnd type="none" w="med" len="med"/>
+                    </a:lnL>
+                    <a:lnR w="38100" cap="flat" cmpd="sng" algn="ctr">
+                      <a:noFill/>
+                      <a:prstDash val="solid"/>
+                      <a:round/>
+                      <a:headEnd type="none" w="med" len="med"/>
+                      <a:tailEnd type="none" w="med" len="med"/>
+                    </a:lnR>
+                    <a:lnT w="38100" cap="flat" cmpd="sng" algn="ctr">
+                      <a:solidFill>
+                        <a:schemeClr val="accent5">
+                          <a:lumMod val="50000"/>
+                        </a:schemeClr>
+                      </a:solidFill>
+                      <a:prstDash val="solid"/>
+                      <a:round/>
+                      <a:headEnd type="none" w="med" len="med"/>
+                      <a:tailEnd type="none" w="med" len="med"/>
+                    </a:lnT>
+                    <a:lnB w="38100" cap="flat" cmpd="sng" algn="ctr">
+                      <a:solidFill>
+                        <a:schemeClr val="accent5">
+                          <a:lumMod val="50000"/>
+                        </a:schemeClr>
+                      </a:solidFill>
+                      <a:prstDash val="solid"/>
+                      <a:round/>
+                      <a:headEnd type="none" w="med" len="med"/>
+                      <a:tailEnd type="none" w="med" len="med"/>
+                    </a:lnB>
+                  </a:tcPr>
+                </a:tc>
+                <a:tc>
+                  <a:txBody>
+                    <a:bodyPr/>
+                    <a:lstStyle/>
+                    <a:p>
+                      <a:r>
+                        <a:rPr lang="it-IT" sz="1600" dirty="0">
+                          <a:solidFill>
+                            <a:schemeClr val="accent5">
+                              <a:lumMod val="50000"/>
+                            </a:schemeClr>
+                          </a:solidFill>
+                          <a:latin typeface="+mn-lt"/>
+                        </a:rPr>
+                        <a:t> 0,8281 ***</a:t>
+                      </a:r>
+                    </a:p>
+                  </a:txBody>
+                  <a:tcPr>
+                    <a:lnL w="38100" cap="flat" cmpd="sng" algn="ctr">
+                      <a:noFill/>
+                      <a:prstDash val="solid"/>
+                      <a:round/>
+                      <a:headEnd type="none" w="med" len="med"/>
+                      <a:tailEnd type="none" w="med" len="med"/>
+                    </a:lnL>
+                    <a:lnR w="38100" cap="flat" cmpd="sng" algn="ctr">
+                      <a:solidFill>
+                        <a:schemeClr val="accent5">
+                          <a:lumMod val="50000"/>
+                        </a:schemeClr>
+                      </a:solidFill>
+                      <a:prstDash val="solid"/>
+                      <a:round/>
+                      <a:headEnd type="none" w="med" len="med"/>
+                      <a:tailEnd type="none" w="med" len="med"/>
+                    </a:lnR>
+                    <a:lnT w="38100" cap="flat" cmpd="sng" algn="ctr">
+                      <a:solidFill>
+                        <a:schemeClr val="accent5">
+                          <a:lumMod val="50000"/>
+                        </a:schemeClr>
+                      </a:solidFill>
+                      <a:prstDash val="solid"/>
+                      <a:round/>
+                      <a:headEnd type="none" w="med" len="med"/>
+                      <a:tailEnd type="none" w="med" len="med"/>
+                    </a:lnT>
+                    <a:lnB w="38100" cap="flat" cmpd="sng" algn="ctr">
+                      <a:solidFill>
+                        <a:schemeClr val="accent5">
+                          <a:lumMod val="50000"/>
+                        </a:schemeClr>
+                      </a:solidFill>
+                      <a:prstDash val="solid"/>
+                      <a:round/>
+                      <a:headEnd type="none" w="med" len="med"/>
+                      <a:tailEnd type="none" w="med" len="med"/>
+                    </a:lnB>
+                  </a:tcPr>
+                </a:tc>
+                <a:extLst>
+                  <a:ext uri="{0D108BD9-81ED-4DB2-BD59-A6C34878D82A}">
+                    <a16:rowId xmlns:a16="http://schemas.microsoft.com/office/drawing/2014/main" val="3497185365"/>
+                  </a:ext>
+                </a:extLst>
+              </a:tr>
+            </a:tbl>
+          </a:graphicData>
+        </a:graphic>
+      </p:graphicFrame>
+      <p:graphicFrame>
+        <p:nvGraphicFramePr>
+          <p:cNvPr id="39" name="Table 21">
+            <a:extLst>
+              <a:ext uri="{FF2B5EF4-FFF2-40B4-BE49-F238E27FC236}">
+                <a16:creationId xmlns:a16="http://schemas.microsoft.com/office/drawing/2014/main" id="{61DBEE06-71A8-9505-84BC-27E962A3EF3F}"/>
+              </a:ext>
+            </a:extLst>
+          </p:cNvPr>
+          <p:cNvGraphicFramePr>
+            <a:graphicFrameLocks noGrp="1"/>
+          </p:cNvGraphicFramePr>
+          <p:nvPr>
+            <p:extLst>
+              <p:ext uri="{D42A27DB-BD31-4B8C-83A1-F6EECF244321}">
+                <p14:modId xmlns:p14="http://schemas.microsoft.com/office/powerpoint/2010/main" val="1110999223"/>
+              </p:ext>
+            </p:extLst>
+          </p:nvPr>
+        </p:nvGraphicFramePr>
+        <p:xfrm>
+          <a:off x="27176782" y="26332395"/>
+          <a:ext cx="4512192" cy="3688080"/>
+        </p:xfrm>
+        <a:graphic>
+          <a:graphicData uri="http://schemas.openxmlformats.org/drawingml/2006/table">
+            <a:tbl>
+              <a:tblPr firstRow="1" bandRow="1"/>
+              <a:tblGrid>
+                <a:gridCol w="1616185">
+                  <a:extLst>
+                    <a:ext uri="{9D8B030D-6E8A-4147-A177-3AD203B41FA5}">
+                      <a16:colId xmlns:a16="http://schemas.microsoft.com/office/drawing/2014/main" val="857910294"/>
+                    </a:ext>
+                  </a:extLst>
+                </a:gridCol>
+                <a:gridCol w="1488559">
+                  <a:extLst>
+                    <a:ext uri="{9D8B030D-6E8A-4147-A177-3AD203B41FA5}">
+                      <a16:colId xmlns:a16="http://schemas.microsoft.com/office/drawing/2014/main" val="3509235413"/>
+                    </a:ext>
+                  </a:extLst>
+                </a:gridCol>
+                <a:gridCol w="1407448">
+                  <a:extLst>
+                    <a:ext uri="{9D8B030D-6E8A-4147-A177-3AD203B41FA5}">
+                      <a16:colId xmlns:a16="http://schemas.microsoft.com/office/drawing/2014/main" val="4213556645"/>
+                    </a:ext>
+                  </a:extLst>
+                </a:gridCol>
+              </a:tblGrid>
+              <a:tr h="311860">
+                <a:tc>
+                  <a:txBody>
+                    <a:bodyPr/>
+                    <a:lstStyle/>
+                    <a:p>
+                      <a:r>
+                        <a:rPr lang="it-IT" sz="1600" b="1" dirty="0">
+                          <a:solidFill>
+                            <a:schemeClr val="accent5">
+                              <a:lumMod val="50000"/>
+                            </a:schemeClr>
+                          </a:solidFill>
+                          <a:latin typeface="+mn-lt"/>
+                        </a:rPr>
+                        <a:t>GBR </a:t>
+                      </a:r>
+                      <a:r>
+                        <a:rPr lang="it-IT" sz="1600" b="1" dirty="0" err="1">
+                          <a:solidFill>
+                            <a:schemeClr val="accent5">
+                              <a:lumMod val="50000"/>
+                            </a:schemeClr>
+                          </a:solidFill>
+                          <a:latin typeface="+mn-lt"/>
+                        </a:rPr>
+                        <a:t>read</a:t>
+                      </a:r>
+                      <a:endParaRPr lang="it-IT" sz="1600" b="1" dirty="0">
+                        <a:solidFill>
+                          <a:schemeClr val="accent5">
+                            <a:lumMod val="50000"/>
+                          </a:schemeClr>
+                        </a:solidFill>
+                        <a:latin typeface="+mn-lt"/>
+                      </a:endParaRPr>
+                    </a:p>
+                  </a:txBody>
+                  <a:tcPr>
+                    <a:lnL w="38100" cap="flat" cmpd="sng" algn="ctr">
+                      <a:solidFill>
+                        <a:schemeClr val="accent5">
+                          <a:lumMod val="50000"/>
+                        </a:schemeClr>
+                      </a:solidFill>
+                      <a:prstDash val="solid"/>
+                      <a:round/>
+                      <a:headEnd type="none" w="med" len="med"/>
+                      <a:tailEnd type="none" w="med" len="med"/>
+                    </a:lnL>
+                    <a:lnR w="38100" cap="flat" cmpd="sng" algn="ctr">
+                      <a:noFill/>
+                      <a:prstDash val="solid"/>
+                      <a:round/>
+                      <a:headEnd type="none" w="med" len="med"/>
+                      <a:tailEnd type="none" w="med" len="med"/>
+                    </a:lnR>
+                    <a:lnT w="38100" cap="flat" cmpd="sng" algn="ctr">
+                      <a:solidFill>
+                        <a:schemeClr val="accent5">
+                          <a:lumMod val="50000"/>
+                        </a:schemeClr>
+                      </a:solidFill>
+                      <a:prstDash val="solid"/>
+                      <a:round/>
+                      <a:headEnd type="none" w="med" len="med"/>
+                      <a:tailEnd type="none" w="med" len="med"/>
+                    </a:lnT>
+                    <a:lnB w="38100" cap="flat" cmpd="sng" algn="ctr">
+                      <a:solidFill>
+                        <a:schemeClr val="accent5">
+                          <a:lumMod val="50000"/>
+                        </a:schemeClr>
+                      </a:solidFill>
+                      <a:prstDash val="solid"/>
+                      <a:round/>
+                      <a:headEnd type="none" w="med" len="med"/>
+                      <a:tailEnd type="none" w="med" len="med"/>
+                    </a:lnB>
+                  </a:tcPr>
+                </a:tc>
+                <a:tc>
+                  <a:txBody>
+                    <a:bodyPr/>
+                    <a:lstStyle/>
+                    <a:p>
+                      <a:r>
+                        <a:rPr lang="it-IT" sz="1600" i="1" dirty="0" err="1">
+                          <a:solidFill>
+                            <a:schemeClr val="accent5">
+                              <a:lumMod val="50000"/>
+                            </a:schemeClr>
+                          </a:solidFill>
+                          <a:latin typeface="+mn-lt"/>
+                        </a:rPr>
+                        <a:t>Worst</a:t>
+                      </a:r>
+                      <a:r>
+                        <a:rPr lang="it-IT" sz="1600" i="1" dirty="0">
+                          <a:solidFill>
+                            <a:schemeClr val="accent5">
+                              <a:lumMod val="50000"/>
+                            </a:schemeClr>
+                          </a:solidFill>
+                          <a:latin typeface="+mn-lt"/>
+                        </a:rPr>
+                        <a:t> Schools</a:t>
+                      </a:r>
+                    </a:p>
+                  </a:txBody>
+                  <a:tcPr>
+                    <a:lnL w="38100" cap="flat" cmpd="sng" algn="ctr">
+                      <a:noFill/>
+                      <a:prstDash val="solid"/>
+                      <a:round/>
+                      <a:headEnd type="none" w="med" len="med"/>
+                      <a:tailEnd type="none" w="med" len="med"/>
+                    </a:lnL>
+                    <a:lnR w="38100" cap="flat" cmpd="sng" algn="ctr">
+                      <a:noFill/>
+                      <a:prstDash val="solid"/>
+                      <a:round/>
+                      <a:headEnd type="none" w="med" len="med"/>
+                      <a:tailEnd type="none" w="med" len="med"/>
+                    </a:lnR>
+                    <a:lnT w="38100" cap="flat" cmpd="sng" algn="ctr">
+                      <a:solidFill>
+                        <a:schemeClr val="accent5">
+                          <a:lumMod val="50000"/>
+                        </a:schemeClr>
+                      </a:solidFill>
+                      <a:prstDash val="solid"/>
+                      <a:round/>
+                      <a:headEnd type="none" w="med" len="med"/>
+                      <a:tailEnd type="none" w="med" len="med"/>
+                    </a:lnT>
+                    <a:lnB w="38100" cap="flat" cmpd="sng" algn="ctr">
+                      <a:solidFill>
+                        <a:schemeClr val="accent5">
+                          <a:lumMod val="50000"/>
+                        </a:schemeClr>
+                      </a:solidFill>
+                      <a:prstDash val="solid"/>
+                      <a:round/>
+                      <a:headEnd type="none" w="med" len="med"/>
+                      <a:tailEnd type="none" w="med" len="med"/>
+                    </a:lnB>
+                  </a:tcPr>
+                </a:tc>
+                <a:tc>
+                  <a:txBody>
+                    <a:bodyPr/>
+                    <a:lstStyle/>
+                    <a:p>
+                      <a:r>
+                        <a:rPr lang="it-IT" sz="1600" i="1" dirty="0">
+                          <a:solidFill>
+                            <a:schemeClr val="accent5">
+                              <a:lumMod val="50000"/>
+                            </a:schemeClr>
+                          </a:solidFill>
+                          <a:latin typeface="+mn-lt"/>
+                        </a:rPr>
+                        <a:t>Best Schools</a:t>
+                      </a:r>
+                    </a:p>
+                  </a:txBody>
+                  <a:tcPr>
+                    <a:lnL w="38100" cap="flat" cmpd="sng" algn="ctr">
+                      <a:noFill/>
+                      <a:prstDash val="solid"/>
+                      <a:round/>
+                      <a:headEnd type="none" w="med" len="med"/>
+                      <a:tailEnd type="none" w="med" len="med"/>
+                    </a:lnL>
+                    <a:lnR w="38100" cap="flat" cmpd="sng" algn="ctr">
+                      <a:solidFill>
+                        <a:schemeClr val="accent5">
+                          <a:lumMod val="50000"/>
+                        </a:schemeClr>
+                      </a:solidFill>
+                      <a:prstDash val="solid"/>
+                      <a:round/>
+                      <a:headEnd type="none" w="med" len="med"/>
+                      <a:tailEnd type="none" w="med" len="med"/>
+                    </a:lnR>
+                    <a:lnT w="38100" cap="flat" cmpd="sng" algn="ctr">
+                      <a:solidFill>
+                        <a:schemeClr val="accent5">
+                          <a:lumMod val="50000"/>
+                        </a:schemeClr>
+                      </a:solidFill>
+                      <a:prstDash val="solid"/>
+                      <a:round/>
+                      <a:headEnd type="none" w="med" len="med"/>
+                      <a:tailEnd type="none" w="med" len="med"/>
+                    </a:lnT>
+                    <a:lnB w="38100" cap="flat" cmpd="sng" algn="ctr">
+                      <a:solidFill>
+                        <a:schemeClr val="accent5">
+                          <a:lumMod val="50000"/>
+                        </a:schemeClr>
+                      </a:solidFill>
+                      <a:prstDash val="solid"/>
+                      <a:round/>
+                      <a:headEnd type="none" w="med" len="med"/>
+                      <a:tailEnd type="none" w="med" len="med"/>
+                    </a:lnB>
+                  </a:tcPr>
+                </a:tc>
+                <a:extLst>
+                  <a:ext uri="{0D108BD9-81ED-4DB2-BD59-A6C34878D82A}">
+                    <a16:rowId xmlns:a16="http://schemas.microsoft.com/office/drawing/2014/main" val="2509250468"/>
+                  </a:ext>
+                </a:extLst>
+              </a:tr>
+              <a:tr h="311860">
+                <a:tc>
+                  <a:txBody>
+                    <a:bodyPr/>
+                    <a:lstStyle/>
+                    <a:p>
+                      <a:r>
+                        <a:rPr lang="it-IT" sz="1600" i="1" dirty="0" err="1">
+                          <a:solidFill>
+                            <a:schemeClr val="accent5">
+                              <a:lumMod val="50000"/>
+                            </a:schemeClr>
+                          </a:solidFill>
+                          <a:latin typeface="+mn-lt"/>
+                        </a:rPr>
+                        <a:t>fear_failure</a:t>
+                      </a:r>
+                      <a:endParaRPr lang="it-IT" sz="1600" i="1" dirty="0">
+                        <a:solidFill>
+                          <a:schemeClr val="accent5">
+                            <a:lumMod val="50000"/>
+                          </a:schemeClr>
+                        </a:solidFill>
+                        <a:latin typeface="+mn-lt"/>
+                      </a:endParaRPr>
+                    </a:p>
+                  </a:txBody>
+                  <a:tcPr>
+                    <a:lnL w="38100" cap="flat" cmpd="sng" algn="ctr">
+                      <a:solidFill>
+                        <a:schemeClr val="accent5">
+                          <a:lumMod val="50000"/>
+                        </a:schemeClr>
+                      </a:solidFill>
+                      <a:prstDash val="solid"/>
+                      <a:round/>
+                      <a:headEnd type="none" w="med" len="med"/>
+                      <a:tailEnd type="none" w="med" len="med"/>
+                    </a:lnL>
+                    <a:lnR w="38100" cap="flat" cmpd="sng" algn="ctr">
+                      <a:noFill/>
+                      <a:prstDash val="solid"/>
+                      <a:round/>
+                      <a:headEnd type="none" w="med" len="med"/>
+                      <a:tailEnd type="none" w="med" len="med"/>
+                    </a:lnR>
+                    <a:lnT w="38100" cap="flat" cmpd="sng" algn="ctr">
+                      <a:solidFill>
+                        <a:schemeClr val="accent5">
+                          <a:lumMod val="50000"/>
+                        </a:schemeClr>
+                      </a:solidFill>
+                      <a:prstDash val="solid"/>
+                      <a:round/>
+                      <a:headEnd type="none" w="med" len="med"/>
+                      <a:tailEnd type="none" w="med" len="med"/>
+                    </a:lnT>
+                    <a:lnB w="38100" cap="flat" cmpd="sng" algn="ctr">
+                      <a:solidFill>
+                        <a:schemeClr val="accent5">
+                          <a:lumMod val="50000"/>
+                        </a:schemeClr>
+                      </a:solidFill>
+                      <a:prstDash val="solid"/>
+                      <a:round/>
+                      <a:headEnd type="none" w="med" len="med"/>
+                      <a:tailEnd type="none" w="med" len="med"/>
+                    </a:lnB>
+                  </a:tcPr>
+                </a:tc>
+                <a:tc>
+                  <a:txBody>
+                    <a:bodyPr/>
+                    <a:lstStyle/>
+                    <a:p>
+                      <a:r>
+                        <a:rPr lang="it-IT" sz="1600" dirty="0">
+                          <a:solidFill>
+                            <a:schemeClr val="accent5">
+                              <a:lumMod val="50000"/>
+                            </a:schemeClr>
+                          </a:solidFill>
+                          <a:latin typeface="+mn-lt"/>
+                        </a:rPr>
+                        <a:t>-0,0092</a:t>
+                      </a:r>
+                    </a:p>
+                  </a:txBody>
+                  <a:tcPr>
+                    <a:lnL w="38100" cap="flat" cmpd="sng" algn="ctr">
+                      <a:noFill/>
+                      <a:prstDash val="solid"/>
+                      <a:round/>
+                      <a:headEnd type="none" w="med" len="med"/>
+                      <a:tailEnd type="none" w="med" len="med"/>
+                    </a:lnL>
+                    <a:lnR w="38100" cap="flat" cmpd="sng" algn="ctr">
+                      <a:noFill/>
+                      <a:prstDash val="solid"/>
+                      <a:round/>
+                      <a:headEnd type="none" w="med" len="med"/>
+                      <a:tailEnd type="none" w="med" len="med"/>
+                    </a:lnR>
+                    <a:lnT w="38100" cap="flat" cmpd="sng" algn="ctr">
+                      <a:solidFill>
+                        <a:schemeClr val="accent5">
+                          <a:lumMod val="50000"/>
+                        </a:schemeClr>
+                      </a:solidFill>
+                      <a:prstDash val="solid"/>
+                      <a:round/>
+                      <a:headEnd type="none" w="med" len="med"/>
+                      <a:tailEnd type="none" w="med" len="med"/>
+                    </a:lnT>
+                    <a:lnB w="38100" cap="flat" cmpd="sng" algn="ctr">
+                      <a:solidFill>
+                        <a:schemeClr val="accent5">
+                          <a:lumMod val="50000"/>
+                        </a:schemeClr>
+                      </a:solidFill>
+                      <a:prstDash val="solid"/>
+                      <a:round/>
+                      <a:headEnd type="none" w="med" len="med"/>
+                      <a:tailEnd type="none" w="med" len="med"/>
+                    </a:lnB>
+                  </a:tcPr>
+                </a:tc>
+                <a:tc>
+                  <a:txBody>
+                    <a:bodyPr/>
+                    <a:lstStyle/>
+                    <a:p>
+                      <a:r>
+                        <a:rPr lang="it-IT" sz="1600" dirty="0">
+                          <a:solidFill>
+                            <a:schemeClr val="accent5">
+                              <a:lumMod val="50000"/>
+                            </a:schemeClr>
+                          </a:solidFill>
+                          <a:latin typeface="+mn-lt"/>
+                        </a:rPr>
+                        <a:t> 0,1815 *</a:t>
+                      </a:r>
+                    </a:p>
+                  </a:txBody>
+                  <a:tcPr>
+                    <a:lnL w="38100" cap="flat" cmpd="sng" algn="ctr">
+                      <a:noFill/>
+                      <a:prstDash val="solid"/>
+                      <a:round/>
+                      <a:headEnd type="none" w="med" len="med"/>
+                      <a:tailEnd type="none" w="med" len="med"/>
+                    </a:lnL>
+                    <a:lnR w="38100" cap="flat" cmpd="sng" algn="ctr">
+                      <a:solidFill>
+                        <a:schemeClr val="accent5">
+                          <a:lumMod val="50000"/>
+                        </a:schemeClr>
+                      </a:solidFill>
+                      <a:prstDash val="solid"/>
+                      <a:round/>
+                      <a:headEnd type="none" w="med" len="med"/>
+                      <a:tailEnd type="none" w="med" len="med"/>
+                    </a:lnR>
+                    <a:lnT w="38100" cap="flat" cmpd="sng" algn="ctr">
+                      <a:solidFill>
+                        <a:schemeClr val="accent5">
+                          <a:lumMod val="50000"/>
+                        </a:schemeClr>
+                      </a:solidFill>
+                      <a:prstDash val="solid"/>
+                      <a:round/>
+                      <a:headEnd type="none" w="med" len="med"/>
+                      <a:tailEnd type="none" w="med" len="med"/>
+                    </a:lnT>
+                    <a:lnB w="38100" cap="flat" cmpd="sng" algn="ctr">
+                      <a:solidFill>
+                        <a:schemeClr val="accent5">
+                          <a:lumMod val="50000"/>
+                        </a:schemeClr>
+                      </a:solidFill>
+                      <a:prstDash val="solid"/>
+                      <a:round/>
+                      <a:headEnd type="none" w="med" len="med"/>
+                      <a:tailEnd type="none" w="med" len="med"/>
+                    </a:lnB>
+                  </a:tcPr>
+                </a:tc>
+                <a:extLst>
+                  <a:ext uri="{0D108BD9-81ED-4DB2-BD59-A6C34878D82A}">
+                    <a16:rowId xmlns:a16="http://schemas.microsoft.com/office/drawing/2014/main" val="2239950321"/>
+                  </a:ext>
+                </a:extLst>
+              </a:tr>
+              <a:tr h="311860">
+                <a:tc>
+                  <a:txBody>
+                    <a:bodyPr/>
+                    <a:lstStyle/>
+                    <a:p>
+                      <a:r>
+                        <a:rPr lang="it-IT" sz="1600" i="1" dirty="0" err="1">
+                          <a:solidFill>
+                            <a:schemeClr val="accent5">
+                              <a:lumMod val="50000"/>
+                            </a:schemeClr>
+                          </a:solidFill>
+                          <a:latin typeface="+mn-lt"/>
+                        </a:rPr>
+                        <a:t>belonging</a:t>
+                      </a:r>
+                      <a:endParaRPr lang="it-IT" sz="1600" i="1" dirty="0">
+                        <a:solidFill>
+                          <a:schemeClr val="accent5">
+                            <a:lumMod val="50000"/>
+                          </a:schemeClr>
+                        </a:solidFill>
+                        <a:latin typeface="+mn-lt"/>
+                      </a:endParaRPr>
+                    </a:p>
+                  </a:txBody>
+                  <a:tcPr>
+                    <a:lnL w="38100" cap="flat" cmpd="sng" algn="ctr">
+                      <a:solidFill>
+                        <a:schemeClr val="accent5">
+                          <a:lumMod val="50000"/>
+                        </a:schemeClr>
+                      </a:solidFill>
+                      <a:prstDash val="solid"/>
+                      <a:round/>
+                      <a:headEnd type="none" w="med" len="med"/>
+                      <a:tailEnd type="none" w="med" len="med"/>
+                    </a:lnL>
+                    <a:lnR w="38100" cap="flat" cmpd="sng" algn="ctr">
+                      <a:noFill/>
+                      <a:prstDash val="solid"/>
+                      <a:round/>
+                      <a:headEnd type="none" w="med" len="med"/>
+                      <a:tailEnd type="none" w="med" len="med"/>
+                    </a:lnR>
+                    <a:lnT w="38100" cap="flat" cmpd="sng" algn="ctr">
+                      <a:solidFill>
+                        <a:schemeClr val="accent5">
+                          <a:lumMod val="50000"/>
+                        </a:schemeClr>
+                      </a:solidFill>
+                      <a:prstDash val="solid"/>
+                      <a:round/>
+                      <a:headEnd type="none" w="med" len="med"/>
+                      <a:tailEnd type="none" w="med" len="med"/>
+                    </a:lnT>
+                    <a:lnB w="38100" cap="flat" cmpd="sng" algn="ctr">
+                      <a:solidFill>
+                        <a:schemeClr val="accent5">
+                          <a:lumMod val="50000"/>
+                        </a:schemeClr>
+                      </a:solidFill>
+                      <a:prstDash val="solid"/>
+                      <a:round/>
+                      <a:headEnd type="none" w="med" len="med"/>
+                      <a:tailEnd type="none" w="med" len="med"/>
+                    </a:lnB>
+                  </a:tcPr>
+                </a:tc>
+                <a:tc>
+                  <a:txBody>
+                    <a:bodyPr/>
+                    <a:lstStyle/>
+                    <a:p>
+                      <a:r>
+                        <a:rPr lang="it-IT" sz="1600" dirty="0">
+                          <a:solidFill>
+                            <a:schemeClr val="accent5">
+                              <a:lumMod val="50000"/>
+                            </a:schemeClr>
+                          </a:solidFill>
+                          <a:latin typeface="+mn-lt"/>
+                        </a:rPr>
+                        <a:t> 0,0571</a:t>
+                      </a:r>
+                    </a:p>
+                  </a:txBody>
+                  <a:tcPr>
+                    <a:lnL w="38100" cap="flat" cmpd="sng" algn="ctr">
+                      <a:noFill/>
+                      <a:prstDash val="solid"/>
+                      <a:round/>
+                      <a:headEnd type="none" w="med" len="med"/>
+                      <a:tailEnd type="none" w="med" len="med"/>
+                    </a:lnL>
+                    <a:lnR w="38100" cap="flat" cmpd="sng" algn="ctr">
+                      <a:noFill/>
+                      <a:prstDash val="solid"/>
+                      <a:round/>
+                      <a:headEnd type="none" w="med" len="med"/>
+                      <a:tailEnd type="none" w="med" len="med"/>
+                    </a:lnR>
+                    <a:lnT w="38100" cap="flat" cmpd="sng" algn="ctr">
+                      <a:solidFill>
+                        <a:schemeClr val="accent5">
+                          <a:lumMod val="50000"/>
+                        </a:schemeClr>
+                      </a:solidFill>
+                      <a:prstDash val="solid"/>
+                      <a:round/>
+                      <a:headEnd type="none" w="med" len="med"/>
+                      <a:tailEnd type="none" w="med" len="med"/>
+                    </a:lnT>
+                    <a:lnB w="38100" cap="flat" cmpd="sng" algn="ctr">
+                      <a:solidFill>
+                        <a:schemeClr val="accent5">
+                          <a:lumMod val="50000"/>
+                        </a:schemeClr>
+                      </a:solidFill>
+                      <a:prstDash val="solid"/>
+                      <a:round/>
+                      <a:headEnd type="none" w="med" len="med"/>
+                      <a:tailEnd type="none" w="med" len="med"/>
+                    </a:lnB>
+                  </a:tcPr>
+                </a:tc>
+                <a:tc>
+                  <a:txBody>
+                    <a:bodyPr/>
+                    <a:lstStyle/>
+                    <a:p>
+                      <a:r>
+                        <a:rPr lang="it-IT" sz="1600" dirty="0">
+                          <a:solidFill>
+                            <a:schemeClr val="accent5">
+                              <a:lumMod val="50000"/>
+                            </a:schemeClr>
+                          </a:solidFill>
+                          <a:latin typeface="+mn-lt"/>
+                        </a:rPr>
+                        <a:t> 0,2045 *</a:t>
+                      </a:r>
+                    </a:p>
+                  </a:txBody>
+                  <a:tcPr>
+                    <a:lnL w="38100" cap="flat" cmpd="sng" algn="ctr">
+                      <a:noFill/>
+                      <a:prstDash val="solid"/>
+                      <a:round/>
+                      <a:headEnd type="none" w="med" len="med"/>
+                      <a:tailEnd type="none" w="med" len="med"/>
+                    </a:lnL>
+                    <a:lnR w="38100" cap="flat" cmpd="sng" algn="ctr">
+                      <a:solidFill>
+                        <a:schemeClr val="accent5">
+                          <a:lumMod val="50000"/>
+                        </a:schemeClr>
+                      </a:solidFill>
+                      <a:prstDash val="solid"/>
+                      <a:round/>
+                      <a:headEnd type="none" w="med" len="med"/>
+                      <a:tailEnd type="none" w="med" len="med"/>
+                    </a:lnR>
+                    <a:lnT w="38100" cap="flat" cmpd="sng" algn="ctr">
+                      <a:solidFill>
+                        <a:schemeClr val="accent5">
+                          <a:lumMod val="50000"/>
+                        </a:schemeClr>
+                      </a:solidFill>
+                      <a:prstDash val="solid"/>
+                      <a:round/>
+                      <a:headEnd type="none" w="med" len="med"/>
+                      <a:tailEnd type="none" w="med" len="med"/>
+                    </a:lnT>
+                    <a:lnB w="38100" cap="flat" cmpd="sng" algn="ctr">
+                      <a:solidFill>
+                        <a:schemeClr val="accent5">
+                          <a:lumMod val="50000"/>
+                        </a:schemeClr>
+                      </a:solidFill>
+                      <a:prstDash val="solid"/>
+                      <a:round/>
+                      <a:headEnd type="none" w="med" len="med"/>
+                      <a:tailEnd type="none" w="med" len="med"/>
+                    </a:lnB>
+                  </a:tcPr>
+                </a:tc>
+                <a:extLst>
+                  <a:ext uri="{0D108BD9-81ED-4DB2-BD59-A6C34878D82A}">
+                    <a16:rowId xmlns:a16="http://schemas.microsoft.com/office/drawing/2014/main" val="842589258"/>
+                  </a:ext>
+                </a:extLst>
+              </a:tr>
+              <a:tr h="311860">
+                <a:tc>
+                  <a:txBody>
+                    <a:bodyPr/>
+                    <a:lstStyle/>
+                    <a:p>
+                      <a:r>
+                        <a:rPr lang="it-IT" sz="1600" i="1" dirty="0" err="1">
+                          <a:solidFill>
+                            <a:schemeClr val="accent5">
+                              <a:lumMod val="50000"/>
+                            </a:schemeClr>
+                          </a:solidFill>
+                          <a:latin typeface="+mn-lt"/>
+                        </a:rPr>
+                        <a:t>bullied</a:t>
+                      </a:r>
+                      <a:endParaRPr lang="it-IT" sz="1600" i="1" dirty="0">
+                        <a:solidFill>
+                          <a:schemeClr val="accent5">
+                            <a:lumMod val="50000"/>
+                          </a:schemeClr>
+                        </a:solidFill>
+                        <a:latin typeface="+mn-lt"/>
+                      </a:endParaRPr>
+                    </a:p>
+                  </a:txBody>
+                  <a:tcPr>
+                    <a:lnL w="38100" cap="flat" cmpd="sng" algn="ctr">
+                      <a:solidFill>
+                        <a:schemeClr val="accent5">
+                          <a:lumMod val="50000"/>
+                        </a:schemeClr>
+                      </a:solidFill>
+                      <a:prstDash val="solid"/>
+                      <a:round/>
+                      <a:headEnd type="none" w="med" len="med"/>
+                      <a:tailEnd type="none" w="med" len="med"/>
+                    </a:lnL>
+                    <a:lnR w="38100" cap="flat" cmpd="sng" algn="ctr">
+                      <a:noFill/>
+                      <a:prstDash val="solid"/>
+                      <a:round/>
+                      <a:headEnd type="none" w="med" len="med"/>
+                      <a:tailEnd type="none" w="med" len="med"/>
+                    </a:lnR>
+                    <a:lnT w="38100" cap="flat" cmpd="sng" algn="ctr">
+                      <a:solidFill>
+                        <a:schemeClr val="accent5">
+                          <a:lumMod val="50000"/>
+                        </a:schemeClr>
+                      </a:solidFill>
+                      <a:prstDash val="solid"/>
+                      <a:round/>
+                      <a:headEnd type="none" w="med" len="med"/>
+                      <a:tailEnd type="none" w="med" len="med"/>
+                    </a:lnT>
+                    <a:lnB w="38100" cap="flat" cmpd="sng" algn="ctr">
+                      <a:solidFill>
+                        <a:schemeClr val="accent5">
+                          <a:lumMod val="50000"/>
+                        </a:schemeClr>
+                      </a:solidFill>
+                      <a:prstDash val="solid"/>
+                      <a:round/>
+                      <a:headEnd type="none" w="med" len="med"/>
+                      <a:tailEnd type="none" w="med" len="med"/>
+                    </a:lnB>
+                  </a:tcPr>
+                </a:tc>
+                <a:tc>
+                  <a:txBody>
+                    <a:bodyPr/>
+                    <a:lstStyle/>
+                    <a:p>
+                      <a:r>
+                        <a:rPr lang="it-IT" sz="1600" dirty="0">
+                          <a:solidFill>
+                            <a:schemeClr val="accent5">
+                              <a:lumMod val="50000"/>
+                            </a:schemeClr>
+                          </a:solidFill>
+                          <a:latin typeface="+mn-lt"/>
+                        </a:rPr>
+                        <a:t> 0,2552 *</a:t>
+                      </a:r>
+                    </a:p>
+                  </a:txBody>
+                  <a:tcPr>
+                    <a:lnL w="38100" cap="flat" cmpd="sng" algn="ctr">
+                      <a:noFill/>
+                      <a:prstDash val="solid"/>
+                      <a:round/>
+                      <a:headEnd type="none" w="med" len="med"/>
+                      <a:tailEnd type="none" w="med" len="med"/>
+                    </a:lnL>
+                    <a:lnR w="38100" cap="flat" cmpd="sng" algn="ctr">
+                      <a:noFill/>
+                      <a:prstDash val="solid"/>
+                      <a:round/>
+                      <a:headEnd type="none" w="med" len="med"/>
+                      <a:tailEnd type="none" w="med" len="med"/>
+                    </a:lnR>
+                    <a:lnT w="38100" cap="flat" cmpd="sng" algn="ctr">
+                      <a:solidFill>
+                        <a:schemeClr val="accent5">
+                          <a:lumMod val="50000"/>
+                        </a:schemeClr>
+                      </a:solidFill>
+                      <a:prstDash val="solid"/>
+                      <a:round/>
+                      <a:headEnd type="none" w="med" len="med"/>
+                      <a:tailEnd type="none" w="med" len="med"/>
+                    </a:lnT>
+                    <a:lnB w="38100" cap="flat" cmpd="sng" algn="ctr">
+                      <a:solidFill>
+                        <a:schemeClr val="accent5">
+                          <a:lumMod val="50000"/>
+                        </a:schemeClr>
+                      </a:solidFill>
+                      <a:prstDash val="solid"/>
+                      <a:round/>
+                      <a:headEnd type="none" w="med" len="med"/>
+                      <a:tailEnd type="none" w="med" len="med"/>
+                    </a:lnB>
+                  </a:tcPr>
+                </a:tc>
+                <a:tc>
+                  <a:txBody>
+                    <a:bodyPr/>
+                    <a:lstStyle/>
+                    <a:p>
+                      <a:r>
+                        <a:rPr lang="it-IT" sz="1600" dirty="0">
+                          <a:solidFill>
+                            <a:schemeClr val="accent5">
+                              <a:lumMod val="50000"/>
+                            </a:schemeClr>
+                          </a:solidFill>
+                          <a:latin typeface="+mn-lt"/>
+                        </a:rPr>
+                        <a:t> 0,0101</a:t>
+                      </a:r>
+                    </a:p>
+                  </a:txBody>
+                  <a:tcPr>
+                    <a:lnL w="38100" cap="flat" cmpd="sng" algn="ctr">
+                      <a:noFill/>
+                      <a:prstDash val="solid"/>
+                      <a:round/>
+                      <a:headEnd type="none" w="med" len="med"/>
+                      <a:tailEnd type="none" w="med" len="med"/>
+                    </a:lnL>
+                    <a:lnR w="38100" cap="flat" cmpd="sng" algn="ctr">
+                      <a:solidFill>
+                        <a:schemeClr val="accent5">
+                          <a:lumMod val="50000"/>
+                        </a:schemeClr>
+                      </a:solidFill>
+                      <a:prstDash val="solid"/>
+                      <a:round/>
+                      <a:headEnd type="none" w="med" len="med"/>
+                      <a:tailEnd type="none" w="med" len="med"/>
+                    </a:lnR>
+                    <a:lnT w="38100" cap="flat" cmpd="sng" algn="ctr">
+                      <a:solidFill>
+                        <a:schemeClr val="accent5">
+                          <a:lumMod val="50000"/>
+                        </a:schemeClr>
+                      </a:solidFill>
+                      <a:prstDash val="solid"/>
+                      <a:round/>
+                      <a:headEnd type="none" w="med" len="med"/>
+                      <a:tailEnd type="none" w="med" len="med"/>
+                    </a:lnT>
+                    <a:lnB w="38100" cap="flat" cmpd="sng" algn="ctr">
+                      <a:solidFill>
+                        <a:schemeClr val="accent5">
+                          <a:lumMod val="50000"/>
+                        </a:schemeClr>
+                      </a:solidFill>
+                      <a:prstDash val="solid"/>
+                      <a:round/>
+                      <a:headEnd type="none" w="med" len="med"/>
+                      <a:tailEnd type="none" w="med" len="med"/>
+                    </a:lnB>
+                  </a:tcPr>
+                </a:tc>
+                <a:extLst>
+                  <a:ext uri="{0D108BD9-81ED-4DB2-BD59-A6C34878D82A}">
+                    <a16:rowId xmlns:a16="http://schemas.microsoft.com/office/drawing/2014/main" val="582944627"/>
+                  </a:ext>
+                </a:extLst>
+              </a:tr>
+              <a:tr h="311860">
+                <a:tc>
+                  <a:txBody>
+                    <a:bodyPr/>
+                    <a:lstStyle/>
+                    <a:p>
+                      <a:r>
+                        <a:rPr lang="it-IT" sz="1600" i="1" dirty="0" err="1">
+                          <a:solidFill>
+                            <a:schemeClr val="accent5">
+                              <a:lumMod val="50000"/>
+                            </a:schemeClr>
+                          </a:solidFill>
+                          <a:latin typeface="+mn-lt"/>
+                        </a:rPr>
+                        <a:t>teacher_support</a:t>
+                      </a:r>
+                      <a:endParaRPr lang="it-IT" sz="1600" i="1" dirty="0">
+                        <a:solidFill>
+                          <a:schemeClr val="accent5">
+                            <a:lumMod val="50000"/>
+                          </a:schemeClr>
+                        </a:solidFill>
+                        <a:latin typeface="+mn-lt"/>
+                      </a:endParaRPr>
+                    </a:p>
+                  </a:txBody>
+                  <a:tcPr>
+                    <a:lnL w="38100" cap="flat" cmpd="sng" algn="ctr">
+                      <a:solidFill>
+                        <a:schemeClr val="accent5">
+                          <a:lumMod val="50000"/>
+                        </a:schemeClr>
+                      </a:solidFill>
+                      <a:prstDash val="solid"/>
+                      <a:round/>
+                      <a:headEnd type="none" w="med" len="med"/>
+                      <a:tailEnd type="none" w="med" len="med"/>
+                    </a:lnL>
+                    <a:lnR w="38100" cap="flat" cmpd="sng" algn="ctr">
+                      <a:noFill/>
+                      <a:prstDash val="solid"/>
+                      <a:round/>
+                      <a:headEnd type="none" w="med" len="med"/>
+                      <a:tailEnd type="none" w="med" len="med"/>
+                    </a:lnR>
+                    <a:lnT w="38100" cap="flat" cmpd="sng" algn="ctr">
+                      <a:solidFill>
+                        <a:schemeClr val="accent5">
+                          <a:lumMod val="50000"/>
+                        </a:schemeClr>
+                      </a:solidFill>
+                      <a:prstDash val="solid"/>
+                      <a:round/>
+                      <a:headEnd type="none" w="med" len="med"/>
+                      <a:tailEnd type="none" w="med" len="med"/>
+                    </a:lnT>
+                    <a:lnB w="38100" cap="flat" cmpd="sng" algn="ctr">
+                      <a:solidFill>
+                        <a:schemeClr val="accent5">
+                          <a:lumMod val="50000"/>
+                        </a:schemeClr>
+                      </a:solidFill>
+                      <a:prstDash val="solid"/>
+                      <a:round/>
+                      <a:headEnd type="none" w="med" len="med"/>
+                      <a:tailEnd type="none" w="med" len="med"/>
+                    </a:lnB>
+                  </a:tcPr>
+                </a:tc>
+                <a:tc>
+                  <a:txBody>
+                    <a:bodyPr/>
+                    <a:lstStyle/>
+                    <a:p>
+                      <a:r>
+                        <a:rPr lang="it-IT" sz="1600" dirty="0">
+                          <a:solidFill>
+                            <a:schemeClr val="accent5">
+                              <a:lumMod val="50000"/>
+                            </a:schemeClr>
+                          </a:solidFill>
+                          <a:latin typeface="+mn-lt"/>
+                        </a:rPr>
+                        <a:t> 0,3546 **</a:t>
+                      </a:r>
+                    </a:p>
+                  </a:txBody>
+                  <a:tcPr>
+                    <a:lnL w="38100" cap="flat" cmpd="sng" algn="ctr">
+                      <a:noFill/>
+                      <a:prstDash val="solid"/>
+                      <a:round/>
+                      <a:headEnd type="none" w="med" len="med"/>
+                      <a:tailEnd type="none" w="med" len="med"/>
+                    </a:lnL>
+                    <a:lnR w="38100" cap="flat" cmpd="sng" algn="ctr">
+                      <a:noFill/>
+                      <a:prstDash val="solid"/>
+                      <a:round/>
+                      <a:headEnd type="none" w="med" len="med"/>
+                      <a:tailEnd type="none" w="med" len="med"/>
+                    </a:lnR>
+                    <a:lnT w="38100" cap="flat" cmpd="sng" algn="ctr">
+                      <a:solidFill>
+                        <a:schemeClr val="accent5">
+                          <a:lumMod val="50000"/>
+                        </a:schemeClr>
+                      </a:solidFill>
+                      <a:prstDash val="solid"/>
+                      <a:round/>
+                      <a:headEnd type="none" w="med" len="med"/>
+                      <a:tailEnd type="none" w="med" len="med"/>
+                    </a:lnT>
+                    <a:lnB w="38100" cap="flat" cmpd="sng" algn="ctr">
+                      <a:solidFill>
+                        <a:schemeClr val="accent5">
+                          <a:lumMod val="50000"/>
+                        </a:schemeClr>
+                      </a:solidFill>
+                      <a:prstDash val="solid"/>
+                      <a:round/>
+                      <a:headEnd type="none" w="med" len="med"/>
+                      <a:tailEnd type="none" w="med" len="med"/>
+                    </a:lnB>
+                  </a:tcPr>
+                </a:tc>
+                <a:tc>
+                  <a:txBody>
+                    <a:bodyPr/>
+                    <a:lstStyle/>
+                    <a:p>
+                      <a:r>
+                        <a:rPr lang="it-IT" sz="1600" dirty="0">
+                          <a:solidFill>
+                            <a:schemeClr val="accent5">
+                              <a:lumMod val="50000"/>
+                            </a:schemeClr>
+                          </a:solidFill>
+                          <a:latin typeface="+mn-lt"/>
+                        </a:rPr>
+                        <a:t> 0,0312</a:t>
+                      </a:r>
+                    </a:p>
+                  </a:txBody>
+                  <a:tcPr>
+                    <a:lnL w="38100" cap="flat" cmpd="sng" algn="ctr">
+                      <a:noFill/>
+                      <a:prstDash val="solid"/>
+                      <a:round/>
+                      <a:headEnd type="none" w="med" len="med"/>
+                      <a:tailEnd type="none" w="med" len="med"/>
+                    </a:lnL>
+                    <a:lnR w="38100" cap="flat" cmpd="sng" algn="ctr">
+                      <a:solidFill>
+                        <a:schemeClr val="accent5">
+                          <a:lumMod val="50000"/>
+                        </a:schemeClr>
+                      </a:solidFill>
+                      <a:prstDash val="solid"/>
+                      <a:round/>
+                      <a:headEnd type="none" w="med" len="med"/>
+                      <a:tailEnd type="none" w="med" len="med"/>
+                    </a:lnR>
+                    <a:lnT w="38100" cap="flat" cmpd="sng" algn="ctr">
+                      <a:solidFill>
+                        <a:schemeClr val="accent5">
+                          <a:lumMod val="50000"/>
+                        </a:schemeClr>
+                      </a:solidFill>
+                      <a:prstDash val="solid"/>
+                      <a:round/>
+                      <a:headEnd type="none" w="med" len="med"/>
+                      <a:tailEnd type="none" w="med" len="med"/>
+                    </a:lnT>
+                    <a:lnB w="38100" cap="flat" cmpd="sng" algn="ctr">
+                      <a:solidFill>
+                        <a:schemeClr val="accent5">
+                          <a:lumMod val="50000"/>
+                        </a:schemeClr>
+                      </a:solidFill>
+                      <a:prstDash val="solid"/>
+                      <a:round/>
+                      <a:headEnd type="none" w="med" len="med"/>
+                      <a:tailEnd type="none" w="med" len="med"/>
+                    </a:lnB>
+                  </a:tcPr>
+                </a:tc>
+                <a:extLst>
+                  <a:ext uri="{0D108BD9-81ED-4DB2-BD59-A6C34878D82A}">
+                    <a16:rowId xmlns:a16="http://schemas.microsoft.com/office/drawing/2014/main" val="3665402714"/>
+                  </a:ext>
+                </a:extLst>
+              </a:tr>
+              <a:tr h="311860">
+                <a:tc>
+                  <a:txBody>
+                    <a:bodyPr/>
+                    <a:lstStyle/>
+                    <a:p>
+                      <a:r>
+                        <a:rPr lang="it-IT" sz="1600" i="1" dirty="0" err="1">
+                          <a:solidFill>
+                            <a:schemeClr val="accent5">
+                              <a:lumMod val="50000"/>
+                            </a:schemeClr>
+                          </a:solidFill>
+                          <a:latin typeface="+mn-lt"/>
+                        </a:rPr>
+                        <a:t>class_size</a:t>
+                      </a:r>
+                      <a:endParaRPr lang="it-IT" sz="1600" i="1" dirty="0">
+                        <a:solidFill>
+                          <a:schemeClr val="accent5">
+                            <a:lumMod val="50000"/>
+                          </a:schemeClr>
+                        </a:solidFill>
+                        <a:latin typeface="+mn-lt"/>
+                      </a:endParaRPr>
+                    </a:p>
+                  </a:txBody>
+                  <a:tcPr>
+                    <a:lnL w="38100" cap="flat" cmpd="sng" algn="ctr">
+                      <a:solidFill>
+                        <a:schemeClr val="accent5">
+                          <a:lumMod val="50000"/>
+                        </a:schemeClr>
+                      </a:solidFill>
+                      <a:prstDash val="solid"/>
+                      <a:round/>
+                      <a:headEnd type="none" w="med" len="med"/>
+                      <a:tailEnd type="none" w="med" len="med"/>
+                    </a:lnL>
+                    <a:lnR w="38100" cap="flat" cmpd="sng" algn="ctr">
+                      <a:noFill/>
+                      <a:prstDash val="solid"/>
+                      <a:round/>
+                      <a:headEnd type="none" w="med" len="med"/>
+                      <a:tailEnd type="none" w="med" len="med"/>
+                    </a:lnR>
+                    <a:lnT w="38100" cap="flat" cmpd="sng" algn="ctr">
+                      <a:solidFill>
+                        <a:schemeClr val="accent5">
+                          <a:lumMod val="50000"/>
+                        </a:schemeClr>
+                      </a:solidFill>
+                      <a:prstDash val="solid"/>
+                      <a:round/>
+                      <a:headEnd type="none" w="med" len="med"/>
+                      <a:tailEnd type="none" w="med" len="med"/>
+                    </a:lnT>
+                    <a:lnB w="38100" cap="flat" cmpd="sng" algn="ctr">
+                      <a:solidFill>
+                        <a:schemeClr val="accent5">
+                          <a:lumMod val="50000"/>
+                        </a:schemeClr>
+                      </a:solidFill>
+                      <a:prstDash val="solid"/>
+                      <a:round/>
+                      <a:headEnd type="none" w="med" len="med"/>
+                      <a:tailEnd type="none" w="med" len="med"/>
+                    </a:lnB>
+                  </a:tcPr>
+                </a:tc>
+                <a:tc>
+                  <a:txBody>
+                    <a:bodyPr/>
+                    <a:lstStyle/>
+                    <a:p>
+                      <a:r>
+                        <a:rPr lang="it-IT" sz="1600" dirty="0">
+                          <a:solidFill>
+                            <a:schemeClr val="accent5">
+                              <a:lumMod val="50000"/>
+                            </a:schemeClr>
+                          </a:solidFill>
+                          <a:latin typeface="+mn-lt"/>
+                        </a:rPr>
+                        <a:t> 0,1162 ***</a:t>
+                      </a:r>
+                    </a:p>
+                  </a:txBody>
+                  <a:tcPr>
+                    <a:lnL w="38100" cap="flat" cmpd="sng" algn="ctr">
+                      <a:noFill/>
+                      <a:prstDash val="solid"/>
+                      <a:round/>
+                      <a:headEnd type="none" w="med" len="med"/>
+                      <a:tailEnd type="none" w="med" len="med"/>
+                    </a:lnL>
+                    <a:lnR w="38100" cap="flat" cmpd="sng" algn="ctr">
+                      <a:noFill/>
+                      <a:prstDash val="solid"/>
+                      <a:round/>
+                      <a:headEnd type="none" w="med" len="med"/>
+                      <a:tailEnd type="none" w="med" len="med"/>
+                    </a:lnR>
+                    <a:lnT w="38100" cap="flat" cmpd="sng" algn="ctr">
+                      <a:solidFill>
+                        <a:schemeClr val="accent5">
+                          <a:lumMod val="50000"/>
+                        </a:schemeClr>
+                      </a:solidFill>
+                      <a:prstDash val="solid"/>
+                      <a:round/>
+                      <a:headEnd type="none" w="med" len="med"/>
+                      <a:tailEnd type="none" w="med" len="med"/>
+                    </a:lnT>
+                    <a:lnB w="38100" cap="flat" cmpd="sng" algn="ctr">
+                      <a:solidFill>
+                        <a:schemeClr val="accent5">
+                          <a:lumMod val="50000"/>
+                        </a:schemeClr>
+                      </a:solidFill>
+                      <a:prstDash val="solid"/>
+                      <a:round/>
+                      <a:headEnd type="none" w="med" len="med"/>
+                      <a:tailEnd type="none" w="med" len="med"/>
+                    </a:lnB>
+                  </a:tcPr>
+                </a:tc>
+                <a:tc>
+                  <a:txBody>
+                    <a:bodyPr/>
+                    <a:lstStyle/>
+                    <a:p>
+                      <a:r>
+                        <a:rPr lang="it-IT" sz="1600" dirty="0">
+                          <a:solidFill>
+                            <a:schemeClr val="accent5">
+                              <a:lumMod val="50000"/>
+                            </a:schemeClr>
+                          </a:solidFill>
+                          <a:latin typeface="+mn-lt"/>
+                        </a:rPr>
+                        <a:t>-0,0728 ***</a:t>
+                      </a:r>
+                    </a:p>
+                  </a:txBody>
+                  <a:tcPr>
+                    <a:lnL w="38100" cap="flat" cmpd="sng" algn="ctr">
+                      <a:noFill/>
+                      <a:prstDash val="solid"/>
+                      <a:round/>
+                      <a:headEnd type="none" w="med" len="med"/>
+                      <a:tailEnd type="none" w="med" len="med"/>
+                    </a:lnL>
+                    <a:lnR w="38100" cap="flat" cmpd="sng" algn="ctr">
+                      <a:solidFill>
+                        <a:schemeClr val="accent5">
+                          <a:lumMod val="50000"/>
+                        </a:schemeClr>
+                      </a:solidFill>
+                      <a:prstDash val="solid"/>
+                      <a:round/>
+                      <a:headEnd type="none" w="med" len="med"/>
+                      <a:tailEnd type="none" w="med" len="med"/>
+                    </a:lnR>
+                    <a:lnT w="38100" cap="flat" cmpd="sng" algn="ctr">
+                      <a:solidFill>
+                        <a:schemeClr val="accent5">
+                          <a:lumMod val="50000"/>
+                        </a:schemeClr>
+                      </a:solidFill>
+                      <a:prstDash val="solid"/>
+                      <a:round/>
+                      <a:headEnd type="none" w="med" len="med"/>
+                      <a:tailEnd type="none" w="med" len="med"/>
+                    </a:lnT>
+                    <a:lnB w="38100" cap="flat" cmpd="sng" algn="ctr">
+                      <a:solidFill>
+                        <a:schemeClr val="accent5">
+                          <a:lumMod val="50000"/>
+                        </a:schemeClr>
+                      </a:solidFill>
+                      <a:prstDash val="solid"/>
+                      <a:round/>
+                      <a:headEnd type="none" w="med" len="med"/>
+                      <a:tailEnd type="none" w="med" len="med"/>
+                    </a:lnB>
+                  </a:tcPr>
+                </a:tc>
+                <a:extLst>
+                  <a:ext uri="{0D108BD9-81ED-4DB2-BD59-A6C34878D82A}">
+                    <a16:rowId xmlns:a16="http://schemas.microsoft.com/office/drawing/2014/main" val="733948604"/>
+                  </a:ext>
+                </a:extLst>
+              </a:tr>
+              <a:tr h="311860">
+                <a:tc>
+                  <a:txBody>
+                    <a:bodyPr/>
+                    <a:lstStyle/>
+                    <a:p>
+                      <a:pPr marL="0" marR="0" lvl="0" indent="0" algn="l" defTabSz="4036471" rtl="0" eaLnBrk="1" fontAlgn="auto" latinLnBrk="0" hangingPunct="1">
+                        <a:lnSpc>
+                          <a:spcPct val="100000"/>
+                        </a:lnSpc>
+                        <a:spcBef>
+                          <a:spcPts val="0"/>
+                        </a:spcBef>
+                        <a:spcAft>
+                          <a:spcPts val="0"/>
+                        </a:spcAft>
+                        <a:buClrTx/>
+                        <a:buSzTx/>
+                        <a:buFontTx/>
+                        <a:buNone/>
+                        <a:tabLst/>
+                        <a:defRPr/>
+                      </a:pPr>
+                      <a:r>
+                        <a:rPr lang="it-IT" sz="1600" i="1" dirty="0" err="1">
+                          <a:solidFill>
+                            <a:schemeClr val="accent5">
+                              <a:lumMod val="50000"/>
+                            </a:schemeClr>
+                          </a:solidFill>
+                          <a:latin typeface="+mn-lt"/>
+                        </a:rPr>
+                        <a:t>stud_teach_ratio</a:t>
+                      </a:r>
+                      <a:endParaRPr lang="it-IT" sz="1600" i="1" dirty="0">
+                        <a:solidFill>
+                          <a:schemeClr val="accent5">
+                            <a:lumMod val="50000"/>
+                          </a:schemeClr>
+                        </a:solidFill>
+                        <a:latin typeface="+mn-lt"/>
+                      </a:endParaRPr>
+                    </a:p>
+                  </a:txBody>
+                  <a:tcPr>
+                    <a:lnL w="38100" cap="flat" cmpd="sng" algn="ctr">
+                      <a:solidFill>
+                        <a:schemeClr val="accent5">
+                          <a:lumMod val="50000"/>
+                        </a:schemeClr>
+                      </a:solidFill>
+                      <a:prstDash val="solid"/>
+                      <a:round/>
+                      <a:headEnd type="none" w="med" len="med"/>
+                      <a:tailEnd type="none" w="med" len="med"/>
+                    </a:lnL>
+                    <a:lnR w="38100" cap="flat" cmpd="sng" algn="ctr">
+                      <a:noFill/>
+                      <a:prstDash val="solid"/>
+                      <a:round/>
+                      <a:headEnd type="none" w="med" len="med"/>
+                      <a:tailEnd type="none" w="med" len="med"/>
+                    </a:lnR>
+                    <a:lnT w="38100" cap="flat" cmpd="sng" algn="ctr">
+                      <a:solidFill>
+                        <a:schemeClr val="accent5">
+                          <a:lumMod val="50000"/>
+                        </a:schemeClr>
+                      </a:solidFill>
+                      <a:prstDash val="solid"/>
+                      <a:round/>
+                      <a:headEnd type="none" w="med" len="med"/>
+                      <a:tailEnd type="none" w="med" len="med"/>
+                    </a:lnT>
+                    <a:lnB w="38100" cap="flat" cmpd="sng" algn="ctr">
+                      <a:solidFill>
+                        <a:schemeClr val="accent5">
+                          <a:lumMod val="50000"/>
+                        </a:schemeClr>
+                      </a:solidFill>
+                      <a:prstDash val="solid"/>
+                      <a:round/>
+                      <a:headEnd type="none" w="med" len="med"/>
+                      <a:tailEnd type="none" w="med" len="med"/>
+                    </a:lnB>
+                  </a:tcPr>
+                </a:tc>
+                <a:tc>
+                  <a:txBody>
+                    <a:bodyPr/>
+                    <a:lstStyle/>
+                    <a:p>
+                      <a:r>
+                        <a:rPr lang="it-IT" sz="1600" dirty="0">
+                          <a:solidFill>
+                            <a:schemeClr val="accent5">
+                              <a:lumMod val="50000"/>
+                            </a:schemeClr>
+                          </a:solidFill>
+                          <a:latin typeface="+mn-lt"/>
+                        </a:rPr>
+                        <a:t>-0,3541 ***</a:t>
+                      </a:r>
+                    </a:p>
+                  </a:txBody>
+                  <a:tcPr>
+                    <a:lnL w="38100" cap="flat" cmpd="sng" algn="ctr">
+                      <a:noFill/>
+                      <a:prstDash val="solid"/>
+                      <a:round/>
+                      <a:headEnd type="none" w="med" len="med"/>
+                      <a:tailEnd type="none" w="med" len="med"/>
+                    </a:lnL>
+                    <a:lnR w="38100" cap="flat" cmpd="sng" algn="ctr">
+                      <a:noFill/>
+                      <a:prstDash val="solid"/>
+                      <a:round/>
+                      <a:headEnd type="none" w="med" len="med"/>
+                      <a:tailEnd type="none" w="med" len="med"/>
+                    </a:lnR>
+                    <a:lnT w="38100" cap="flat" cmpd="sng" algn="ctr">
+                      <a:solidFill>
+                        <a:schemeClr val="accent5">
+                          <a:lumMod val="50000"/>
+                        </a:schemeClr>
+                      </a:solidFill>
+                      <a:prstDash val="solid"/>
+                      <a:round/>
+                      <a:headEnd type="none" w="med" len="med"/>
+                      <a:tailEnd type="none" w="med" len="med"/>
+                    </a:lnT>
+                    <a:lnB w="38100" cap="flat" cmpd="sng" algn="ctr">
+                      <a:solidFill>
+                        <a:schemeClr val="accent5">
+                          <a:lumMod val="50000"/>
+                        </a:schemeClr>
+                      </a:solidFill>
+                      <a:prstDash val="solid"/>
+                      <a:round/>
+                      <a:headEnd type="none" w="med" len="med"/>
+                      <a:tailEnd type="none" w="med" len="med"/>
+                    </a:lnB>
+                  </a:tcPr>
+                </a:tc>
+                <a:tc>
+                  <a:txBody>
+                    <a:bodyPr/>
+                    <a:lstStyle/>
+                    <a:p>
+                      <a:r>
+                        <a:rPr lang="it-IT" sz="1600" dirty="0">
+                          <a:solidFill>
+                            <a:schemeClr val="accent5">
+                              <a:lumMod val="50000"/>
+                            </a:schemeClr>
+                          </a:solidFill>
+                          <a:latin typeface="+mn-lt"/>
+                        </a:rPr>
+                        <a:t>-0,1035 ***</a:t>
+                      </a:r>
+                    </a:p>
+                  </a:txBody>
+                  <a:tcPr>
+                    <a:lnL w="38100" cap="flat" cmpd="sng" algn="ctr">
+                      <a:noFill/>
+                      <a:prstDash val="solid"/>
+                      <a:round/>
+                      <a:headEnd type="none" w="med" len="med"/>
+                      <a:tailEnd type="none" w="med" len="med"/>
+                    </a:lnL>
+                    <a:lnR w="38100" cap="flat" cmpd="sng" algn="ctr">
+                      <a:solidFill>
+                        <a:schemeClr val="accent5">
+                          <a:lumMod val="50000"/>
+                        </a:schemeClr>
+                      </a:solidFill>
+                      <a:prstDash val="solid"/>
+                      <a:round/>
+                      <a:headEnd type="none" w="med" len="med"/>
+                      <a:tailEnd type="none" w="med" len="med"/>
+                    </a:lnR>
+                    <a:lnT w="38100" cap="flat" cmpd="sng" algn="ctr">
+                      <a:solidFill>
+                        <a:schemeClr val="accent5">
+                          <a:lumMod val="50000"/>
+                        </a:schemeClr>
+                      </a:solidFill>
+                      <a:prstDash val="solid"/>
+                      <a:round/>
+                      <a:headEnd type="none" w="med" len="med"/>
+                      <a:tailEnd type="none" w="med" len="med"/>
+                    </a:lnT>
+                    <a:lnB w="38100" cap="flat" cmpd="sng" algn="ctr">
+                      <a:solidFill>
+                        <a:schemeClr val="accent5">
+                          <a:lumMod val="50000"/>
+                        </a:schemeClr>
+                      </a:solidFill>
+                      <a:prstDash val="solid"/>
+                      <a:round/>
+                      <a:headEnd type="none" w="med" len="med"/>
+                      <a:tailEnd type="none" w="med" len="med"/>
+                    </a:lnB>
+                  </a:tcPr>
+                </a:tc>
+                <a:extLst>
+                  <a:ext uri="{0D108BD9-81ED-4DB2-BD59-A6C34878D82A}">
+                    <a16:rowId xmlns:a16="http://schemas.microsoft.com/office/drawing/2014/main" val="107298537"/>
+                  </a:ext>
+                </a:extLst>
+              </a:tr>
+              <a:tr h="311860">
+                <a:tc>
+                  <a:txBody>
+                    <a:bodyPr/>
+                    <a:lstStyle/>
+                    <a:p>
+                      <a:pPr marL="0" marR="0" lvl="0" indent="0" algn="l" defTabSz="4036471" rtl="0" eaLnBrk="1" fontAlgn="auto" latinLnBrk="0" hangingPunct="1">
+                        <a:lnSpc>
+                          <a:spcPct val="100000"/>
+                        </a:lnSpc>
+                        <a:spcBef>
+                          <a:spcPts val="0"/>
+                        </a:spcBef>
+                        <a:spcAft>
+                          <a:spcPts val="0"/>
+                        </a:spcAft>
+                        <a:buClrTx/>
+                        <a:buSzTx/>
+                        <a:buFontTx/>
+                        <a:buNone/>
+                        <a:tabLst/>
+                        <a:defRPr/>
+                      </a:pPr>
+                      <a:r>
+                        <a:rPr lang="it-IT" sz="1600" i="1" dirty="0" err="1">
+                          <a:solidFill>
+                            <a:schemeClr val="accent5">
+                              <a:lumMod val="50000"/>
+                            </a:schemeClr>
+                          </a:solidFill>
+                          <a:latin typeface="+mn-lt"/>
+                        </a:rPr>
+                        <a:t>short_edu_mat</a:t>
+                      </a:r>
+                      <a:endParaRPr lang="it-IT" sz="1600" i="1" dirty="0">
+                        <a:solidFill>
+                          <a:schemeClr val="accent5">
+                            <a:lumMod val="50000"/>
+                          </a:schemeClr>
+                        </a:solidFill>
+                        <a:latin typeface="+mn-lt"/>
+                      </a:endParaRPr>
+                    </a:p>
+                  </a:txBody>
+                  <a:tcPr>
+                    <a:lnL w="38100" cap="flat" cmpd="sng" algn="ctr">
+                      <a:solidFill>
+                        <a:schemeClr val="accent5">
+                          <a:lumMod val="50000"/>
+                        </a:schemeClr>
+                      </a:solidFill>
+                      <a:prstDash val="solid"/>
+                      <a:round/>
+                      <a:headEnd type="none" w="med" len="med"/>
+                      <a:tailEnd type="none" w="med" len="med"/>
+                    </a:lnL>
+                    <a:lnR w="38100" cap="flat" cmpd="sng" algn="ctr">
+                      <a:noFill/>
+                      <a:prstDash val="solid"/>
+                      <a:round/>
+                      <a:headEnd type="none" w="med" len="med"/>
+                      <a:tailEnd type="none" w="med" len="med"/>
+                    </a:lnR>
+                    <a:lnT w="38100" cap="flat" cmpd="sng" algn="ctr">
+                      <a:solidFill>
+                        <a:schemeClr val="accent5">
+                          <a:lumMod val="50000"/>
+                        </a:schemeClr>
+                      </a:solidFill>
+                      <a:prstDash val="solid"/>
+                      <a:round/>
+                      <a:headEnd type="none" w="med" len="med"/>
+                      <a:tailEnd type="none" w="med" len="med"/>
+                    </a:lnT>
+                    <a:lnB w="38100" cap="flat" cmpd="sng" algn="ctr">
+                      <a:solidFill>
+                        <a:schemeClr val="accent5">
+                          <a:lumMod val="50000"/>
+                        </a:schemeClr>
+                      </a:solidFill>
+                      <a:prstDash val="solid"/>
+                      <a:round/>
+                      <a:headEnd type="none" w="med" len="med"/>
+                      <a:tailEnd type="none" w="med" len="med"/>
+                    </a:lnB>
+                  </a:tcPr>
+                </a:tc>
+                <a:tc>
+                  <a:txBody>
+                    <a:bodyPr/>
+                    <a:lstStyle/>
+                    <a:p>
+                      <a:r>
+                        <a:rPr lang="it-IT" sz="1600" dirty="0">
+                          <a:solidFill>
+                            <a:schemeClr val="accent5">
+                              <a:lumMod val="50000"/>
+                            </a:schemeClr>
+                          </a:solidFill>
+                          <a:latin typeface="+mn-lt"/>
+                        </a:rPr>
+                        <a:t> 0,2069 ***</a:t>
+                      </a:r>
+                    </a:p>
+                  </a:txBody>
+                  <a:tcPr>
+                    <a:lnL w="38100" cap="flat" cmpd="sng" algn="ctr">
+                      <a:noFill/>
+                      <a:prstDash val="solid"/>
+                      <a:round/>
+                      <a:headEnd type="none" w="med" len="med"/>
+                      <a:tailEnd type="none" w="med" len="med"/>
+                    </a:lnL>
+                    <a:lnR w="38100" cap="flat" cmpd="sng" algn="ctr">
+                      <a:noFill/>
+                      <a:prstDash val="solid"/>
+                      <a:round/>
+                      <a:headEnd type="none" w="med" len="med"/>
+                      <a:tailEnd type="none" w="med" len="med"/>
+                    </a:lnR>
+                    <a:lnT w="38100" cap="flat" cmpd="sng" algn="ctr">
+                      <a:solidFill>
+                        <a:schemeClr val="accent5">
+                          <a:lumMod val="50000"/>
+                        </a:schemeClr>
+                      </a:solidFill>
+                      <a:prstDash val="solid"/>
+                      <a:round/>
+                      <a:headEnd type="none" w="med" len="med"/>
+                      <a:tailEnd type="none" w="med" len="med"/>
+                    </a:lnT>
+                    <a:lnB w="38100" cap="flat" cmpd="sng" algn="ctr">
+                      <a:solidFill>
+                        <a:schemeClr val="accent5">
+                          <a:lumMod val="50000"/>
+                        </a:schemeClr>
+                      </a:solidFill>
+                      <a:prstDash val="solid"/>
+                      <a:round/>
+                      <a:headEnd type="none" w="med" len="med"/>
+                      <a:tailEnd type="none" w="med" len="med"/>
+                    </a:lnB>
+                  </a:tcPr>
+                </a:tc>
+                <a:tc>
+                  <a:txBody>
+                    <a:bodyPr/>
+                    <a:lstStyle/>
+                    <a:p>
+                      <a:r>
+                        <a:rPr lang="it-IT" sz="1600" dirty="0">
+                          <a:solidFill>
+                            <a:schemeClr val="accent5">
+                              <a:lumMod val="50000"/>
+                            </a:schemeClr>
+                          </a:solidFill>
+                          <a:latin typeface="+mn-lt"/>
+                        </a:rPr>
+                        <a:t> 0,6265 ***</a:t>
+                      </a:r>
+                    </a:p>
+                  </a:txBody>
+                  <a:tcPr>
+                    <a:lnL w="38100" cap="flat" cmpd="sng" algn="ctr">
+                      <a:noFill/>
+                      <a:prstDash val="solid"/>
+                      <a:round/>
+                      <a:headEnd type="none" w="med" len="med"/>
+                      <a:tailEnd type="none" w="med" len="med"/>
+                    </a:lnL>
+                    <a:lnR w="38100" cap="flat" cmpd="sng" algn="ctr">
+                      <a:solidFill>
+                        <a:schemeClr val="accent5">
+                          <a:lumMod val="50000"/>
+                        </a:schemeClr>
+                      </a:solidFill>
+                      <a:prstDash val="solid"/>
+                      <a:round/>
+                      <a:headEnd type="none" w="med" len="med"/>
+                      <a:tailEnd type="none" w="med" len="med"/>
+                    </a:lnR>
+                    <a:lnT w="38100" cap="flat" cmpd="sng" algn="ctr">
+                      <a:solidFill>
+                        <a:schemeClr val="accent5">
+                          <a:lumMod val="50000"/>
+                        </a:schemeClr>
+                      </a:solidFill>
+                      <a:prstDash val="solid"/>
+                      <a:round/>
+                      <a:headEnd type="none" w="med" len="med"/>
+                      <a:tailEnd type="none" w="med" len="med"/>
+                    </a:lnT>
+                    <a:lnB w="38100" cap="flat" cmpd="sng" algn="ctr">
+                      <a:solidFill>
+                        <a:schemeClr val="accent5">
+                          <a:lumMod val="50000"/>
+                        </a:schemeClr>
+                      </a:solidFill>
+                      <a:prstDash val="solid"/>
+                      <a:round/>
+                      <a:headEnd type="none" w="med" len="med"/>
+                      <a:tailEnd type="none" w="med" len="med"/>
+                    </a:lnB>
+                  </a:tcPr>
+                </a:tc>
+                <a:extLst>
+                  <a:ext uri="{0D108BD9-81ED-4DB2-BD59-A6C34878D82A}">
+                    <a16:rowId xmlns:a16="http://schemas.microsoft.com/office/drawing/2014/main" val="3564228151"/>
+                  </a:ext>
+                </a:extLst>
+              </a:tr>
+              <a:tr h="311860">
+                <a:tc>
+                  <a:txBody>
+                    <a:bodyPr/>
+                    <a:lstStyle/>
+                    <a:p>
+                      <a:pPr marL="0" marR="0" lvl="0" indent="0" algn="l" defTabSz="4036471" rtl="0" eaLnBrk="1" fontAlgn="auto" latinLnBrk="0" hangingPunct="1">
+                        <a:lnSpc>
+                          <a:spcPct val="100000"/>
+                        </a:lnSpc>
+                        <a:spcBef>
+                          <a:spcPts val="0"/>
+                        </a:spcBef>
+                        <a:spcAft>
+                          <a:spcPts val="0"/>
+                        </a:spcAft>
+                        <a:buClrTx/>
+                        <a:buSzTx/>
+                        <a:buFontTx/>
+                        <a:buNone/>
+                        <a:tabLst/>
+                        <a:defRPr/>
+                      </a:pPr>
+                      <a:r>
+                        <a:rPr lang="it-IT" sz="1600" i="1" dirty="0" err="1">
+                          <a:solidFill>
+                            <a:schemeClr val="accent5">
+                              <a:lumMod val="50000"/>
+                            </a:schemeClr>
+                          </a:solidFill>
+                          <a:latin typeface="+mn-lt"/>
+                        </a:rPr>
+                        <a:t>short_edu_staff</a:t>
+                      </a:r>
+                      <a:endParaRPr lang="it-IT" sz="1600" i="1" dirty="0">
+                        <a:solidFill>
+                          <a:schemeClr val="accent5">
+                            <a:lumMod val="50000"/>
+                          </a:schemeClr>
+                        </a:solidFill>
+                        <a:latin typeface="+mn-lt"/>
+                      </a:endParaRPr>
+                    </a:p>
+                  </a:txBody>
+                  <a:tcPr>
+                    <a:lnL w="38100" cap="flat" cmpd="sng" algn="ctr">
+                      <a:solidFill>
+                        <a:schemeClr val="accent5">
+                          <a:lumMod val="50000"/>
+                        </a:schemeClr>
+                      </a:solidFill>
+                      <a:prstDash val="solid"/>
+                      <a:round/>
+                      <a:headEnd type="none" w="med" len="med"/>
+                      <a:tailEnd type="none" w="med" len="med"/>
+                    </a:lnL>
+                    <a:lnR w="38100" cap="flat" cmpd="sng" algn="ctr">
+                      <a:noFill/>
+                      <a:prstDash val="solid"/>
+                      <a:round/>
+                      <a:headEnd type="none" w="med" len="med"/>
+                      <a:tailEnd type="none" w="med" len="med"/>
+                    </a:lnR>
+                    <a:lnT w="38100" cap="flat" cmpd="sng" algn="ctr">
+                      <a:solidFill>
+                        <a:schemeClr val="accent5">
+                          <a:lumMod val="50000"/>
+                        </a:schemeClr>
+                      </a:solidFill>
+                      <a:prstDash val="solid"/>
+                      <a:round/>
+                      <a:headEnd type="none" w="med" len="med"/>
+                      <a:tailEnd type="none" w="med" len="med"/>
+                    </a:lnT>
+                    <a:lnB w="38100" cap="flat" cmpd="sng" algn="ctr">
+                      <a:solidFill>
+                        <a:schemeClr val="accent5">
+                          <a:lumMod val="50000"/>
+                        </a:schemeClr>
+                      </a:solidFill>
+                      <a:prstDash val="solid"/>
+                      <a:round/>
+                      <a:headEnd type="none" w="med" len="med"/>
+                      <a:tailEnd type="none" w="med" len="med"/>
+                    </a:lnB>
+                  </a:tcPr>
+                </a:tc>
+                <a:tc>
+                  <a:txBody>
+                    <a:bodyPr/>
+                    <a:lstStyle/>
+                    <a:p>
+                      <a:r>
+                        <a:rPr lang="it-IT" sz="1600" dirty="0">
+                          <a:solidFill>
+                            <a:schemeClr val="accent5">
+                              <a:lumMod val="50000"/>
+                            </a:schemeClr>
+                          </a:solidFill>
+                          <a:latin typeface="+mn-lt"/>
+                        </a:rPr>
+                        <a:t>-0,0264</a:t>
+                      </a:r>
+                    </a:p>
+                  </a:txBody>
+                  <a:tcPr>
+                    <a:lnL w="38100" cap="flat" cmpd="sng" algn="ctr">
+                      <a:noFill/>
+                      <a:prstDash val="solid"/>
+                      <a:round/>
+                      <a:headEnd type="none" w="med" len="med"/>
+                      <a:tailEnd type="none" w="med" len="med"/>
+                    </a:lnL>
+                    <a:lnR w="38100" cap="flat" cmpd="sng" algn="ctr">
+                      <a:noFill/>
+                      <a:prstDash val="solid"/>
+                      <a:round/>
+                      <a:headEnd type="none" w="med" len="med"/>
+                      <a:tailEnd type="none" w="med" len="med"/>
+                    </a:lnR>
+                    <a:lnT w="38100" cap="flat" cmpd="sng" algn="ctr">
+                      <a:solidFill>
+                        <a:schemeClr val="accent5">
+                          <a:lumMod val="50000"/>
+                        </a:schemeClr>
+                      </a:solidFill>
+                      <a:prstDash val="solid"/>
+                      <a:round/>
+                      <a:headEnd type="none" w="med" len="med"/>
+                      <a:tailEnd type="none" w="med" len="med"/>
+                    </a:lnT>
+                    <a:lnB w="38100" cap="flat" cmpd="sng" algn="ctr">
+                      <a:solidFill>
+                        <a:schemeClr val="accent5">
+                          <a:lumMod val="50000"/>
+                        </a:schemeClr>
+                      </a:solidFill>
+                      <a:prstDash val="solid"/>
+                      <a:round/>
+                      <a:headEnd type="none" w="med" len="med"/>
+                      <a:tailEnd type="none" w="med" len="med"/>
+                    </a:lnB>
+                  </a:tcPr>
+                </a:tc>
+                <a:tc>
+                  <a:txBody>
+                    <a:bodyPr/>
+                    <a:lstStyle/>
+                    <a:p>
+                      <a:r>
+                        <a:rPr lang="it-IT" sz="1600" dirty="0">
+                          <a:solidFill>
+                            <a:schemeClr val="accent5">
+                              <a:lumMod val="50000"/>
+                            </a:schemeClr>
+                          </a:solidFill>
+                          <a:latin typeface="+mn-lt"/>
+                        </a:rPr>
+                        <a:t>-1,0375 ***</a:t>
+                      </a:r>
+                    </a:p>
+                  </a:txBody>
+                  <a:tcPr>
+                    <a:lnL w="38100" cap="flat" cmpd="sng" algn="ctr">
+                      <a:noFill/>
+                      <a:prstDash val="solid"/>
+                      <a:round/>
+                      <a:headEnd type="none" w="med" len="med"/>
+                      <a:tailEnd type="none" w="med" len="med"/>
+                    </a:lnL>
+                    <a:lnR w="38100" cap="flat" cmpd="sng" algn="ctr">
+                      <a:solidFill>
+                        <a:schemeClr val="accent5">
+                          <a:lumMod val="50000"/>
+                        </a:schemeClr>
+                      </a:solidFill>
+                      <a:prstDash val="solid"/>
+                      <a:round/>
+                      <a:headEnd type="none" w="med" len="med"/>
+                      <a:tailEnd type="none" w="med" len="med"/>
+                    </a:lnR>
+                    <a:lnT w="38100" cap="flat" cmpd="sng" algn="ctr">
+                      <a:solidFill>
+                        <a:schemeClr val="accent5">
+                          <a:lumMod val="50000"/>
+                        </a:schemeClr>
+                      </a:solidFill>
+                      <a:prstDash val="solid"/>
+                      <a:round/>
+                      <a:headEnd type="none" w="med" len="med"/>
+                      <a:tailEnd type="none" w="med" len="med"/>
+                    </a:lnT>
+                    <a:lnB w="38100" cap="flat" cmpd="sng" algn="ctr">
+                      <a:solidFill>
+                        <a:schemeClr val="accent5">
+                          <a:lumMod val="50000"/>
+                        </a:schemeClr>
+                      </a:solidFill>
+                      <a:prstDash val="solid"/>
+                      <a:round/>
+                      <a:headEnd type="none" w="med" len="med"/>
+                      <a:tailEnd type="none" w="med" len="med"/>
+                    </a:lnB>
+                  </a:tcPr>
+                </a:tc>
+                <a:extLst>
+                  <a:ext uri="{0D108BD9-81ED-4DB2-BD59-A6C34878D82A}">
+                    <a16:rowId xmlns:a16="http://schemas.microsoft.com/office/drawing/2014/main" val="4159571167"/>
+                  </a:ext>
+                </a:extLst>
+              </a:tr>
+              <a:tr h="311860">
+                <a:tc>
+                  <a:txBody>
+                    <a:bodyPr/>
+                    <a:lstStyle/>
+                    <a:p>
+                      <a:r>
+                        <a:rPr lang="it-IT" sz="1600" i="1" dirty="0" err="1">
+                          <a:solidFill>
+                            <a:schemeClr val="accent5">
+                              <a:lumMod val="50000"/>
+                            </a:schemeClr>
+                          </a:solidFill>
+                          <a:latin typeface="+mn-lt"/>
+                        </a:rPr>
+                        <a:t>stu_behav</a:t>
+                      </a:r>
+                      <a:endParaRPr lang="it-IT" sz="1600" i="1" dirty="0">
+                        <a:solidFill>
+                          <a:schemeClr val="accent5">
+                            <a:lumMod val="50000"/>
+                          </a:schemeClr>
+                        </a:solidFill>
+                        <a:latin typeface="+mn-lt"/>
+                      </a:endParaRPr>
+                    </a:p>
+                  </a:txBody>
+                  <a:tcPr>
+                    <a:lnL w="38100" cap="flat" cmpd="sng" algn="ctr">
+                      <a:solidFill>
+                        <a:schemeClr val="accent5">
+                          <a:lumMod val="50000"/>
+                        </a:schemeClr>
+                      </a:solidFill>
+                      <a:prstDash val="solid"/>
+                      <a:round/>
+                      <a:headEnd type="none" w="med" len="med"/>
+                      <a:tailEnd type="none" w="med" len="med"/>
+                    </a:lnL>
+                    <a:lnR w="38100" cap="flat" cmpd="sng" algn="ctr">
+                      <a:noFill/>
+                      <a:prstDash val="solid"/>
+                      <a:round/>
+                      <a:headEnd type="none" w="med" len="med"/>
+                      <a:tailEnd type="none" w="med" len="med"/>
+                    </a:lnR>
+                    <a:lnT w="38100" cap="flat" cmpd="sng" algn="ctr">
+                      <a:solidFill>
+                        <a:schemeClr val="accent5">
+                          <a:lumMod val="50000"/>
+                        </a:schemeClr>
+                      </a:solidFill>
+                      <a:prstDash val="solid"/>
+                      <a:round/>
+                      <a:headEnd type="none" w="med" len="med"/>
+                      <a:tailEnd type="none" w="med" len="med"/>
+                    </a:lnT>
+                    <a:lnB w="38100" cap="flat" cmpd="sng" algn="ctr">
+                      <a:solidFill>
+                        <a:schemeClr val="accent5">
+                          <a:lumMod val="50000"/>
+                        </a:schemeClr>
+                      </a:solidFill>
+                      <a:prstDash val="solid"/>
+                      <a:round/>
+                      <a:headEnd type="none" w="med" len="med"/>
+                      <a:tailEnd type="none" w="med" len="med"/>
+                    </a:lnB>
+                  </a:tcPr>
+                </a:tc>
+                <a:tc>
+                  <a:txBody>
+                    <a:bodyPr/>
+                    <a:lstStyle/>
+                    <a:p>
+                      <a:r>
+                        <a:rPr lang="it-IT" sz="1600" dirty="0">
+                          <a:solidFill>
+                            <a:schemeClr val="accent5">
+                              <a:lumMod val="50000"/>
+                            </a:schemeClr>
+                          </a:solidFill>
+                          <a:latin typeface="+mn-lt"/>
+                        </a:rPr>
+                        <a:t> 0,8385 ***</a:t>
+                      </a:r>
+                    </a:p>
+                  </a:txBody>
+                  <a:tcPr>
+                    <a:lnL w="38100" cap="flat" cmpd="sng" algn="ctr">
+                      <a:noFill/>
+                      <a:prstDash val="solid"/>
+                      <a:round/>
+                      <a:headEnd type="none" w="med" len="med"/>
+                      <a:tailEnd type="none" w="med" len="med"/>
+                    </a:lnL>
+                    <a:lnR w="38100" cap="flat" cmpd="sng" algn="ctr">
+                      <a:noFill/>
+                      <a:prstDash val="solid"/>
+                      <a:round/>
+                      <a:headEnd type="none" w="med" len="med"/>
+                      <a:tailEnd type="none" w="med" len="med"/>
+                    </a:lnR>
+                    <a:lnT w="38100" cap="flat" cmpd="sng" algn="ctr">
+                      <a:solidFill>
+                        <a:schemeClr val="accent5">
+                          <a:lumMod val="50000"/>
+                        </a:schemeClr>
+                      </a:solidFill>
+                      <a:prstDash val="solid"/>
+                      <a:round/>
+                      <a:headEnd type="none" w="med" len="med"/>
+                      <a:tailEnd type="none" w="med" len="med"/>
+                    </a:lnT>
+                    <a:lnB w="38100" cap="flat" cmpd="sng" algn="ctr">
+                      <a:solidFill>
+                        <a:schemeClr val="accent5">
+                          <a:lumMod val="50000"/>
+                        </a:schemeClr>
+                      </a:solidFill>
+                      <a:prstDash val="solid"/>
+                      <a:round/>
+                      <a:headEnd type="none" w="med" len="med"/>
+                      <a:tailEnd type="none" w="med" len="med"/>
+                    </a:lnB>
+                  </a:tcPr>
+                </a:tc>
+                <a:tc>
+                  <a:txBody>
+                    <a:bodyPr/>
+                    <a:lstStyle/>
+                    <a:p>
+                      <a:r>
+                        <a:rPr lang="it-IT" sz="1600" dirty="0">
+                          <a:solidFill>
+                            <a:schemeClr val="accent5">
+                              <a:lumMod val="50000"/>
+                            </a:schemeClr>
+                          </a:solidFill>
+                          <a:latin typeface="+mn-lt"/>
+                        </a:rPr>
+                        <a:t>-1,2998 ***</a:t>
+                      </a:r>
+                    </a:p>
+                  </a:txBody>
+                  <a:tcPr>
+                    <a:lnL w="38100" cap="flat" cmpd="sng" algn="ctr">
+                      <a:noFill/>
+                      <a:prstDash val="solid"/>
+                      <a:round/>
+                      <a:headEnd type="none" w="med" len="med"/>
+                      <a:tailEnd type="none" w="med" len="med"/>
+                    </a:lnL>
+                    <a:lnR w="38100" cap="flat" cmpd="sng" algn="ctr">
+                      <a:solidFill>
+                        <a:schemeClr val="accent5">
+                          <a:lumMod val="50000"/>
+                        </a:schemeClr>
+                      </a:solidFill>
+                      <a:prstDash val="solid"/>
+                      <a:round/>
+                      <a:headEnd type="none" w="med" len="med"/>
+                      <a:tailEnd type="none" w="med" len="med"/>
+                    </a:lnR>
+                    <a:lnT w="38100" cap="flat" cmpd="sng" algn="ctr">
+                      <a:solidFill>
+                        <a:schemeClr val="accent5">
+                          <a:lumMod val="50000"/>
+                        </a:schemeClr>
+                      </a:solidFill>
+                      <a:prstDash val="solid"/>
+                      <a:round/>
+                      <a:headEnd type="none" w="med" len="med"/>
+                      <a:tailEnd type="none" w="med" len="med"/>
+                    </a:lnT>
+                    <a:lnB w="38100" cap="flat" cmpd="sng" algn="ctr">
+                      <a:solidFill>
+                        <a:schemeClr val="accent5">
+                          <a:lumMod val="50000"/>
+                        </a:schemeClr>
+                      </a:solidFill>
+                      <a:prstDash val="solid"/>
+                      <a:round/>
+                      <a:headEnd type="none" w="med" len="med"/>
+                      <a:tailEnd type="none" w="med" len="med"/>
+                    </a:lnB>
+                  </a:tcPr>
+                </a:tc>
+                <a:extLst>
+                  <a:ext uri="{0D108BD9-81ED-4DB2-BD59-A6C34878D82A}">
+                    <a16:rowId xmlns:a16="http://schemas.microsoft.com/office/drawing/2014/main" val="2715422483"/>
+                  </a:ext>
+                </a:extLst>
+              </a:tr>
+              <a:tr h="311860">
+                <a:tc>
+                  <a:txBody>
+                    <a:bodyPr/>
+                    <a:lstStyle/>
+                    <a:p>
+                      <a:r>
+                        <a:rPr lang="it-IT" sz="1600" i="1" dirty="0" err="1">
+                          <a:solidFill>
+                            <a:schemeClr val="accent5">
+                              <a:lumMod val="50000"/>
+                            </a:schemeClr>
+                          </a:solidFill>
+                          <a:latin typeface="+mn-lt"/>
+                        </a:rPr>
+                        <a:t>teach_behav</a:t>
+                      </a:r>
+                      <a:endParaRPr lang="it-IT" sz="1600" i="1" dirty="0">
+                        <a:solidFill>
+                          <a:schemeClr val="accent5">
+                            <a:lumMod val="50000"/>
+                          </a:schemeClr>
+                        </a:solidFill>
+                        <a:latin typeface="+mn-lt"/>
+                      </a:endParaRPr>
+                    </a:p>
+                  </a:txBody>
+                  <a:tcPr>
+                    <a:lnL w="38100" cap="flat" cmpd="sng" algn="ctr">
+                      <a:solidFill>
+                        <a:schemeClr val="accent5">
+                          <a:lumMod val="50000"/>
+                        </a:schemeClr>
+                      </a:solidFill>
+                      <a:prstDash val="solid"/>
+                      <a:round/>
+                      <a:headEnd type="none" w="med" len="med"/>
+                      <a:tailEnd type="none" w="med" len="med"/>
+                    </a:lnL>
+                    <a:lnR w="38100" cap="flat" cmpd="sng" algn="ctr">
+                      <a:noFill/>
+                      <a:prstDash val="solid"/>
+                      <a:round/>
+                      <a:headEnd type="none" w="med" len="med"/>
+                      <a:tailEnd type="none" w="med" len="med"/>
+                    </a:lnR>
+                    <a:lnT w="38100" cap="flat" cmpd="sng" algn="ctr">
+                      <a:solidFill>
+                        <a:schemeClr val="accent5">
+                          <a:lumMod val="50000"/>
+                        </a:schemeClr>
+                      </a:solidFill>
+                      <a:prstDash val="solid"/>
+                      <a:round/>
+                      <a:headEnd type="none" w="med" len="med"/>
+                      <a:tailEnd type="none" w="med" len="med"/>
+                    </a:lnT>
+                    <a:lnB w="38100" cap="flat" cmpd="sng" algn="ctr">
+                      <a:solidFill>
+                        <a:schemeClr val="accent5">
+                          <a:lumMod val="50000"/>
+                        </a:schemeClr>
+                      </a:solidFill>
+                      <a:prstDash val="solid"/>
+                      <a:round/>
+                      <a:headEnd type="none" w="med" len="med"/>
+                      <a:tailEnd type="none" w="med" len="med"/>
+                    </a:lnB>
+                  </a:tcPr>
+                </a:tc>
+                <a:tc>
+                  <a:txBody>
+                    <a:bodyPr/>
+                    <a:lstStyle/>
+                    <a:p>
+                      <a:r>
+                        <a:rPr lang="it-IT" sz="1600" dirty="0">
+                          <a:solidFill>
+                            <a:schemeClr val="accent5">
+                              <a:lumMod val="50000"/>
+                            </a:schemeClr>
+                          </a:solidFill>
+                          <a:latin typeface="+mn-lt"/>
+                        </a:rPr>
+                        <a:t>-0,3180</a:t>
+                      </a:r>
+                    </a:p>
+                  </a:txBody>
+                  <a:tcPr>
+                    <a:lnL w="38100" cap="flat" cmpd="sng" algn="ctr">
+                      <a:noFill/>
+                      <a:prstDash val="solid"/>
+                      <a:round/>
+                      <a:headEnd type="none" w="med" len="med"/>
+                      <a:tailEnd type="none" w="med" len="med"/>
+                    </a:lnL>
+                    <a:lnR w="38100" cap="flat" cmpd="sng" algn="ctr">
+                      <a:noFill/>
+                      <a:prstDash val="solid"/>
+                      <a:round/>
+                      <a:headEnd type="none" w="med" len="med"/>
+                      <a:tailEnd type="none" w="med" len="med"/>
+                    </a:lnR>
+                    <a:lnT w="38100" cap="flat" cmpd="sng" algn="ctr">
+                      <a:solidFill>
+                        <a:schemeClr val="accent5">
+                          <a:lumMod val="50000"/>
+                        </a:schemeClr>
+                      </a:solidFill>
+                      <a:prstDash val="solid"/>
+                      <a:round/>
+                      <a:headEnd type="none" w="med" len="med"/>
+                      <a:tailEnd type="none" w="med" len="med"/>
+                    </a:lnT>
+                    <a:lnB w="38100" cap="flat" cmpd="sng" algn="ctr">
+                      <a:solidFill>
+                        <a:schemeClr val="accent5">
+                          <a:lumMod val="50000"/>
+                        </a:schemeClr>
+                      </a:solidFill>
+                      <a:prstDash val="solid"/>
+                      <a:round/>
+                      <a:headEnd type="none" w="med" len="med"/>
+                      <a:tailEnd type="none" w="med" len="med"/>
+                    </a:lnB>
+                  </a:tcPr>
+                </a:tc>
+                <a:tc>
+                  <a:txBody>
+                    <a:bodyPr/>
+                    <a:lstStyle/>
+                    <a:p>
+                      <a:r>
+                        <a:rPr lang="it-IT" sz="1600" dirty="0">
+                          <a:solidFill>
+                            <a:schemeClr val="accent5">
+                              <a:lumMod val="50000"/>
+                            </a:schemeClr>
+                          </a:solidFill>
+                          <a:latin typeface="+mn-lt"/>
+                        </a:rPr>
+                        <a:t> 1,3167 ***</a:t>
+                      </a:r>
+                    </a:p>
+                  </a:txBody>
+                  <a:tcPr>
+                    <a:lnL w="38100" cap="flat" cmpd="sng" algn="ctr">
+                      <a:noFill/>
+                      <a:prstDash val="solid"/>
+                      <a:round/>
+                      <a:headEnd type="none" w="med" len="med"/>
+                      <a:tailEnd type="none" w="med" len="med"/>
+                    </a:lnL>
+                    <a:lnR w="38100" cap="flat" cmpd="sng" algn="ctr">
+                      <a:solidFill>
+                        <a:schemeClr val="accent5">
+                          <a:lumMod val="50000"/>
+                        </a:schemeClr>
+                      </a:solidFill>
+                      <a:prstDash val="solid"/>
+                      <a:round/>
+                      <a:headEnd type="none" w="med" len="med"/>
+                      <a:tailEnd type="none" w="med" len="med"/>
+                    </a:lnR>
+                    <a:lnT w="38100" cap="flat" cmpd="sng" algn="ctr">
+                      <a:solidFill>
+                        <a:schemeClr val="accent5">
+                          <a:lumMod val="50000"/>
+                        </a:schemeClr>
+                      </a:solidFill>
+                      <a:prstDash val="solid"/>
+                      <a:round/>
+                      <a:headEnd type="none" w="med" len="med"/>
+                      <a:tailEnd type="none" w="med" len="med"/>
+                    </a:lnT>
+                    <a:lnB w="38100" cap="flat" cmpd="sng" algn="ctr">
+                      <a:solidFill>
+                        <a:schemeClr val="accent5">
+                          <a:lumMod val="50000"/>
+                        </a:schemeClr>
+                      </a:solidFill>
+                      <a:prstDash val="solid"/>
+                      <a:round/>
+                      <a:headEnd type="none" w="med" len="med"/>
+                      <a:tailEnd type="none" w="med" len="med"/>
+                    </a:lnB>
+                  </a:tcPr>
+                </a:tc>
+                <a:extLst>
+                  <a:ext uri="{0D108BD9-81ED-4DB2-BD59-A6C34878D82A}">
+                    <a16:rowId xmlns:a16="http://schemas.microsoft.com/office/drawing/2014/main" val="671741562"/>
+                  </a:ext>
+                </a:extLst>
+              </a:tr>
+            </a:tbl>
+          </a:graphicData>
+        </a:graphic>
+      </p:graphicFrame>
     </p:spTree>
     <p:extLst>
       <p:ext uri="{BB962C8B-B14F-4D97-AF65-F5344CB8AC3E}">
